--- a/프론트엔드기초(PPT)/JAVASCRIPT 4강_연산과 연산자.pptx
+++ b/프론트엔드기초(PPT)/JAVASCRIPT 4강_연산과 연산자.pptx
@@ -5,22 +5,23 @@
     <p:sldMasterId id="2147483648" r:id="rId1"/>
   </p:sldMasterIdLst>
   <p:sldIdLst>
-    <p:sldId id="256" r:id="rId2"/>
-    <p:sldId id="264" r:id="rId3"/>
-    <p:sldId id="267" r:id="rId4"/>
-    <p:sldId id="268" r:id="rId5"/>
-    <p:sldId id="269" r:id="rId6"/>
-    <p:sldId id="276" r:id="rId7"/>
-    <p:sldId id="281" r:id="rId8"/>
-    <p:sldId id="277" r:id="rId9"/>
-    <p:sldId id="278" r:id="rId10"/>
-    <p:sldId id="279" r:id="rId11"/>
-    <p:sldId id="280" r:id="rId12"/>
-    <p:sldId id="282" r:id="rId13"/>
-    <p:sldId id="283" r:id="rId14"/>
-    <p:sldId id="284" r:id="rId15"/>
-    <p:sldId id="285" r:id="rId16"/>
-    <p:sldId id="263" r:id="rId17"/>
+    <p:sldId id="286" r:id="rId2"/>
+    <p:sldId id="287" r:id="rId3"/>
+    <p:sldId id="264" r:id="rId4"/>
+    <p:sldId id="267" r:id="rId5"/>
+    <p:sldId id="268" r:id="rId6"/>
+    <p:sldId id="269" r:id="rId7"/>
+    <p:sldId id="276" r:id="rId8"/>
+    <p:sldId id="281" r:id="rId9"/>
+    <p:sldId id="277" r:id="rId10"/>
+    <p:sldId id="278" r:id="rId11"/>
+    <p:sldId id="279" r:id="rId12"/>
+    <p:sldId id="280" r:id="rId13"/>
+    <p:sldId id="282" r:id="rId14"/>
+    <p:sldId id="283" r:id="rId15"/>
+    <p:sldId id="284" r:id="rId16"/>
+    <p:sldId id="285" r:id="rId17"/>
+    <p:sldId id="263" r:id="rId18"/>
   </p:sldIdLst>
   <p:sldSz cx="9144000" cy="6858000" type="screen4x3"/>
   <p:notesSz cx="6858000" cy="9144000"/>
@@ -303,7 +304,7 @@
           <a:p>
             <a:fld id="{FB30EDBD-1C2D-4C1E-B459-B60219FAB484}" type="datetimeFigureOut">
               <a:rPr lang="ko-KR" altLang="en-US" smtClean="0"/>
-              <a:t>2020-09-27</a:t>
+              <a:t>2020-10-23</a:t>
             </a:fld>
             <a:endParaRPr lang="ko-KR" altLang="en-US"/>
           </a:p>
@@ -468,7 +469,7 @@
           <a:p>
             <a:fld id="{FB30EDBD-1C2D-4C1E-B459-B60219FAB484}" type="datetimeFigureOut">
               <a:rPr lang="ko-KR" altLang="en-US" smtClean="0"/>
-              <a:t>2020-09-27</a:t>
+              <a:t>2020-10-23</a:t>
             </a:fld>
             <a:endParaRPr lang="ko-KR" altLang="en-US"/>
           </a:p>
@@ -643,7 +644,7 @@
           <a:p>
             <a:fld id="{FB30EDBD-1C2D-4C1E-B459-B60219FAB484}" type="datetimeFigureOut">
               <a:rPr lang="ko-KR" altLang="en-US" smtClean="0"/>
-              <a:t>2020-09-27</a:t>
+              <a:t>2020-10-23</a:t>
             </a:fld>
             <a:endParaRPr lang="ko-KR" altLang="en-US"/>
           </a:p>
@@ -808,7 +809,7 @@
           <a:p>
             <a:fld id="{FB30EDBD-1C2D-4C1E-B459-B60219FAB484}" type="datetimeFigureOut">
               <a:rPr lang="ko-KR" altLang="en-US" smtClean="0"/>
-              <a:t>2020-09-27</a:t>
+              <a:t>2020-10-23</a:t>
             </a:fld>
             <a:endParaRPr lang="ko-KR" altLang="en-US"/>
           </a:p>
@@ -1049,7 +1050,7 @@
           <a:p>
             <a:fld id="{FB30EDBD-1C2D-4C1E-B459-B60219FAB484}" type="datetimeFigureOut">
               <a:rPr lang="ko-KR" altLang="en-US" smtClean="0"/>
-              <a:t>2020-09-27</a:t>
+              <a:t>2020-10-23</a:t>
             </a:fld>
             <a:endParaRPr lang="ko-KR" altLang="en-US"/>
           </a:p>
@@ -1332,7 +1333,7 @@
           <a:p>
             <a:fld id="{FB30EDBD-1C2D-4C1E-B459-B60219FAB484}" type="datetimeFigureOut">
               <a:rPr lang="ko-KR" altLang="en-US" smtClean="0"/>
-              <a:t>2020-09-27</a:t>
+              <a:t>2020-10-23</a:t>
             </a:fld>
             <a:endParaRPr lang="ko-KR" altLang="en-US"/>
           </a:p>
@@ -1749,7 +1750,7 @@
           <a:p>
             <a:fld id="{FB30EDBD-1C2D-4C1E-B459-B60219FAB484}" type="datetimeFigureOut">
               <a:rPr lang="ko-KR" altLang="en-US" smtClean="0"/>
-              <a:t>2020-09-27</a:t>
+              <a:t>2020-10-23</a:t>
             </a:fld>
             <a:endParaRPr lang="ko-KR" altLang="en-US"/>
           </a:p>
@@ -1862,7 +1863,7 @@
           <a:p>
             <a:fld id="{FB30EDBD-1C2D-4C1E-B459-B60219FAB484}" type="datetimeFigureOut">
               <a:rPr lang="ko-KR" altLang="en-US" smtClean="0"/>
-              <a:t>2020-09-27</a:t>
+              <a:t>2020-10-23</a:t>
             </a:fld>
             <a:endParaRPr lang="ko-KR" altLang="en-US"/>
           </a:p>
@@ -1952,7 +1953,7 @@
           <a:p>
             <a:fld id="{FB30EDBD-1C2D-4C1E-B459-B60219FAB484}" type="datetimeFigureOut">
               <a:rPr lang="ko-KR" altLang="en-US" smtClean="0"/>
-              <a:t>2020-09-27</a:t>
+              <a:t>2020-10-23</a:t>
             </a:fld>
             <a:endParaRPr lang="ko-KR" altLang="en-US"/>
           </a:p>
@@ -2224,7 +2225,7 @@
           <a:p>
             <a:fld id="{FB30EDBD-1C2D-4C1E-B459-B60219FAB484}" type="datetimeFigureOut">
               <a:rPr lang="ko-KR" altLang="en-US" smtClean="0"/>
-              <a:t>2020-09-27</a:t>
+              <a:t>2020-10-23</a:t>
             </a:fld>
             <a:endParaRPr lang="ko-KR" altLang="en-US"/>
           </a:p>
@@ -2472,7 +2473,7 @@
           <a:p>
             <a:fld id="{FB30EDBD-1C2D-4C1E-B459-B60219FAB484}" type="datetimeFigureOut">
               <a:rPr lang="ko-KR" altLang="en-US" smtClean="0"/>
-              <a:t>2020-09-27</a:t>
+              <a:t>2020-10-23</a:t>
             </a:fld>
             <a:endParaRPr lang="ko-KR" altLang="en-US"/>
           </a:p>
@@ -2680,7 +2681,7 @@
           <a:p>
             <a:fld id="{FB30EDBD-1C2D-4C1E-B459-B60219FAB484}" type="datetimeFigureOut">
               <a:rPr lang="ko-KR" altLang="en-US" smtClean="0"/>
-              <a:t>2020-09-27</a:t>
+              <a:t>2020-10-23</a:t>
             </a:fld>
             <a:endParaRPr lang="ko-KR" altLang="en-US"/>
           </a:p>
@@ -3076,34 +3077,24 @@
           <a:lstStyle/>
           <a:p>
             <a:r>
-              <a:rPr lang="en-US" altLang="ko-KR" sz="2800" smtClean="0">
+              <a:rPr lang="en-US" altLang="ko-KR" sz="2800" dirty="0" smtClean="0">
                 <a:solidFill>
                   <a:schemeClr val="bg1"/>
                 </a:solidFill>
                 <a:latin typeface="배달의민족 주아" pitchFamily="18" charset="-127"/>
                 <a:ea typeface="배달의민족 주아" pitchFamily="18" charset="-127"/>
               </a:rPr>
-              <a:t>JavaScript  </a:t>
-            </a:r>
-            <a:r>
-              <a:rPr lang="en-US" altLang="ko-KR" sz="2800" smtClean="0">
+              <a:t>JavaScript  Language basic </a:t>
+            </a:r>
+            <a:r>
+              <a:rPr lang="en-US" altLang="ko-KR" sz="2800" dirty="0" err="1" smtClean="0">
                 <a:solidFill>
                   <a:schemeClr val="bg1"/>
                 </a:solidFill>
                 <a:latin typeface="배달의민족 주아" pitchFamily="18" charset="-127"/>
                 <a:ea typeface="배달의민족 주아" pitchFamily="18" charset="-127"/>
               </a:rPr>
-              <a:t>4</a:t>
-            </a:r>
-            <a:r>
-              <a:rPr lang="ko-KR" altLang="en-US" sz="2800" smtClean="0">
-                <a:solidFill>
-                  <a:schemeClr val="bg1"/>
-                </a:solidFill>
-                <a:latin typeface="배달의민족 주아" pitchFamily="18" charset="-127"/>
-                <a:ea typeface="배달의민족 주아" pitchFamily="18" charset="-127"/>
-              </a:rPr>
-              <a:t>강</a:t>
+              <a:t>cource</a:t>
             </a:r>
             <a:r>
               <a:rPr lang="en-US" altLang="ko-KR" sz="2800" dirty="0" smtClean="0">
@@ -3144,6 +3135,26 @@
               </a:rPr>
             </a:br>
             <a:r>
+              <a:rPr lang="en-US" altLang="ko-KR" dirty="0" smtClean="0">
+                <a:solidFill>
+                  <a:schemeClr val="bg1"/>
+                </a:solidFill>
+                <a:latin typeface="배달의민족 주아" pitchFamily="18" charset="-127"/>
+                <a:ea typeface="배달의민족 주아" pitchFamily="18" charset="-127"/>
+              </a:rPr>
+              <a:t>    </a:t>
+            </a:r>
+            <a:r>
+              <a:rPr lang="ko-KR" altLang="en-US" dirty="0" err="1" smtClean="0">
+                <a:solidFill>
+                  <a:schemeClr val="bg1"/>
+                </a:solidFill>
+                <a:latin typeface="배달의민족 주아" pitchFamily="18" charset="-127"/>
+                <a:ea typeface="배달의민족 주아" pitchFamily="18" charset="-127"/>
+              </a:rPr>
+              <a:t>스타트코딩</a:t>
+            </a:r>
+            <a:r>
               <a:rPr lang="ko-KR" altLang="en-US" dirty="0" smtClean="0">
                 <a:solidFill>
                   <a:schemeClr val="bg1"/>
@@ -3151,17 +3162,27 @@
                 <a:latin typeface="배달의민족 주아" pitchFamily="18" charset="-127"/>
                 <a:ea typeface="배달의민족 주아" pitchFamily="18" charset="-127"/>
               </a:rPr>
-              <a:t>자바스크립트</a:t>
-            </a:r>
-            <a:r>
-              <a:rPr lang="en-US" altLang="ko-KR" dirty="0">
+              <a:t> 자바스크립트 입문 </a:t>
+            </a:r>
+            <a:r>
+              <a:rPr lang="en-US" altLang="ko-KR" dirty="0" smtClean="0">
                 <a:solidFill>
                   <a:schemeClr val="bg1"/>
                 </a:solidFill>
                 <a:latin typeface="배달의민족 주아" pitchFamily="18" charset="-127"/>
                 <a:ea typeface="배달의민족 주아" pitchFamily="18" charset="-127"/>
               </a:rPr>
-              <a:t> </a:t>
+              <a:t>4</a:t>
+            </a:r>
+            <a:r>
+              <a:rPr lang="ko-KR" altLang="en-US" dirty="0" smtClean="0">
+                <a:solidFill>
+                  <a:schemeClr val="bg1"/>
+                </a:solidFill>
+                <a:latin typeface="배달의민족 주아" pitchFamily="18" charset="-127"/>
+                <a:ea typeface="배달의민족 주아" pitchFamily="18" charset="-127"/>
+              </a:rPr>
+              <a:t>강</a:t>
             </a:r>
             <a:r>
               <a:rPr lang="en-US" altLang="ko-KR" dirty="0" smtClean="0">
@@ -3185,27 +3206,17 @@
             <a:r>
               <a:rPr lang="ko-KR" altLang="en-US" dirty="0" smtClean="0">
                 <a:solidFill>
-                  <a:schemeClr val="bg1"/>
+                  <a:srgbClr val="FFCC00"/>
                 </a:solidFill>
                 <a:latin typeface="배달의민족 주아" pitchFamily="18" charset="-127"/>
                 <a:ea typeface="배달의민족 주아" pitchFamily="18" charset="-127"/>
               </a:rPr>
               <a:t>연산과 연산자</a:t>
             </a:r>
-            <a:r>
-              <a:rPr lang="en-US" altLang="ko-KR" dirty="0" smtClean="0">
-                <a:latin typeface="배달의민족 주아" pitchFamily="18" charset="-127"/>
-                <a:ea typeface="배달의민족 주아" pitchFamily="18" charset="-127"/>
-              </a:rPr>
-              <a:t/>
-            </a:r>
-            <a:br>
-              <a:rPr lang="en-US" altLang="ko-KR" dirty="0" smtClean="0">
-                <a:latin typeface="배달의민족 주아" pitchFamily="18" charset="-127"/>
-                <a:ea typeface="배달의민족 주아" pitchFamily="18" charset="-127"/>
-              </a:rPr>
-            </a:br>
             <a:endParaRPr lang="ko-KR" altLang="en-US" dirty="0">
+              <a:solidFill>
+                <a:srgbClr val="FFCC00"/>
+              </a:solidFill>
               <a:latin typeface="배달의민족 주아" pitchFamily="18" charset="-127"/>
               <a:ea typeface="배달의민족 주아" pitchFamily="18" charset="-127"/>
             </a:endParaRPr>
@@ -3275,10 +3286,51 @@
           </a:p>
         </p:txBody>
       </p:sp>
+      <p:pic>
+        <p:nvPicPr>
+          <p:cNvPr id="4" name="Picture 4" descr="C:\Users\Administrator\Desktop\기준\프로그래밍\교육자료정리\홍보자료\javascript_icon_130900.png"/>
+          <p:cNvPicPr>
+            <a:picLocks noChangeAspect="1" noChangeArrowheads="1"/>
+          </p:cNvPicPr>
+          <p:nvPr/>
+        </p:nvPicPr>
+        <p:blipFill>
+          <a:blip r:embed="rId2" cstate="print">
+            <a:extLst>
+              <a:ext uri="{28A0092B-C50C-407E-A947-70E740481C1C}">
+                <a14:useLocalDpi xmlns:a14="http://schemas.microsoft.com/office/drawing/2010/main" val="0"/>
+              </a:ext>
+            </a:extLst>
+          </a:blip>
+          <a:srcRect/>
+          <a:stretch>
+            <a:fillRect/>
+          </a:stretch>
+        </p:blipFill>
+        <p:spPr bwMode="auto">
+          <a:xfrm>
+            <a:off x="971600" y="2708920"/>
+            <a:ext cx="576064" cy="576064"/>
+          </a:xfrm>
+          <a:prstGeom prst="rect">
+            <a:avLst/>
+          </a:prstGeom>
+          <a:noFill/>
+          <a:extLst>
+            <a:ext uri="{909E8E84-426E-40DD-AFC4-6F175D3DCCD1}">
+              <a14:hiddenFill xmlns:a14="http://schemas.microsoft.com/office/drawing/2010/main">
+                <a:solidFill>
+                  <a:srgbClr val="FFFFFF"/>
+                </a:solidFill>
+              </a14:hiddenFill>
+            </a:ext>
+          </a:extLst>
+        </p:spPr>
+      </p:pic>
     </p:spTree>
     <p:extLst>
       <p:ext uri="{BB962C8B-B14F-4D97-AF65-F5344CB8AC3E}">
-        <p14:creationId xmlns:p14="http://schemas.microsoft.com/office/powerpoint/2010/main" val="4108424399"/>
+        <p14:creationId xmlns:p14="http://schemas.microsoft.com/office/powerpoint/2010/main" val="790855031"/>
       </p:ext>
     </p:extLst>
   </p:cSld>
@@ -3296,6 +3348,435 @@
 </file>
 
 <file path=ppt/slides/slide10.xml><?xml version="1.0" encoding="utf-8"?>
+<p:sld xmlns:a="http://schemas.openxmlformats.org/drawingml/2006/main" xmlns:r="http://schemas.openxmlformats.org/officeDocument/2006/relationships" xmlns:p="http://schemas.openxmlformats.org/presentationml/2006/main">
+  <p:cSld>
+    <p:spTree>
+      <p:nvGrpSpPr>
+        <p:cNvPr id="1" name=""/>
+        <p:cNvGrpSpPr/>
+        <p:nvPr/>
+      </p:nvGrpSpPr>
+      <p:grpSpPr>
+        <a:xfrm>
+          <a:off x="0" y="0"/>
+          <a:ext cx="0" cy="0"/>
+          <a:chOff x="0" y="0"/>
+          <a:chExt cx="0" cy="0"/>
+        </a:xfrm>
+      </p:grpSpPr>
+      <p:sp>
+        <p:nvSpPr>
+          <p:cNvPr id="2" name="제목 1"/>
+          <p:cNvSpPr>
+            <a:spLocks noGrp="1"/>
+          </p:cNvSpPr>
+          <p:nvPr>
+            <p:ph type="ctrTitle"/>
+          </p:nvPr>
+        </p:nvSpPr>
+        <p:spPr>
+          <a:xfrm>
+            <a:off x="685800" y="1340768"/>
+            <a:ext cx="7772400" cy="1470025"/>
+          </a:xfrm>
+        </p:spPr>
+        <p:txBody>
+          <a:bodyPr/>
+          <a:lstStyle/>
+          <a:p>
+            <a:r>
+              <a:rPr lang="ko-KR" altLang="en-US" dirty="0" smtClean="0">
+                <a:latin typeface="배달의민족 주아" pitchFamily="18" charset="-127"/>
+                <a:ea typeface="배달의민족 주아" pitchFamily="18" charset="-127"/>
+              </a:rPr>
+              <a:t>불린</a:t>
+            </a:r>
+            <a:r>
+              <a:rPr lang="en-US" altLang="ko-KR" dirty="0" smtClean="0">
+                <a:latin typeface="배달의민족 주아" pitchFamily="18" charset="-127"/>
+                <a:ea typeface="배달의민족 주아" pitchFamily="18" charset="-127"/>
+              </a:rPr>
+              <a:t>(Boolean)</a:t>
+            </a:r>
+            <a:r>
+              <a:rPr lang="ko-KR" altLang="en-US" dirty="0" smtClean="0">
+                <a:latin typeface="배달의민족 주아" pitchFamily="18" charset="-127"/>
+                <a:ea typeface="배달의민족 주아" pitchFamily="18" charset="-127"/>
+              </a:rPr>
+              <a:t>형</a:t>
+            </a:r>
+            <a:endParaRPr lang="ko-KR" altLang="en-US" dirty="0">
+              <a:latin typeface="배달의민족 주아" pitchFamily="18" charset="-127"/>
+              <a:ea typeface="배달의민족 주아" pitchFamily="18" charset="-127"/>
+            </a:endParaRPr>
+          </a:p>
+        </p:txBody>
+      </p:sp>
+      <p:sp>
+        <p:nvSpPr>
+          <p:cNvPr id="3" name="TextBox 2"/>
+          <p:cNvSpPr txBox="1"/>
+          <p:nvPr/>
+        </p:nvSpPr>
+        <p:spPr>
+          <a:xfrm>
+            <a:off x="6588224" y="6165304"/>
+            <a:ext cx="1838965" cy="369332"/>
+          </a:xfrm>
+          <a:prstGeom prst="rect">
+            <a:avLst/>
+          </a:prstGeom>
+          <a:noFill/>
+        </p:spPr>
+        <p:txBody>
+          <a:bodyPr wrap="none" rtlCol="0">
+            <a:spAutoFit/>
+          </a:bodyPr>
+          <a:lstStyle/>
+          <a:p>
+            <a:r>
+              <a:rPr lang="en-US" altLang="ko-KR" dirty="0" smtClean="0">
+                <a:solidFill>
+                  <a:schemeClr val="accent5"/>
+                </a:solidFill>
+                <a:latin typeface="배달의민족 도현" pitchFamily="50" charset="-127"/>
+                <a:ea typeface="배달의민족 도현" pitchFamily="50" charset="-127"/>
+              </a:rPr>
+              <a:t>S</a:t>
+            </a:r>
+            <a:r>
+              <a:rPr lang="en-US" altLang="ko-KR" dirty="0" smtClean="0">
+                <a:latin typeface="배달의민족 도현" pitchFamily="50" charset="-127"/>
+                <a:ea typeface="배달의민족 도현" pitchFamily="50" charset="-127"/>
+              </a:rPr>
+              <a:t>TART</a:t>
+            </a:r>
+            <a:r>
+              <a:rPr lang="en-US" altLang="ko-KR" dirty="0" smtClean="0">
+                <a:solidFill>
+                  <a:schemeClr val="accent5"/>
+                </a:solidFill>
+                <a:latin typeface="배달의민족 도현" pitchFamily="50" charset="-127"/>
+                <a:ea typeface="배달의민족 도현" pitchFamily="50" charset="-127"/>
+              </a:rPr>
+              <a:t>C</a:t>
+            </a:r>
+            <a:r>
+              <a:rPr lang="en-US" altLang="ko-KR" dirty="0" smtClean="0">
+                <a:latin typeface="배달의민족 도현" pitchFamily="50" charset="-127"/>
+                <a:ea typeface="배달의민족 도현" pitchFamily="50" charset="-127"/>
+              </a:rPr>
+              <a:t>ODING</a:t>
+            </a:r>
+            <a:endParaRPr lang="ko-KR" altLang="en-US" dirty="0">
+              <a:latin typeface="배달의민족 도현" pitchFamily="50" charset="-127"/>
+              <a:ea typeface="배달의민족 도현" pitchFamily="50" charset="-127"/>
+            </a:endParaRPr>
+          </a:p>
+        </p:txBody>
+      </p:sp>
+      <p:sp>
+        <p:nvSpPr>
+          <p:cNvPr id="5" name="제목 1"/>
+          <p:cNvSpPr txBox="1">
+            <a:spLocks/>
+          </p:cNvSpPr>
+          <p:nvPr/>
+        </p:nvSpPr>
+        <p:spPr>
+          <a:xfrm>
+            <a:off x="1331640" y="2780928"/>
+            <a:ext cx="6336703" cy="1470025"/>
+          </a:xfrm>
+          <a:prstGeom prst="rect">
+            <a:avLst/>
+          </a:prstGeom>
+        </p:spPr>
+        <p:txBody>
+          <a:bodyPr vert="horz" lIns="91440" tIns="45720" rIns="91440" bIns="45720" rtlCol="0" anchor="ctr">
+            <a:normAutofit/>
+          </a:bodyPr>
+          <a:lstStyle>
+            <a:lvl1pPr algn="ctr" defTabSz="914400" rtl="0" eaLnBrk="1" latinLnBrk="1" hangingPunct="1">
+              <a:spcBef>
+                <a:spcPct val="0"/>
+              </a:spcBef>
+              <a:buNone/>
+              <a:defRPr sz="4400" kern="1200">
+                <a:solidFill>
+                  <a:schemeClr val="tx1"/>
+                </a:solidFill>
+                <a:latin typeface="+mj-lt"/>
+                <a:ea typeface="+mj-ea"/>
+                <a:cs typeface="+mj-cs"/>
+              </a:defRPr>
+            </a:lvl1pPr>
+          </a:lstStyle>
+          <a:p>
+            <a:r>
+              <a:rPr lang="en-US" altLang="ko-KR" dirty="0" smtClean="0">
+                <a:solidFill>
+                  <a:schemeClr val="accent5"/>
+                </a:solidFill>
+                <a:latin typeface="배달의민족 주아" pitchFamily="18" charset="-127"/>
+                <a:ea typeface="배달의민족 주아" pitchFamily="18" charset="-127"/>
+              </a:rPr>
+              <a:t>True</a:t>
+            </a:r>
+          </a:p>
+        </p:txBody>
+      </p:sp>
+      <p:sp>
+        <p:nvSpPr>
+          <p:cNvPr id="6" name="제목 1"/>
+          <p:cNvSpPr txBox="1">
+            <a:spLocks/>
+          </p:cNvSpPr>
+          <p:nvPr/>
+        </p:nvSpPr>
+        <p:spPr>
+          <a:xfrm>
+            <a:off x="1331640" y="3717032"/>
+            <a:ext cx="6336703" cy="1470025"/>
+          </a:xfrm>
+          <a:prstGeom prst="rect">
+            <a:avLst/>
+          </a:prstGeom>
+        </p:spPr>
+        <p:txBody>
+          <a:bodyPr vert="horz" lIns="91440" tIns="45720" rIns="91440" bIns="45720" rtlCol="0" anchor="ctr">
+            <a:normAutofit/>
+          </a:bodyPr>
+          <a:lstStyle>
+            <a:lvl1pPr algn="ctr" defTabSz="914400" rtl="0" eaLnBrk="1" latinLnBrk="1" hangingPunct="1">
+              <a:spcBef>
+                <a:spcPct val="0"/>
+              </a:spcBef>
+              <a:buNone/>
+              <a:defRPr sz="4400" kern="1200">
+                <a:solidFill>
+                  <a:schemeClr val="tx1"/>
+                </a:solidFill>
+                <a:latin typeface="+mj-lt"/>
+                <a:ea typeface="+mj-ea"/>
+                <a:cs typeface="+mj-cs"/>
+              </a:defRPr>
+            </a:lvl1pPr>
+          </a:lstStyle>
+          <a:p>
+            <a:r>
+              <a:rPr lang="en-US" altLang="ko-KR" dirty="0" smtClean="0">
+                <a:solidFill>
+                  <a:schemeClr val="accent6"/>
+                </a:solidFill>
+                <a:latin typeface="배달의민족 주아" pitchFamily="18" charset="-127"/>
+                <a:ea typeface="배달의민족 주아" pitchFamily="18" charset="-127"/>
+              </a:rPr>
+              <a:t>False</a:t>
+            </a:r>
+          </a:p>
+        </p:txBody>
+      </p:sp>
+      <p:sp>
+        <p:nvSpPr>
+          <p:cNvPr id="7" name="직사각형 6"/>
+          <p:cNvSpPr/>
+          <p:nvPr/>
+        </p:nvSpPr>
+        <p:spPr>
+          <a:xfrm>
+            <a:off x="107504" y="116632"/>
+            <a:ext cx="2592288" cy="369332"/>
+          </a:xfrm>
+          <a:prstGeom prst="rect">
+            <a:avLst/>
+          </a:prstGeom>
+        </p:spPr>
+        <p:txBody>
+          <a:bodyPr wrap="square">
+            <a:spAutoFit/>
+          </a:bodyPr>
+          <a:lstStyle/>
+          <a:p>
+            <a:r>
+              <a:rPr lang="en-US" altLang="ko-KR" dirty="0" smtClean="0">
+                <a:latin typeface="배달의민족 주아" pitchFamily="18" charset="-127"/>
+                <a:ea typeface="배달의민족 주아" pitchFamily="18" charset="-127"/>
+              </a:rPr>
+              <a:t>4</a:t>
+            </a:r>
+            <a:r>
+              <a:rPr lang="en-US" altLang="ko-KR" smtClean="0">
+                <a:latin typeface="배달의민족 주아" pitchFamily="18" charset="-127"/>
+                <a:ea typeface="배달의민족 주아" pitchFamily="18" charset="-127"/>
+              </a:rPr>
+              <a:t>. </a:t>
+            </a:r>
+            <a:r>
+              <a:rPr lang="ko-KR" altLang="en-US" dirty="0" smtClean="0">
+                <a:latin typeface="배달의민족 주아" pitchFamily="18" charset="-127"/>
+                <a:ea typeface="배달의민족 주아" pitchFamily="18" charset="-127"/>
+              </a:rPr>
+              <a:t>논리연산</a:t>
+            </a:r>
+            <a:endParaRPr lang="ko-KR" altLang="en-US" dirty="0"/>
+          </a:p>
+        </p:txBody>
+      </p:sp>
+    </p:spTree>
+    <p:extLst>
+      <p:ext uri="{BB962C8B-B14F-4D97-AF65-F5344CB8AC3E}">
+        <p14:creationId xmlns:p14="http://schemas.microsoft.com/office/powerpoint/2010/main" val="2834783587"/>
+      </p:ext>
+    </p:extLst>
+  </p:cSld>
+  <p:clrMapOvr>
+    <a:masterClrMapping/>
+  </p:clrMapOvr>
+  <p:timing>
+    <p:tnLst>
+      <p:par>
+        <p:cTn id="1" dur="indefinite" restart="never" nodeType="tmRoot">
+          <p:childTnLst>
+            <p:seq concurrent="1" nextAc="seek">
+              <p:cTn id="2" dur="indefinite" nodeType="mainSeq">
+                <p:childTnLst>
+                  <p:par>
+                    <p:cTn id="3" fill="hold">
+                      <p:stCondLst>
+                        <p:cond delay="indefinite"/>
+                      </p:stCondLst>
+                      <p:childTnLst>
+                        <p:par>
+                          <p:cTn id="4" fill="hold">
+                            <p:stCondLst>
+                              <p:cond delay="0"/>
+                            </p:stCondLst>
+                            <p:childTnLst>
+                              <p:par>
+                                <p:cTn id="5" presetID="10" presetClass="entr" presetSubtype="0" fill="hold" grpId="0" nodeType="clickEffect">
+                                  <p:stCondLst>
+                                    <p:cond delay="0"/>
+                                  </p:stCondLst>
+                                  <p:childTnLst>
+                                    <p:set>
+                                      <p:cBhvr>
+                                        <p:cTn id="6" dur="1" fill="hold">
+                                          <p:stCondLst>
+                                            <p:cond delay="0"/>
+                                          </p:stCondLst>
+                                        </p:cTn>
+                                        <p:tgtEl>
+                                          <p:spTgt spid="5"/>
+                                        </p:tgtEl>
+                                        <p:attrNameLst>
+                                          <p:attrName>style.visibility</p:attrName>
+                                        </p:attrNameLst>
+                                      </p:cBhvr>
+                                      <p:to>
+                                        <p:strVal val="visible"/>
+                                      </p:to>
+                                    </p:set>
+                                    <p:animEffect transition="in" filter="fade">
+                                      <p:cBhvr>
+                                        <p:cTn id="7" dur="500"/>
+                                        <p:tgtEl>
+                                          <p:spTgt spid="5"/>
+                                        </p:tgtEl>
+                                      </p:cBhvr>
+                                    </p:animEffect>
+                                  </p:childTnLst>
+                                </p:cTn>
+                              </p:par>
+                            </p:childTnLst>
+                          </p:cTn>
+                        </p:par>
+                      </p:childTnLst>
+                    </p:cTn>
+                  </p:par>
+                  <p:par>
+                    <p:cTn id="8" fill="hold">
+                      <p:stCondLst>
+                        <p:cond delay="indefinite"/>
+                      </p:stCondLst>
+                      <p:childTnLst>
+                        <p:par>
+                          <p:cTn id="9" fill="hold">
+                            <p:stCondLst>
+                              <p:cond delay="0"/>
+                            </p:stCondLst>
+                            <p:childTnLst>
+                              <p:par>
+                                <p:cTn id="10" presetID="10" presetClass="entr" presetSubtype="0" fill="hold" grpId="0" nodeType="clickEffect">
+                                  <p:stCondLst>
+                                    <p:cond delay="0"/>
+                                  </p:stCondLst>
+                                  <p:childTnLst>
+                                    <p:set>
+                                      <p:cBhvr>
+                                        <p:cTn id="11" dur="1" fill="hold">
+                                          <p:stCondLst>
+                                            <p:cond delay="0"/>
+                                          </p:stCondLst>
+                                        </p:cTn>
+                                        <p:tgtEl>
+                                          <p:spTgt spid="6"/>
+                                        </p:tgtEl>
+                                        <p:attrNameLst>
+                                          <p:attrName>style.visibility</p:attrName>
+                                        </p:attrNameLst>
+                                      </p:cBhvr>
+                                      <p:to>
+                                        <p:strVal val="visible"/>
+                                      </p:to>
+                                    </p:set>
+                                    <p:animEffect transition="in" filter="fade">
+                                      <p:cBhvr>
+                                        <p:cTn id="12" dur="500"/>
+                                        <p:tgtEl>
+                                          <p:spTgt spid="6"/>
+                                        </p:tgtEl>
+                                      </p:cBhvr>
+                                    </p:animEffect>
+                                  </p:childTnLst>
+                                </p:cTn>
+                              </p:par>
+                            </p:childTnLst>
+                          </p:cTn>
+                        </p:par>
+                      </p:childTnLst>
+                    </p:cTn>
+                  </p:par>
+                </p:childTnLst>
+              </p:cTn>
+              <p:prevCondLst>
+                <p:cond evt="onPrev" delay="0">
+                  <p:tgtEl>
+                    <p:sldTgt/>
+                  </p:tgtEl>
+                </p:cond>
+              </p:prevCondLst>
+              <p:nextCondLst>
+                <p:cond evt="onNext" delay="0">
+                  <p:tgtEl>
+                    <p:sldTgt/>
+                  </p:tgtEl>
+                </p:cond>
+              </p:nextCondLst>
+            </p:seq>
+          </p:childTnLst>
+        </p:cTn>
+      </p:par>
+    </p:tnLst>
+    <p:bldLst>
+      <p:bldP spid="5" grpId="0"/>
+      <p:bldP spid="6" grpId="0"/>
+    </p:bldLst>
+  </p:timing>
+</p:sld>
+</file>
+
+<file path=ppt/slides/slide11.xml><?xml version="1.0" encoding="utf-8"?>
 <p:sld xmlns:a="http://schemas.openxmlformats.org/drawingml/2006/main" xmlns:r="http://schemas.openxmlformats.org/officeDocument/2006/relationships" xmlns:p="http://schemas.openxmlformats.org/presentationml/2006/main">
   <p:cSld>
     <p:spTree>
@@ -3709,6 +4190,52 @@
           </a:graphicData>
         </a:graphic>
       </p:graphicFrame>
+      <p:sp>
+        <p:nvSpPr>
+          <p:cNvPr id="6" name="직사각형 5"/>
+          <p:cNvSpPr/>
+          <p:nvPr/>
+        </p:nvSpPr>
+        <p:spPr>
+          <a:xfrm>
+            <a:off x="107504" y="116632"/>
+            <a:ext cx="2592288" cy="369332"/>
+          </a:xfrm>
+          <a:prstGeom prst="rect">
+            <a:avLst/>
+          </a:prstGeom>
+        </p:spPr>
+        <p:txBody>
+          <a:bodyPr wrap="square">
+            <a:spAutoFit/>
+          </a:bodyPr>
+          <a:lstStyle/>
+          <a:p>
+            <a:r>
+              <a:rPr lang="en-US" altLang="ko-KR" dirty="0" smtClean="0">
+                <a:latin typeface="배달의민족 주아" pitchFamily="18" charset="-127"/>
+                <a:ea typeface="배달의민족 주아" pitchFamily="18" charset="-127"/>
+              </a:rPr>
+              <a:t>4</a:t>
+            </a:r>
+            <a:r>
+              <a:rPr lang="en-US" altLang="ko-KR" smtClean="0">
+                <a:latin typeface="배달의민족 주아" pitchFamily="18" charset="-127"/>
+                <a:ea typeface="배달의민족 주아" pitchFamily="18" charset="-127"/>
+              </a:rPr>
+              <a:t>. </a:t>
+            </a:r>
+            <a:r>
+              <a:rPr lang="ko-KR" altLang="en-US" dirty="0" smtClean="0">
+                <a:latin typeface="배달의민족 주아" pitchFamily="18" charset="-127"/>
+                <a:ea typeface="배달의민족 주아" pitchFamily="18" charset="-127"/>
+              </a:rPr>
+              <a:t>논리연산</a:t>
+            </a:r>
+            <a:endParaRPr lang="ko-KR" altLang="en-US" dirty="0"/>
+          </a:p>
+        </p:txBody>
+      </p:sp>
     </p:spTree>
     <p:extLst>
       <p:ext uri="{BB962C8B-B14F-4D97-AF65-F5344CB8AC3E}">
@@ -3861,7 +4388,7 @@
 </p:sld>
 </file>
 
-<file path=ppt/slides/slide11.xml><?xml version="1.0" encoding="utf-8"?>
+<file path=ppt/slides/slide12.xml><?xml version="1.0" encoding="utf-8"?>
 <p:sld xmlns:a="http://schemas.openxmlformats.org/drawingml/2006/main" xmlns:r="http://schemas.openxmlformats.org/officeDocument/2006/relationships" xmlns:p="http://schemas.openxmlformats.org/presentationml/2006/main">
   <p:cSld>
     <p:spTree>
@@ -3903,7 +4430,7 @@
                 <a:latin typeface="배달의민족 주아" pitchFamily="18" charset="-127"/>
                 <a:ea typeface="배달의민족 주아" pitchFamily="18" charset="-127"/>
               </a:rPr>
-              <a:t>비교연산</a:t>
+              <a:t>비교연산의 결과</a:t>
             </a:r>
             <a:endParaRPr lang="ko-KR" altLang="en-US" dirty="0">
               <a:latin typeface="배달의민족 주아" pitchFamily="18" charset="-127"/>
@@ -4251,6 +4778,52 @@
           </a:graphicData>
         </a:graphic>
       </p:graphicFrame>
+      <p:sp>
+        <p:nvSpPr>
+          <p:cNvPr id="5" name="직사각형 4"/>
+          <p:cNvSpPr/>
+          <p:nvPr/>
+        </p:nvSpPr>
+        <p:spPr>
+          <a:xfrm>
+            <a:off x="107504" y="116632"/>
+            <a:ext cx="2592288" cy="369332"/>
+          </a:xfrm>
+          <a:prstGeom prst="rect">
+            <a:avLst/>
+          </a:prstGeom>
+        </p:spPr>
+        <p:txBody>
+          <a:bodyPr wrap="square">
+            <a:spAutoFit/>
+          </a:bodyPr>
+          <a:lstStyle/>
+          <a:p>
+            <a:r>
+              <a:rPr lang="en-US" altLang="ko-KR" dirty="0" smtClean="0">
+                <a:latin typeface="배달의민족 주아" pitchFamily="18" charset="-127"/>
+                <a:ea typeface="배달의민족 주아" pitchFamily="18" charset="-127"/>
+              </a:rPr>
+              <a:t>4</a:t>
+            </a:r>
+            <a:r>
+              <a:rPr lang="en-US" altLang="ko-KR" smtClean="0">
+                <a:latin typeface="배달의민족 주아" pitchFamily="18" charset="-127"/>
+                <a:ea typeface="배달의민족 주아" pitchFamily="18" charset="-127"/>
+              </a:rPr>
+              <a:t>. </a:t>
+            </a:r>
+            <a:r>
+              <a:rPr lang="ko-KR" altLang="en-US" dirty="0" smtClean="0">
+                <a:latin typeface="배달의민족 주아" pitchFamily="18" charset="-127"/>
+                <a:ea typeface="배달의민족 주아" pitchFamily="18" charset="-127"/>
+              </a:rPr>
+              <a:t>논리연산</a:t>
+            </a:r>
+            <a:endParaRPr lang="ko-KR" altLang="en-US" dirty="0"/>
+          </a:p>
+        </p:txBody>
+      </p:sp>
     </p:spTree>
     <p:extLst>
       <p:ext uri="{BB962C8B-B14F-4D97-AF65-F5344CB8AC3E}">
@@ -4347,7 +4920,7 @@
 </p:sld>
 </file>
 
-<file path=ppt/slides/slide12.xml><?xml version="1.0" encoding="utf-8"?>
+<file path=ppt/slides/slide13.xml><?xml version="1.0" encoding="utf-8"?>
 <p:sld xmlns:a="http://schemas.openxmlformats.org/drawingml/2006/main" xmlns:r="http://schemas.openxmlformats.org/officeDocument/2006/relationships" xmlns:p="http://schemas.openxmlformats.org/presentationml/2006/main">
   <p:cSld>
     <p:spTree>
@@ -4530,6 +5103,52 @@
               <a:latin typeface="배달의민족 주아" pitchFamily="18" charset="-127"/>
               <a:ea typeface="배달의민족 주아" pitchFamily="18" charset="-127"/>
             </a:endParaRPr>
+          </a:p>
+        </p:txBody>
+      </p:sp>
+      <p:sp>
+        <p:nvSpPr>
+          <p:cNvPr id="5" name="직사각형 4"/>
+          <p:cNvSpPr/>
+          <p:nvPr/>
+        </p:nvSpPr>
+        <p:spPr>
+          <a:xfrm>
+            <a:off x="107504" y="116632"/>
+            <a:ext cx="2592288" cy="369332"/>
+          </a:xfrm>
+          <a:prstGeom prst="rect">
+            <a:avLst/>
+          </a:prstGeom>
+        </p:spPr>
+        <p:txBody>
+          <a:bodyPr wrap="square">
+            <a:spAutoFit/>
+          </a:bodyPr>
+          <a:lstStyle/>
+          <a:p>
+            <a:r>
+              <a:rPr lang="en-US" altLang="ko-KR" dirty="0" smtClean="0">
+                <a:latin typeface="배달의민족 주아" pitchFamily="18" charset="-127"/>
+                <a:ea typeface="배달의민족 주아" pitchFamily="18" charset="-127"/>
+              </a:rPr>
+              <a:t>4</a:t>
+            </a:r>
+            <a:r>
+              <a:rPr lang="en-US" altLang="ko-KR" smtClean="0">
+                <a:latin typeface="배달의민족 주아" pitchFamily="18" charset="-127"/>
+                <a:ea typeface="배달의민족 주아" pitchFamily="18" charset="-127"/>
+              </a:rPr>
+              <a:t>. </a:t>
+            </a:r>
+            <a:r>
+              <a:rPr lang="ko-KR" altLang="en-US" dirty="0" smtClean="0">
+                <a:latin typeface="배달의민족 주아" pitchFamily="18" charset="-127"/>
+                <a:ea typeface="배달의민족 주아" pitchFamily="18" charset="-127"/>
+              </a:rPr>
+              <a:t>논리연산</a:t>
+            </a:r>
+            <a:endParaRPr lang="ko-KR" altLang="en-US" dirty="0"/>
           </a:p>
         </p:txBody>
       </p:sp>
@@ -4632,7 +5251,7 @@
 </p:sld>
 </file>
 
-<file path=ppt/slides/slide13.xml><?xml version="1.0" encoding="utf-8"?>
+<file path=ppt/slides/slide14.xml><?xml version="1.0" encoding="utf-8"?>
 <p:sld xmlns:a="http://schemas.openxmlformats.org/drawingml/2006/main" xmlns:r="http://schemas.openxmlformats.org/officeDocument/2006/relationships" xmlns:p="http://schemas.openxmlformats.org/presentationml/2006/main">
   <p:cSld>
     <p:spTree>
@@ -5129,450 +5748,56 @@
           </a:graphicData>
         </a:graphic>
       </p:graphicFrame>
+      <p:sp>
+        <p:nvSpPr>
+          <p:cNvPr id="6" name="직사각형 5"/>
+          <p:cNvSpPr/>
+          <p:nvPr/>
+        </p:nvSpPr>
+        <p:spPr>
+          <a:xfrm>
+            <a:off x="107504" y="116632"/>
+            <a:ext cx="2592288" cy="369332"/>
+          </a:xfrm>
+          <a:prstGeom prst="rect">
+            <a:avLst/>
+          </a:prstGeom>
+        </p:spPr>
+        <p:txBody>
+          <a:bodyPr wrap="square">
+            <a:spAutoFit/>
+          </a:bodyPr>
+          <a:lstStyle/>
+          <a:p>
+            <a:r>
+              <a:rPr lang="en-US" altLang="ko-KR" dirty="0" smtClean="0">
+                <a:latin typeface="배달의민족 주아" pitchFamily="18" charset="-127"/>
+                <a:ea typeface="배달의민족 주아" pitchFamily="18" charset="-127"/>
+              </a:rPr>
+              <a:t>4</a:t>
+            </a:r>
+            <a:r>
+              <a:rPr lang="en-US" altLang="ko-KR" smtClean="0">
+                <a:latin typeface="배달의민족 주아" pitchFamily="18" charset="-127"/>
+                <a:ea typeface="배달의민족 주아" pitchFamily="18" charset="-127"/>
+              </a:rPr>
+              <a:t>. </a:t>
+            </a:r>
+            <a:r>
+              <a:rPr lang="ko-KR" altLang="en-US" dirty="0" smtClean="0">
+                <a:latin typeface="배달의민족 주아" pitchFamily="18" charset="-127"/>
+                <a:ea typeface="배달의민족 주아" pitchFamily="18" charset="-127"/>
+              </a:rPr>
+              <a:t>논리연산</a:t>
+            </a:r>
+            <a:endParaRPr lang="ko-KR" altLang="en-US" dirty="0"/>
+          </a:p>
+        </p:txBody>
+      </p:sp>
     </p:spTree>
     <p:extLst>
       <p:ext uri="{BB962C8B-B14F-4D97-AF65-F5344CB8AC3E}">
         <p14:creationId xmlns:p14="http://schemas.microsoft.com/office/powerpoint/2010/main" val="2950813075"/>
-      </p:ext>
-    </p:extLst>
-  </p:cSld>
-  <p:clrMapOvr>
-    <a:masterClrMapping/>
-  </p:clrMapOvr>
-  <p:timing>
-    <p:tnLst>
-      <p:par>
-        <p:cTn id="1" dur="indefinite" restart="never" nodeType="tmRoot">
-          <p:childTnLst>
-            <p:seq concurrent="1" nextAc="seek">
-              <p:cTn id="2" dur="indefinite" nodeType="mainSeq">
-                <p:childTnLst>
-                  <p:par>
-                    <p:cTn id="3" fill="hold">
-                      <p:stCondLst>
-                        <p:cond delay="indefinite"/>
-                      </p:stCondLst>
-                      <p:childTnLst>
-                        <p:par>
-                          <p:cTn id="4" fill="hold">
-                            <p:stCondLst>
-                              <p:cond delay="0"/>
-                            </p:stCondLst>
-                            <p:childTnLst>
-                              <p:par>
-                                <p:cTn id="5" presetID="10" presetClass="entr" presetSubtype="0" fill="hold" nodeType="clickEffect">
-                                  <p:stCondLst>
-                                    <p:cond delay="0"/>
-                                  </p:stCondLst>
-                                  <p:childTnLst>
-                                    <p:set>
-                                      <p:cBhvr>
-                                        <p:cTn id="6" dur="1" fill="hold">
-                                          <p:stCondLst>
-                                            <p:cond delay="0"/>
-                                          </p:stCondLst>
-                                        </p:cTn>
-                                        <p:tgtEl>
-                                          <p:spTgt spid="5"/>
-                                        </p:tgtEl>
-                                        <p:attrNameLst>
-                                          <p:attrName>style.visibility</p:attrName>
-                                        </p:attrNameLst>
-                                      </p:cBhvr>
-                                      <p:to>
-                                        <p:strVal val="visible"/>
-                                      </p:to>
-                                    </p:set>
-                                    <p:animEffect transition="in" filter="fade">
-                                      <p:cBhvr>
-                                        <p:cTn id="7" dur="500"/>
-                                        <p:tgtEl>
-                                          <p:spTgt spid="5"/>
-                                        </p:tgtEl>
-                                      </p:cBhvr>
-                                    </p:animEffect>
-                                  </p:childTnLst>
-                                </p:cTn>
-                              </p:par>
-                            </p:childTnLst>
-                          </p:cTn>
-                        </p:par>
-                      </p:childTnLst>
-                    </p:cTn>
-                  </p:par>
-                </p:childTnLst>
-              </p:cTn>
-              <p:prevCondLst>
-                <p:cond evt="onPrev" delay="0">
-                  <p:tgtEl>
-                    <p:sldTgt/>
-                  </p:tgtEl>
-                </p:cond>
-              </p:prevCondLst>
-              <p:nextCondLst>
-                <p:cond evt="onNext" delay="0">
-                  <p:tgtEl>
-                    <p:sldTgt/>
-                  </p:tgtEl>
-                </p:cond>
-              </p:nextCondLst>
-            </p:seq>
-          </p:childTnLst>
-        </p:cTn>
-      </p:par>
-    </p:tnLst>
-  </p:timing>
-</p:sld>
-</file>
-
-<file path=ppt/slides/slide14.xml><?xml version="1.0" encoding="utf-8"?>
-<p:sld xmlns:a="http://schemas.openxmlformats.org/drawingml/2006/main" xmlns:r="http://schemas.openxmlformats.org/officeDocument/2006/relationships" xmlns:p="http://schemas.openxmlformats.org/presentationml/2006/main">
-  <p:cSld>
-    <p:spTree>
-      <p:nvGrpSpPr>
-        <p:cNvPr id="1" name=""/>
-        <p:cNvGrpSpPr/>
-        <p:nvPr/>
-      </p:nvGrpSpPr>
-      <p:grpSpPr>
-        <a:xfrm>
-          <a:off x="0" y="0"/>
-          <a:ext cx="0" cy="0"/>
-          <a:chOff x="0" y="0"/>
-          <a:chExt cx="0" cy="0"/>
-        </a:xfrm>
-      </p:grpSpPr>
-      <p:sp>
-        <p:nvSpPr>
-          <p:cNvPr id="2" name="제목 1"/>
-          <p:cNvSpPr>
-            <a:spLocks noGrp="1"/>
-          </p:cNvSpPr>
-          <p:nvPr>
-            <p:ph type="ctrTitle"/>
-          </p:nvPr>
-        </p:nvSpPr>
-        <p:spPr>
-          <a:xfrm>
-            <a:off x="685800" y="1340768"/>
-            <a:ext cx="7772400" cy="1470025"/>
-          </a:xfrm>
-        </p:spPr>
-        <p:txBody>
-          <a:bodyPr/>
-          <a:lstStyle/>
-          <a:p>
-            <a:r>
-              <a:rPr lang="ko-KR" altLang="en-US" dirty="0" smtClean="0">
-                <a:latin typeface="배달의민족 주아" pitchFamily="18" charset="-127"/>
-                <a:ea typeface="배달의민족 주아" pitchFamily="18" charset="-127"/>
-              </a:rPr>
-              <a:t>논</a:t>
-            </a:r>
-            <a:r>
-              <a:rPr lang="ko-KR" altLang="en-US" dirty="0">
-                <a:latin typeface="배달의민족 주아" pitchFamily="18" charset="-127"/>
-                <a:ea typeface="배달의민족 주아" pitchFamily="18" charset="-127"/>
-              </a:rPr>
-              <a:t>리</a:t>
-            </a:r>
-            <a:r>
-              <a:rPr lang="ko-KR" altLang="en-US" dirty="0" smtClean="0">
-                <a:latin typeface="배달의민족 주아" pitchFamily="18" charset="-127"/>
-                <a:ea typeface="배달의민족 주아" pitchFamily="18" charset="-127"/>
-              </a:rPr>
-              <a:t>연산</a:t>
-            </a:r>
-            <a:endParaRPr lang="ko-KR" altLang="en-US" dirty="0">
-              <a:latin typeface="배달의민족 주아" pitchFamily="18" charset="-127"/>
-              <a:ea typeface="배달의민족 주아" pitchFamily="18" charset="-127"/>
-            </a:endParaRPr>
-          </a:p>
-        </p:txBody>
-      </p:sp>
-      <p:sp>
-        <p:nvSpPr>
-          <p:cNvPr id="3" name="TextBox 2"/>
-          <p:cNvSpPr txBox="1"/>
-          <p:nvPr/>
-        </p:nvSpPr>
-        <p:spPr>
-          <a:xfrm>
-            <a:off x="6588224" y="6165304"/>
-            <a:ext cx="1838965" cy="369332"/>
-          </a:xfrm>
-          <a:prstGeom prst="rect">
-            <a:avLst/>
-          </a:prstGeom>
-          <a:noFill/>
-        </p:spPr>
-        <p:txBody>
-          <a:bodyPr wrap="none" rtlCol="0">
-            <a:spAutoFit/>
-          </a:bodyPr>
-          <a:lstStyle/>
-          <a:p>
-            <a:r>
-              <a:rPr lang="en-US" altLang="ko-KR" dirty="0" smtClean="0">
-                <a:solidFill>
-                  <a:schemeClr val="accent5"/>
-                </a:solidFill>
-                <a:latin typeface="배달의민족 도현" pitchFamily="50" charset="-127"/>
-                <a:ea typeface="배달의민족 도현" pitchFamily="50" charset="-127"/>
-              </a:rPr>
-              <a:t>S</a:t>
-            </a:r>
-            <a:r>
-              <a:rPr lang="en-US" altLang="ko-KR" dirty="0" smtClean="0">
-                <a:latin typeface="배달의민족 도현" pitchFamily="50" charset="-127"/>
-                <a:ea typeface="배달의민족 도현" pitchFamily="50" charset="-127"/>
-              </a:rPr>
-              <a:t>TART</a:t>
-            </a:r>
-            <a:r>
-              <a:rPr lang="en-US" altLang="ko-KR" dirty="0" smtClean="0">
-                <a:solidFill>
-                  <a:schemeClr val="accent5"/>
-                </a:solidFill>
-                <a:latin typeface="배달의민족 도현" pitchFamily="50" charset="-127"/>
-                <a:ea typeface="배달의민족 도현" pitchFamily="50" charset="-127"/>
-              </a:rPr>
-              <a:t>C</a:t>
-            </a:r>
-            <a:r>
-              <a:rPr lang="en-US" altLang="ko-KR" dirty="0" smtClean="0">
-                <a:latin typeface="배달의민족 도현" pitchFamily="50" charset="-127"/>
-                <a:ea typeface="배달의민족 도현" pitchFamily="50" charset="-127"/>
-              </a:rPr>
-              <a:t>ODING</a:t>
-            </a:r>
-            <a:endParaRPr lang="ko-KR" altLang="en-US" dirty="0">
-              <a:latin typeface="배달의민족 도현" pitchFamily="50" charset="-127"/>
-              <a:ea typeface="배달의민족 도현" pitchFamily="50" charset="-127"/>
-            </a:endParaRPr>
-          </a:p>
-        </p:txBody>
-      </p:sp>
-      <p:graphicFrame>
-        <p:nvGraphicFramePr>
-          <p:cNvPr id="5" name="표 4"/>
-          <p:cNvGraphicFramePr>
-            <a:graphicFrameLocks noGrp="1"/>
-          </p:cNvGraphicFramePr>
-          <p:nvPr>
-            <p:extLst>
-              <p:ext uri="{D42A27DB-BD31-4B8C-83A1-F6EECF244321}">
-                <p14:modId xmlns:p14="http://schemas.microsoft.com/office/powerpoint/2010/main" val="556918336"/>
-              </p:ext>
-            </p:extLst>
-          </p:nvPr>
-        </p:nvGraphicFramePr>
-        <p:xfrm>
-          <a:off x="971600" y="2420888"/>
-          <a:ext cx="7416824" cy="1752600"/>
-        </p:xfrm>
-        <a:graphic>
-          <a:graphicData uri="http://schemas.openxmlformats.org/drawingml/2006/table">
-            <a:tbl>
-              <a:tblPr firstRow="1" bandRow="1">
-                <a:tableStyleId>{5C22544A-7EE6-4342-B048-85BDC9FD1C3A}</a:tableStyleId>
-              </a:tblPr>
-              <a:tblGrid>
-                <a:gridCol w="3708412"/>
-                <a:gridCol w="3708412"/>
-              </a:tblGrid>
-              <a:tr h="370840">
-                <a:tc>
-                  <a:txBody>
-                    <a:bodyPr/>
-                    <a:lstStyle/>
-                    <a:p>
-                      <a:pPr algn="ctr" latinLnBrk="1"/>
-                      <a:r>
-                        <a:rPr lang="ko-KR" altLang="en-US" dirty="0" smtClean="0"/>
-                        <a:t>연산자 </a:t>
-                      </a:r>
-                      <a:r>
-                        <a:rPr lang="en-US" altLang="ko-KR" dirty="0" smtClean="0"/>
-                        <a:t>(</a:t>
-                      </a:r>
-                      <a:r>
-                        <a:rPr lang="ko-KR" altLang="en-US" dirty="0" smtClean="0"/>
-                        <a:t>기호</a:t>
-                      </a:r>
-                      <a:r>
-                        <a:rPr lang="en-US" altLang="ko-KR" dirty="0" smtClean="0"/>
-                        <a:t>)</a:t>
-                      </a:r>
-                      <a:endParaRPr lang="ko-KR" altLang="en-US" dirty="0"/>
-                    </a:p>
-                  </a:txBody>
-                  <a:tcPr/>
-                </a:tc>
-                <a:tc>
-                  <a:txBody>
-                    <a:bodyPr/>
-                    <a:lstStyle/>
-                    <a:p>
-                      <a:pPr algn="ctr" latinLnBrk="1"/>
-                      <a:r>
-                        <a:rPr lang="ko-KR" altLang="en-US" dirty="0" smtClean="0"/>
-                        <a:t>설명</a:t>
-                      </a:r>
-                      <a:endParaRPr lang="ko-KR" altLang="en-US" dirty="0"/>
-                    </a:p>
-                  </a:txBody>
-                  <a:tcPr/>
-                </a:tc>
-              </a:tr>
-              <a:tr h="370840">
-                <a:tc>
-                  <a:txBody>
-                    <a:bodyPr/>
-                    <a:lstStyle/>
-                    <a:p>
-                      <a:pPr algn="ctr" latinLnBrk="1"/>
-                      <a:r>
-                        <a:rPr lang="en-US" altLang="ko-KR" dirty="0" smtClean="0"/>
-                        <a:t>AND (&amp;&amp;)</a:t>
-                      </a:r>
-                      <a:endParaRPr lang="ko-KR" altLang="en-US" dirty="0"/>
-                    </a:p>
-                  </a:txBody>
-                  <a:tcPr/>
-                </a:tc>
-                <a:tc>
-                  <a:txBody>
-                    <a:bodyPr/>
-                    <a:lstStyle/>
-                    <a:p>
-                      <a:pPr algn="ctr" latinLnBrk="1"/>
-                      <a:r>
-                        <a:rPr lang="ko-KR" altLang="en-US" dirty="0" smtClean="0"/>
-                        <a:t>두 명제가 모두 참이라면 </a:t>
-                      </a:r>
-                      <a:r>
-                        <a:rPr lang="en-US" altLang="ko-KR" dirty="0" smtClean="0"/>
-                        <a:t>true</a:t>
-                      </a:r>
-                      <a:endParaRPr lang="ko-KR" altLang="en-US" dirty="0"/>
-                    </a:p>
-                  </a:txBody>
-                  <a:tcPr/>
-                </a:tc>
-              </a:tr>
-              <a:tr h="370840">
-                <a:tc>
-                  <a:txBody>
-                    <a:bodyPr/>
-                    <a:lstStyle/>
-                    <a:p>
-                      <a:pPr algn="ctr" latinLnBrk="1"/>
-                      <a:r>
-                        <a:rPr lang="en-US" altLang="ko-KR" dirty="0" smtClean="0"/>
-                        <a:t>OR ( || )</a:t>
-                      </a:r>
-                      <a:endParaRPr lang="ko-KR" altLang="en-US" dirty="0"/>
-                    </a:p>
-                  </a:txBody>
-                  <a:tcPr/>
-                </a:tc>
-                <a:tc>
-                  <a:txBody>
-                    <a:bodyPr/>
-                    <a:lstStyle/>
-                    <a:p>
-                      <a:pPr algn="ctr" latinLnBrk="1"/>
-                      <a:r>
-                        <a:rPr lang="ko-KR" altLang="en-US" dirty="0" smtClean="0"/>
-                        <a:t>두 명제 중 하나라도 참이라면 </a:t>
-                      </a:r>
-                      <a:r>
-                        <a:rPr lang="en-US" altLang="ko-KR" dirty="0" smtClean="0"/>
-                        <a:t>true</a:t>
-                      </a:r>
-                      <a:endParaRPr lang="ko-KR" altLang="en-US" dirty="0"/>
-                    </a:p>
-                  </a:txBody>
-                  <a:tcPr/>
-                </a:tc>
-              </a:tr>
-              <a:tr h="370840">
-                <a:tc>
-                  <a:txBody>
-                    <a:bodyPr/>
-                    <a:lstStyle/>
-                    <a:p>
-                      <a:pPr marL="0" marR="0" indent="0" algn="ctr" defTabSz="914400" rtl="0" eaLnBrk="1" fontAlgn="auto" latinLnBrk="1" hangingPunct="1">
-                        <a:lnSpc>
-                          <a:spcPct val="100000"/>
-                        </a:lnSpc>
-                        <a:spcBef>
-                          <a:spcPts val="0"/>
-                        </a:spcBef>
-                        <a:spcAft>
-                          <a:spcPts val="0"/>
-                        </a:spcAft>
-                        <a:buClrTx/>
-                        <a:buSzTx/>
-                        <a:buFontTx/>
-                        <a:buNone/>
-                        <a:tabLst/>
-                        <a:defRPr/>
-                      </a:pPr>
-                      <a:r>
-                        <a:rPr lang="en-US" altLang="ko-KR" dirty="0" smtClean="0"/>
-                        <a:t>NOT</a:t>
-                      </a:r>
-                      <a:endParaRPr lang="ko-KR" altLang="en-US" dirty="0" smtClean="0">
-                        <a:solidFill>
-                          <a:schemeClr val="accent6"/>
-                        </a:solidFill>
-                      </a:endParaRPr>
-                    </a:p>
-                  </a:txBody>
-                  <a:tcPr/>
-                </a:tc>
-                <a:tc>
-                  <a:txBody>
-                    <a:bodyPr/>
-                    <a:lstStyle/>
-                    <a:p>
-                      <a:pPr algn="ctr" latinLnBrk="1"/>
-                      <a:r>
-                        <a:rPr lang="ko-KR" altLang="en-US" dirty="0" smtClean="0">
-                          <a:solidFill>
-                            <a:schemeClr val="tx1"/>
-                          </a:solidFill>
-                        </a:rPr>
-                        <a:t>명제가 거짓이라면 </a:t>
-                      </a:r>
-                      <a:r>
-                        <a:rPr lang="en-US" altLang="ko-KR" dirty="0" smtClean="0">
-                          <a:solidFill>
-                            <a:schemeClr val="tx1"/>
-                          </a:solidFill>
-                        </a:rPr>
-                        <a:t>true</a:t>
-                      </a:r>
-                      <a:endParaRPr lang="ko-KR" altLang="en-US" dirty="0">
-                        <a:solidFill>
-                          <a:schemeClr val="tx1"/>
-                        </a:solidFill>
-                      </a:endParaRPr>
-                    </a:p>
-                  </a:txBody>
-                  <a:tcPr/>
-                </a:tc>
-              </a:tr>
-            </a:tbl>
-          </a:graphicData>
-        </a:graphic>
-      </p:graphicFrame>
-    </p:spTree>
-    <p:extLst>
-      <p:ext uri="{BB962C8B-B14F-4D97-AF65-F5344CB8AC3E}">
-        <p14:creationId xmlns:p14="http://schemas.microsoft.com/office/powerpoint/2010/main" val="2341529678"/>
       </p:ext>
     </p:extLst>
   </p:cSld>
@@ -5802,14 +6027,14 @@
           <p:nvPr>
             <p:extLst>
               <p:ext uri="{D42A27DB-BD31-4B8C-83A1-F6EECF244321}">
-                <p14:modId xmlns:p14="http://schemas.microsoft.com/office/powerpoint/2010/main" val="2645113136"/>
+                <p14:modId xmlns:p14="http://schemas.microsoft.com/office/powerpoint/2010/main" val="556918336"/>
               </p:ext>
             </p:extLst>
           </p:nvPr>
         </p:nvGraphicFramePr>
         <p:xfrm>
           <a:off x="971600" y="2420888"/>
-          <a:ext cx="7416824" cy="2941320"/>
+          <a:ext cx="7416824" cy="1752600"/>
         </p:xfrm>
         <a:graphic>
           <a:graphicData uri="http://schemas.openxmlformats.org/drawingml/2006/table">
@@ -5830,7 +6055,19 @@
                       <a:pPr algn="ctr" latinLnBrk="1"/>
                       <a:r>
                         <a:rPr lang="ko-KR" altLang="en-US" dirty="0" smtClean="0"/>
-                        <a:t>예시</a:t>
+                        <a:t>연산자 </a:t>
+                      </a:r>
+                      <a:r>
+                        <a:rPr lang="en-US" altLang="ko-KR" dirty="0" smtClean="0"/>
+                        <a:t>(</a:t>
+                      </a:r>
+                      <a:r>
+                        <a:rPr lang="ko-KR" altLang="en-US" dirty="0" smtClean="0"/>
+                        <a:t>기호</a:t>
+                      </a:r>
+                      <a:r>
+                        <a:rPr lang="en-US" altLang="ko-KR" dirty="0" smtClean="0"/>
+                        <a:t>)</a:t>
                       </a:r>
                       <a:endParaRPr lang="ko-KR" altLang="en-US" dirty="0"/>
                     </a:p>
@@ -5845,7 +6082,7 @@
                       <a:pPr algn="ctr" latinLnBrk="1"/>
                       <a:r>
                         <a:rPr lang="ko-KR" altLang="en-US" dirty="0" smtClean="0"/>
-                        <a:t>결과</a:t>
+                        <a:t>설명</a:t>
                       </a:r>
                       <a:endParaRPr lang="ko-KR" altLang="en-US" dirty="0"/>
                     </a:p>
@@ -5862,11 +6099,7 @@
                       <a:pPr algn="ctr" latinLnBrk="1"/>
                       <a:r>
                         <a:rPr lang="en-US" altLang="ko-KR" dirty="0" smtClean="0"/>
-                        <a:t>true</a:t>
-                      </a:r>
-                      <a:r>
-                        <a:rPr lang="en-US" altLang="ko-KR" baseline="0" dirty="0" smtClean="0"/>
-                        <a:t> &amp;&amp; true</a:t>
+                        <a:t>AND (&amp;&amp;)</a:t>
                       </a:r>
                       <a:endParaRPr lang="ko-KR" altLang="en-US" dirty="0"/>
                     </a:p>
@@ -5879,6 +6112,10 @@
                     <a:lstStyle/>
                     <a:p>
                       <a:pPr algn="ctr" latinLnBrk="1"/>
+                      <a:r>
+                        <a:rPr lang="ko-KR" altLang="en-US" dirty="0" smtClean="0"/>
+                        <a:t>두 명제가 모두 참이라면 </a:t>
+                      </a:r>
                       <a:r>
                         <a:rPr lang="en-US" altLang="ko-KR" dirty="0" smtClean="0"/>
                         <a:t>true</a:t>
@@ -5898,25 +6135,7 @@
                       <a:pPr algn="ctr" latinLnBrk="1"/>
                       <a:r>
                         <a:rPr lang="en-US" altLang="ko-KR" dirty="0" smtClean="0"/>
-                        <a:t>true</a:t>
-                      </a:r>
-                      <a:r>
-                        <a:rPr lang="en-US" altLang="ko-KR" baseline="0" dirty="0" smtClean="0"/>
-                        <a:t> &amp;&amp; false</a:t>
-                      </a:r>
-                    </a:p>
-                    <a:p>
-                      <a:pPr algn="ctr" latinLnBrk="1"/>
-                      <a:r>
-                        <a:rPr lang="en-US" altLang="ko-KR" baseline="0" dirty="0" smtClean="0"/>
-                        <a:t>false &amp;&amp; true</a:t>
-                      </a:r>
-                    </a:p>
-                    <a:p>
-                      <a:pPr algn="ctr" latinLnBrk="1"/>
-                      <a:r>
-                        <a:rPr lang="en-US" altLang="ko-KR" baseline="0" dirty="0" smtClean="0"/>
-                        <a:t>false &amp;&amp; false</a:t>
+                        <a:t>OR ( || )</a:t>
                       </a:r>
                       <a:endParaRPr lang="ko-KR" altLang="en-US" dirty="0"/>
                     </a:p>
@@ -5930,8 +6149,12 @@
                     <a:p>
                       <a:pPr algn="ctr" latinLnBrk="1"/>
                       <a:r>
+                        <a:rPr lang="ko-KR" altLang="en-US" dirty="0" smtClean="0"/>
+                        <a:t>두 명제 중 하나라도 참이라면 </a:t>
+                      </a:r>
+                      <a:r>
                         <a:rPr lang="en-US" altLang="ko-KR" dirty="0" smtClean="0"/>
-                        <a:t>false</a:t>
+                        <a:t>true</a:t>
                       </a:r>
                       <a:endParaRPr lang="ko-KR" altLang="en-US" dirty="0"/>
                     </a:p>
@@ -5963,75 +6186,14 @@
                         <a:defRPr/>
                       </a:pPr>
                       <a:r>
-                        <a:rPr lang="en-US" altLang="ko-KR" dirty="0" smtClean="0">
-                          <a:solidFill>
-                            <a:schemeClr val="tx1"/>
-                          </a:solidFill>
-                        </a:rPr>
-                        <a:t>true ||</a:t>
-                      </a:r>
-                      <a:r>
-                        <a:rPr lang="en-US" altLang="ko-KR" baseline="0" dirty="0" smtClean="0">
-                          <a:solidFill>
-                            <a:schemeClr val="tx1"/>
-                          </a:solidFill>
-                        </a:rPr>
-                        <a:t> true</a:t>
-                      </a:r>
-                    </a:p>
-                    <a:p>
-                      <a:pPr marL="0" marR="0" indent="0" algn="ctr" defTabSz="914400" rtl="0" eaLnBrk="1" fontAlgn="auto" latinLnBrk="1" hangingPunct="1">
-                        <a:lnSpc>
-                          <a:spcPct val="100000"/>
-                        </a:lnSpc>
-                        <a:spcBef>
-                          <a:spcPts val="0"/>
-                        </a:spcBef>
-                        <a:spcAft>
-                          <a:spcPts val="0"/>
-                        </a:spcAft>
-                        <a:buClrTx/>
-                        <a:buSzTx/>
-                        <a:buFontTx/>
-                        <a:buNone/>
-                        <a:tabLst/>
-                        <a:defRPr/>
-                      </a:pPr>
-                      <a:r>
-                        <a:rPr lang="en-US" altLang="ko-KR" baseline="0" dirty="0" smtClean="0">
-                          <a:solidFill>
-                            <a:schemeClr val="tx1"/>
-                          </a:solidFill>
-                        </a:rPr>
-                        <a:t>true || false</a:t>
-                      </a:r>
-                    </a:p>
-                    <a:p>
-                      <a:pPr marL="0" marR="0" indent="0" algn="ctr" defTabSz="914400" rtl="0" eaLnBrk="1" fontAlgn="auto" latinLnBrk="1" hangingPunct="1">
-                        <a:lnSpc>
-                          <a:spcPct val="100000"/>
-                        </a:lnSpc>
-                        <a:spcBef>
-                          <a:spcPts val="0"/>
-                        </a:spcBef>
-                        <a:spcAft>
-                          <a:spcPts val="0"/>
-                        </a:spcAft>
-                        <a:buClrTx/>
-                        <a:buSzTx/>
-                        <a:buFontTx/>
-                        <a:buNone/>
-                        <a:tabLst/>
-                        <a:defRPr/>
-                      </a:pPr>
-                      <a:r>
-                        <a:rPr lang="en-US" altLang="ko-KR" baseline="0" dirty="0" smtClean="0">
-                          <a:solidFill>
-                            <a:schemeClr val="tx1"/>
-                          </a:solidFill>
-                        </a:rPr>
-                        <a:t>false || true</a:t>
-                      </a:r>
+                        <a:rPr lang="en-US" altLang="ko-KR" dirty="0" smtClean="0"/>
+                        <a:t>NOT</a:t>
+                      </a:r>
+                      <a:endParaRPr lang="ko-KR" altLang="en-US" dirty="0" smtClean="0">
+                        <a:solidFill>
+                          <a:schemeClr val="accent6"/>
+                        </a:solidFill>
+                      </a:endParaRPr>
                     </a:p>
                   </a:txBody>
                   <a:tcPr/>
@@ -6043,71 +6205,20 @@
                     <a:p>
                       <a:pPr algn="ctr" latinLnBrk="1"/>
                       <a:r>
+                        <a:rPr lang="ko-KR" altLang="en-US" dirty="0" smtClean="0">
+                          <a:solidFill>
+                            <a:schemeClr val="tx1"/>
+                          </a:solidFill>
+                        </a:rPr>
+                        <a:t>명제가 거짓이라면 </a:t>
+                      </a:r>
+                      <a:r>
                         <a:rPr lang="en-US" altLang="ko-KR" dirty="0" smtClean="0">
                           <a:solidFill>
                             <a:schemeClr val="tx1"/>
                           </a:solidFill>
                         </a:rPr>
                         <a:t>true</a:t>
-                      </a:r>
-                      <a:endParaRPr lang="ko-KR" altLang="en-US" dirty="0">
-                        <a:solidFill>
-                          <a:schemeClr val="tx1"/>
-                        </a:solidFill>
-                      </a:endParaRPr>
-                    </a:p>
-                  </a:txBody>
-                  <a:tcPr/>
-                </a:tc>
-              </a:tr>
-              <a:tr h="370840">
-                <a:tc>
-                  <a:txBody>
-                    <a:bodyPr/>
-                    <a:lstStyle/>
-                    <a:p>
-                      <a:pPr marL="0" marR="0" indent="0" algn="ctr" defTabSz="914400" rtl="0" eaLnBrk="1" fontAlgn="auto" latinLnBrk="1" hangingPunct="1">
-                        <a:lnSpc>
-                          <a:spcPct val="100000"/>
-                        </a:lnSpc>
-                        <a:spcBef>
-                          <a:spcPts val="0"/>
-                        </a:spcBef>
-                        <a:spcAft>
-                          <a:spcPts val="0"/>
-                        </a:spcAft>
-                        <a:buClrTx/>
-                        <a:buSzTx/>
-                        <a:buFontTx/>
-                        <a:buNone/>
-                        <a:tabLst/>
-                        <a:defRPr/>
-                      </a:pPr>
-                      <a:r>
-                        <a:rPr lang="en-US" altLang="ko-KR" baseline="0" dirty="0" smtClean="0">
-                          <a:solidFill>
-                            <a:schemeClr val="tx1"/>
-                          </a:solidFill>
-                        </a:rPr>
-                        <a:t>false || false</a:t>
-                      </a:r>
-                    </a:p>
-                  </a:txBody>
-                  <a:tcPr/>
-                </a:tc>
-                <a:tc>
-                  <a:txBody>
-                    <a:bodyPr/>
-                    <a:lstStyle/>
-                    <a:p>
-                      <a:pPr algn="ctr" latinLnBrk="1"/>
-                      <a:r>
-                        <a:rPr lang="en-US" altLang="ko-KR" dirty="0" smtClean="0">
-                          <a:solidFill>
-                            <a:schemeClr val="tx1"/>
-                          </a:solidFill>
-                        </a:rPr>
-                        <a:t>false</a:t>
                       </a:r>
                       <a:endParaRPr lang="ko-KR" altLang="en-US" dirty="0">
                         <a:solidFill>
@@ -6123,10 +6234,56 @@
           </a:graphicData>
         </a:graphic>
       </p:graphicFrame>
+      <p:sp>
+        <p:nvSpPr>
+          <p:cNvPr id="6" name="직사각형 5"/>
+          <p:cNvSpPr/>
+          <p:nvPr/>
+        </p:nvSpPr>
+        <p:spPr>
+          <a:xfrm>
+            <a:off x="107504" y="116632"/>
+            <a:ext cx="2592288" cy="369332"/>
+          </a:xfrm>
+          <a:prstGeom prst="rect">
+            <a:avLst/>
+          </a:prstGeom>
+        </p:spPr>
+        <p:txBody>
+          <a:bodyPr wrap="square">
+            <a:spAutoFit/>
+          </a:bodyPr>
+          <a:lstStyle/>
+          <a:p>
+            <a:r>
+              <a:rPr lang="en-US" altLang="ko-KR" dirty="0" smtClean="0">
+                <a:latin typeface="배달의민족 주아" pitchFamily="18" charset="-127"/>
+                <a:ea typeface="배달의민족 주아" pitchFamily="18" charset="-127"/>
+              </a:rPr>
+              <a:t>4</a:t>
+            </a:r>
+            <a:r>
+              <a:rPr lang="en-US" altLang="ko-KR" smtClean="0">
+                <a:latin typeface="배달의민족 주아" pitchFamily="18" charset="-127"/>
+                <a:ea typeface="배달의민족 주아" pitchFamily="18" charset="-127"/>
+              </a:rPr>
+              <a:t>. </a:t>
+            </a:r>
+            <a:r>
+              <a:rPr lang="ko-KR" altLang="en-US" dirty="0" smtClean="0">
+                <a:latin typeface="배달의민족 주아" pitchFamily="18" charset="-127"/>
+                <a:ea typeface="배달의민족 주아" pitchFamily="18" charset="-127"/>
+              </a:rPr>
+              <a:t>논리연산</a:t>
+            </a:r>
+            <a:endParaRPr lang="ko-KR" altLang="en-US" dirty="0"/>
+          </a:p>
+        </p:txBody>
+      </p:sp>
     </p:spTree>
     <p:extLst>
       <p:ext uri="{BB962C8B-B14F-4D97-AF65-F5344CB8AC3E}">
-        <p14:creationId xmlns:p14="http://schemas.microsoft.com/office/powerpoint/2010/main" val="4010580296"/>
+        <p14:creationId xmlns:p14="http://schemas.microsoft.com/office/powerpoint/2010/main" val="2341529678"/>
       </p:ext>
     </p:extLst>
   </p:cSld>
@@ -6238,6 +6395,606 @@
       </p:grpSpPr>
       <p:sp>
         <p:nvSpPr>
+          <p:cNvPr id="2" name="제목 1"/>
+          <p:cNvSpPr>
+            <a:spLocks noGrp="1"/>
+          </p:cNvSpPr>
+          <p:nvPr>
+            <p:ph type="ctrTitle"/>
+          </p:nvPr>
+        </p:nvSpPr>
+        <p:spPr>
+          <a:xfrm>
+            <a:off x="685800" y="1340768"/>
+            <a:ext cx="7772400" cy="1470025"/>
+          </a:xfrm>
+        </p:spPr>
+        <p:txBody>
+          <a:bodyPr/>
+          <a:lstStyle/>
+          <a:p>
+            <a:r>
+              <a:rPr lang="ko-KR" altLang="en-US" dirty="0" smtClean="0">
+                <a:latin typeface="배달의민족 주아" pitchFamily="18" charset="-127"/>
+                <a:ea typeface="배달의민족 주아" pitchFamily="18" charset="-127"/>
+              </a:rPr>
+              <a:t>논</a:t>
+            </a:r>
+            <a:r>
+              <a:rPr lang="ko-KR" altLang="en-US" dirty="0">
+                <a:latin typeface="배달의민족 주아" pitchFamily="18" charset="-127"/>
+                <a:ea typeface="배달의민족 주아" pitchFamily="18" charset="-127"/>
+              </a:rPr>
+              <a:t>리</a:t>
+            </a:r>
+            <a:r>
+              <a:rPr lang="ko-KR" altLang="en-US" dirty="0" smtClean="0">
+                <a:latin typeface="배달의민족 주아" pitchFamily="18" charset="-127"/>
+                <a:ea typeface="배달의민족 주아" pitchFamily="18" charset="-127"/>
+              </a:rPr>
+              <a:t>연산</a:t>
+            </a:r>
+            <a:endParaRPr lang="ko-KR" altLang="en-US" dirty="0">
+              <a:latin typeface="배달의민족 주아" pitchFamily="18" charset="-127"/>
+              <a:ea typeface="배달의민족 주아" pitchFamily="18" charset="-127"/>
+            </a:endParaRPr>
+          </a:p>
+        </p:txBody>
+      </p:sp>
+      <p:sp>
+        <p:nvSpPr>
+          <p:cNvPr id="3" name="TextBox 2"/>
+          <p:cNvSpPr txBox="1"/>
+          <p:nvPr/>
+        </p:nvSpPr>
+        <p:spPr>
+          <a:xfrm>
+            <a:off x="6588224" y="6165304"/>
+            <a:ext cx="1838965" cy="369332"/>
+          </a:xfrm>
+          <a:prstGeom prst="rect">
+            <a:avLst/>
+          </a:prstGeom>
+          <a:noFill/>
+        </p:spPr>
+        <p:txBody>
+          <a:bodyPr wrap="none" rtlCol="0">
+            <a:spAutoFit/>
+          </a:bodyPr>
+          <a:lstStyle/>
+          <a:p>
+            <a:r>
+              <a:rPr lang="en-US" altLang="ko-KR" dirty="0" smtClean="0">
+                <a:solidFill>
+                  <a:schemeClr val="accent5"/>
+                </a:solidFill>
+                <a:latin typeface="배달의민족 도현" pitchFamily="50" charset="-127"/>
+                <a:ea typeface="배달의민족 도현" pitchFamily="50" charset="-127"/>
+              </a:rPr>
+              <a:t>S</a:t>
+            </a:r>
+            <a:r>
+              <a:rPr lang="en-US" altLang="ko-KR" dirty="0" smtClean="0">
+                <a:latin typeface="배달의민족 도현" pitchFamily="50" charset="-127"/>
+                <a:ea typeface="배달의민족 도현" pitchFamily="50" charset="-127"/>
+              </a:rPr>
+              <a:t>TART</a:t>
+            </a:r>
+            <a:r>
+              <a:rPr lang="en-US" altLang="ko-KR" dirty="0" smtClean="0">
+                <a:solidFill>
+                  <a:schemeClr val="accent5"/>
+                </a:solidFill>
+                <a:latin typeface="배달의민족 도현" pitchFamily="50" charset="-127"/>
+                <a:ea typeface="배달의민족 도현" pitchFamily="50" charset="-127"/>
+              </a:rPr>
+              <a:t>C</a:t>
+            </a:r>
+            <a:r>
+              <a:rPr lang="en-US" altLang="ko-KR" dirty="0" smtClean="0">
+                <a:latin typeface="배달의민족 도현" pitchFamily="50" charset="-127"/>
+                <a:ea typeface="배달의민족 도현" pitchFamily="50" charset="-127"/>
+              </a:rPr>
+              <a:t>ODING</a:t>
+            </a:r>
+            <a:endParaRPr lang="ko-KR" altLang="en-US" dirty="0">
+              <a:latin typeface="배달의민족 도현" pitchFamily="50" charset="-127"/>
+              <a:ea typeface="배달의민족 도현" pitchFamily="50" charset="-127"/>
+            </a:endParaRPr>
+          </a:p>
+        </p:txBody>
+      </p:sp>
+      <p:graphicFrame>
+        <p:nvGraphicFramePr>
+          <p:cNvPr id="5" name="표 4"/>
+          <p:cNvGraphicFramePr>
+            <a:graphicFrameLocks noGrp="1"/>
+          </p:cNvGraphicFramePr>
+          <p:nvPr>
+            <p:extLst>
+              <p:ext uri="{D42A27DB-BD31-4B8C-83A1-F6EECF244321}">
+                <p14:modId xmlns:p14="http://schemas.microsoft.com/office/powerpoint/2010/main" val="2645113136"/>
+              </p:ext>
+            </p:extLst>
+          </p:nvPr>
+        </p:nvGraphicFramePr>
+        <p:xfrm>
+          <a:off x="971600" y="2420888"/>
+          <a:ext cx="7416824" cy="2941320"/>
+        </p:xfrm>
+        <a:graphic>
+          <a:graphicData uri="http://schemas.openxmlformats.org/drawingml/2006/table">
+            <a:tbl>
+              <a:tblPr firstRow="1" bandRow="1">
+                <a:tableStyleId>{5C22544A-7EE6-4342-B048-85BDC9FD1C3A}</a:tableStyleId>
+              </a:tblPr>
+              <a:tblGrid>
+                <a:gridCol w="3708412"/>
+                <a:gridCol w="3708412"/>
+              </a:tblGrid>
+              <a:tr h="370840">
+                <a:tc>
+                  <a:txBody>
+                    <a:bodyPr/>
+                    <a:lstStyle/>
+                    <a:p>
+                      <a:pPr algn="ctr" latinLnBrk="1"/>
+                      <a:r>
+                        <a:rPr lang="ko-KR" altLang="en-US" dirty="0" smtClean="0"/>
+                        <a:t>예시</a:t>
+                      </a:r>
+                      <a:endParaRPr lang="ko-KR" altLang="en-US" dirty="0"/>
+                    </a:p>
+                  </a:txBody>
+                  <a:tcPr/>
+                </a:tc>
+                <a:tc>
+                  <a:txBody>
+                    <a:bodyPr/>
+                    <a:lstStyle/>
+                    <a:p>
+                      <a:pPr algn="ctr" latinLnBrk="1"/>
+                      <a:r>
+                        <a:rPr lang="ko-KR" altLang="en-US" dirty="0" smtClean="0"/>
+                        <a:t>결과</a:t>
+                      </a:r>
+                      <a:endParaRPr lang="ko-KR" altLang="en-US" dirty="0"/>
+                    </a:p>
+                  </a:txBody>
+                  <a:tcPr/>
+                </a:tc>
+              </a:tr>
+              <a:tr h="370840">
+                <a:tc>
+                  <a:txBody>
+                    <a:bodyPr/>
+                    <a:lstStyle/>
+                    <a:p>
+                      <a:pPr algn="ctr" latinLnBrk="1"/>
+                      <a:r>
+                        <a:rPr lang="en-US" altLang="ko-KR" dirty="0" smtClean="0"/>
+                        <a:t>true</a:t>
+                      </a:r>
+                      <a:r>
+                        <a:rPr lang="en-US" altLang="ko-KR" baseline="0" dirty="0" smtClean="0"/>
+                        <a:t> &amp;&amp; true</a:t>
+                      </a:r>
+                      <a:endParaRPr lang="ko-KR" altLang="en-US" dirty="0"/>
+                    </a:p>
+                  </a:txBody>
+                  <a:tcPr/>
+                </a:tc>
+                <a:tc>
+                  <a:txBody>
+                    <a:bodyPr/>
+                    <a:lstStyle/>
+                    <a:p>
+                      <a:pPr algn="ctr" latinLnBrk="1"/>
+                      <a:r>
+                        <a:rPr lang="en-US" altLang="ko-KR" dirty="0" smtClean="0"/>
+                        <a:t>true</a:t>
+                      </a:r>
+                      <a:endParaRPr lang="ko-KR" altLang="en-US" dirty="0"/>
+                    </a:p>
+                  </a:txBody>
+                  <a:tcPr/>
+                </a:tc>
+              </a:tr>
+              <a:tr h="370840">
+                <a:tc>
+                  <a:txBody>
+                    <a:bodyPr/>
+                    <a:lstStyle/>
+                    <a:p>
+                      <a:pPr algn="ctr" latinLnBrk="1"/>
+                      <a:r>
+                        <a:rPr lang="en-US" altLang="ko-KR" dirty="0" smtClean="0"/>
+                        <a:t>true</a:t>
+                      </a:r>
+                      <a:r>
+                        <a:rPr lang="en-US" altLang="ko-KR" baseline="0" dirty="0" smtClean="0"/>
+                        <a:t> &amp;&amp; false</a:t>
+                      </a:r>
+                    </a:p>
+                    <a:p>
+                      <a:pPr algn="ctr" latinLnBrk="1"/>
+                      <a:r>
+                        <a:rPr lang="en-US" altLang="ko-KR" baseline="0" dirty="0" smtClean="0"/>
+                        <a:t>false &amp;&amp; true</a:t>
+                      </a:r>
+                    </a:p>
+                    <a:p>
+                      <a:pPr algn="ctr" latinLnBrk="1"/>
+                      <a:r>
+                        <a:rPr lang="en-US" altLang="ko-KR" baseline="0" dirty="0" smtClean="0"/>
+                        <a:t>false &amp;&amp; false</a:t>
+                      </a:r>
+                      <a:endParaRPr lang="ko-KR" altLang="en-US" dirty="0"/>
+                    </a:p>
+                  </a:txBody>
+                  <a:tcPr/>
+                </a:tc>
+                <a:tc>
+                  <a:txBody>
+                    <a:bodyPr/>
+                    <a:lstStyle/>
+                    <a:p>
+                      <a:pPr algn="ctr" latinLnBrk="1"/>
+                      <a:r>
+                        <a:rPr lang="en-US" altLang="ko-KR" dirty="0" smtClean="0"/>
+                        <a:t>false</a:t>
+                      </a:r>
+                      <a:endParaRPr lang="ko-KR" altLang="en-US" dirty="0"/>
+                    </a:p>
+                  </a:txBody>
+                  <a:tcPr/>
+                </a:tc>
+              </a:tr>
+              <a:tr h="370840">
+                <a:tc>
+                  <a:txBody>
+                    <a:bodyPr/>
+                    <a:lstStyle/>
+                    <a:p>
+                      <a:pPr marL="0" marR="0" indent="0" algn="ctr" defTabSz="914400" rtl="0" eaLnBrk="1" fontAlgn="auto" latinLnBrk="1" hangingPunct="1">
+                        <a:lnSpc>
+                          <a:spcPct val="100000"/>
+                        </a:lnSpc>
+                        <a:spcBef>
+                          <a:spcPts val="0"/>
+                        </a:spcBef>
+                        <a:spcAft>
+                          <a:spcPts val="0"/>
+                        </a:spcAft>
+                        <a:buClrTx/>
+                        <a:buSzTx/>
+                        <a:buFontTx/>
+                        <a:buNone/>
+                        <a:tabLst/>
+                        <a:defRPr/>
+                      </a:pPr>
+                      <a:r>
+                        <a:rPr lang="en-US" altLang="ko-KR" dirty="0" smtClean="0">
+                          <a:solidFill>
+                            <a:schemeClr val="tx1"/>
+                          </a:solidFill>
+                        </a:rPr>
+                        <a:t>true ||</a:t>
+                      </a:r>
+                      <a:r>
+                        <a:rPr lang="en-US" altLang="ko-KR" baseline="0" dirty="0" smtClean="0">
+                          <a:solidFill>
+                            <a:schemeClr val="tx1"/>
+                          </a:solidFill>
+                        </a:rPr>
+                        <a:t> true</a:t>
+                      </a:r>
+                    </a:p>
+                    <a:p>
+                      <a:pPr marL="0" marR="0" indent="0" algn="ctr" defTabSz="914400" rtl="0" eaLnBrk="1" fontAlgn="auto" latinLnBrk="1" hangingPunct="1">
+                        <a:lnSpc>
+                          <a:spcPct val="100000"/>
+                        </a:lnSpc>
+                        <a:spcBef>
+                          <a:spcPts val="0"/>
+                        </a:spcBef>
+                        <a:spcAft>
+                          <a:spcPts val="0"/>
+                        </a:spcAft>
+                        <a:buClrTx/>
+                        <a:buSzTx/>
+                        <a:buFontTx/>
+                        <a:buNone/>
+                        <a:tabLst/>
+                        <a:defRPr/>
+                      </a:pPr>
+                      <a:r>
+                        <a:rPr lang="en-US" altLang="ko-KR" baseline="0" dirty="0" smtClean="0">
+                          <a:solidFill>
+                            <a:schemeClr val="tx1"/>
+                          </a:solidFill>
+                        </a:rPr>
+                        <a:t>true || false</a:t>
+                      </a:r>
+                    </a:p>
+                    <a:p>
+                      <a:pPr marL="0" marR="0" indent="0" algn="ctr" defTabSz="914400" rtl="0" eaLnBrk="1" fontAlgn="auto" latinLnBrk="1" hangingPunct="1">
+                        <a:lnSpc>
+                          <a:spcPct val="100000"/>
+                        </a:lnSpc>
+                        <a:spcBef>
+                          <a:spcPts val="0"/>
+                        </a:spcBef>
+                        <a:spcAft>
+                          <a:spcPts val="0"/>
+                        </a:spcAft>
+                        <a:buClrTx/>
+                        <a:buSzTx/>
+                        <a:buFontTx/>
+                        <a:buNone/>
+                        <a:tabLst/>
+                        <a:defRPr/>
+                      </a:pPr>
+                      <a:r>
+                        <a:rPr lang="en-US" altLang="ko-KR" baseline="0" dirty="0" smtClean="0">
+                          <a:solidFill>
+                            <a:schemeClr val="tx1"/>
+                          </a:solidFill>
+                        </a:rPr>
+                        <a:t>false || true</a:t>
+                      </a:r>
+                    </a:p>
+                  </a:txBody>
+                  <a:tcPr/>
+                </a:tc>
+                <a:tc>
+                  <a:txBody>
+                    <a:bodyPr/>
+                    <a:lstStyle/>
+                    <a:p>
+                      <a:pPr algn="ctr" latinLnBrk="1"/>
+                      <a:r>
+                        <a:rPr lang="en-US" altLang="ko-KR" dirty="0" smtClean="0">
+                          <a:solidFill>
+                            <a:schemeClr val="tx1"/>
+                          </a:solidFill>
+                        </a:rPr>
+                        <a:t>true</a:t>
+                      </a:r>
+                      <a:endParaRPr lang="ko-KR" altLang="en-US" dirty="0">
+                        <a:solidFill>
+                          <a:schemeClr val="tx1"/>
+                        </a:solidFill>
+                      </a:endParaRPr>
+                    </a:p>
+                  </a:txBody>
+                  <a:tcPr/>
+                </a:tc>
+              </a:tr>
+              <a:tr h="370840">
+                <a:tc>
+                  <a:txBody>
+                    <a:bodyPr/>
+                    <a:lstStyle/>
+                    <a:p>
+                      <a:pPr marL="0" marR="0" indent="0" algn="ctr" defTabSz="914400" rtl="0" eaLnBrk="1" fontAlgn="auto" latinLnBrk="1" hangingPunct="1">
+                        <a:lnSpc>
+                          <a:spcPct val="100000"/>
+                        </a:lnSpc>
+                        <a:spcBef>
+                          <a:spcPts val="0"/>
+                        </a:spcBef>
+                        <a:spcAft>
+                          <a:spcPts val="0"/>
+                        </a:spcAft>
+                        <a:buClrTx/>
+                        <a:buSzTx/>
+                        <a:buFontTx/>
+                        <a:buNone/>
+                        <a:tabLst/>
+                        <a:defRPr/>
+                      </a:pPr>
+                      <a:r>
+                        <a:rPr lang="en-US" altLang="ko-KR" baseline="0" dirty="0" smtClean="0">
+                          <a:solidFill>
+                            <a:schemeClr val="tx1"/>
+                          </a:solidFill>
+                        </a:rPr>
+                        <a:t>false || false</a:t>
+                      </a:r>
+                    </a:p>
+                  </a:txBody>
+                  <a:tcPr/>
+                </a:tc>
+                <a:tc>
+                  <a:txBody>
+                    <a:bodyPr/>
+                    <a:lstStyle/>
+                    <a:p>
+                      <a:pPr algn="ctr" latinLnBrk="1"/>
+                      <a:r>
+                        <a:rPr lang="en-US" altLang="ko-KR" dirty="0" smtClean="0">
+                          <a:solidFill>
+                            <a:schemeClr val="tx1"/>
+                          </a:solidFill>
+                        </a:rPr>
+                        <a:t>false</a:t>
+                      </a:r>
+                      <a:endParaRPr lang="ko-KR" altLang="en-US" dirty="0">
+                        <a:solidFill>
+                          <a:schemeClr val="tx1"/>
+                        </a:solidFill>
+                      </a:endParaRPr>
+                    </a:p>
+                  </a:txBody>
+                  <a:tcPr/>
+                </a:tc>
+              </a:tr>
+            </a:tbl>
+          </a:graphicData>
+        </a:graphic>
+      </p:graphicFrame>
+      <p:sp>
+        <p:nvSpPr>
+          <p:cNvPr id="6" name="직사각형 5"/>
+          <p:cNvSpPr/>
+          <p:nvPr/>
+        </p:nvSpPr>
+        <p:spPr>
+          <a:xfrm>
+            <a:off x="107504" y="116632"/>
+            <a:ext cx="2592288" cy="369332"/>
+          </a:xfrm>
+          <a:prstGeom prst="rect">
+            <a:avLst/>
+          </a:prstGeom>
+        </p:spPr>
+        <p:txBody>
+          <a:bodyPr wrap="square">
+            <a:spAutoFit/>
+          </a:bodyPr>
+          <a:lstStyle/>
+          <a:p>
+            <a:r>
+              <a:rPr lang="en-US" altLang="ko-KR" dirty="0" smtClean="0">
+                <a:latin typeface="배달의민족 주아" pitchFamily="18" charset="-127"/>
+                <a:ea typeface="배달의민족 주아" pitchFamily="18" charset="-127"/>
+              </a:rPr>
+              <a:t>4</a:t>
+            </a:r>
+            <a:r>
+              <a:rPr lang="en-US" altLang="ko-KR" smtClean="0">
+                <a:latin typeface="배달의민족 주아" pitchFamily="18" charset="-127"/>
+                <a:ea typeface="배달의민족 주아" pitchFamily="18" charset="-127"/>
+              </a:rPr>
+              <a:t>. </a:t>
+            </a:r>
+            <a:r>
+              <a:rPr lang="ko-KR" altLang="en-US" dirty="0" smtClean="0">
+                <a:latin typeface="배달의민족 주아" pitchFamily="18" charset="-127"/>
+                <a:ea typeface="배달의민족 주아" pitchFamily="18" charset="-127"/>
+              </a:rPr>
+              <a:t>논리연산</a:t>
+            </a:r>
+            <a:endParaRPr lang="ko-KR" altLang="en-US" dirty="0"/>
+          </a:p>
+        </p:txBody>
+      </p:sp>
+    </p:spTree>
+    <p:extLst>
+      <p:ext uri="{BB962C8B-B14F-4D97-AF65-F5344CB8AC3E}">
+        <p14:creationId xmlns:p14="http://schemas.microsoft.com/office/powerpoint/2010/main" val="4010580296"/>
+      </p:ext>
+    </p:extLst>
+  </p:cSld>
+  <p:clrMapOvr>
+    <a:masterClrMapping/>
+  </p:clrMapOvr>
+  <p:timing>
+    <p:tnLst>
+      <p:par>
+        <p:cTn id="1" dur="indefinite" restart="never" nodeType="tmRoot">
+          <p:childTnLst>
+            <p:seq concurrent="1" nextAc="seek">
+              <p:cTn id="2" dur="indefinite" nodeType="mainSeq">
+                <p:childTnLst>
+                  <p:par>
+                    <p:cTn id="3" fill="hold">
+                      <p:stCondLst>
+                        <p:cond delay="indefinite"/>
+                      </p:stCondLst>
+                      <p:childTnLst>
+                        <p:par>
+                          <p:cTn id="4" fill="hold">
+                            <p:stCondLst>
+                              <p:cond delay="0"/>
+                            </p:stCondLst>
+                            <p:childTnLst>
+                              <p:par>
+                                <p:cTn id="5" presetID="10" presetClass="entr" presetSubtype="0" fill="hold" nodeType="clickEffect">
+                                  <p:stCondLst>
+                                    <p:cond delay="0"/>
+                                  </p:stCondLst>
+                                  <p:childTnLst>
+                                    <p:set>
+                                      <p:cBhvr>
+                                        <p:cTn id="6" dur="1" fill="hold">
+                                          <p:stCondLst>
+                                            <p:cond delay="0"/>
+                                          </p:stCondLst>
+                                        </p:cTn>
+                                        <p:tgtEl>
+                                          <p:spTgt spid="5"/>
+                                        </p:tgtEl>
+                                        <p:attrNameLst>
+                                          <p:attrName>style.visibility</p:attrName>
+                                        </p:attrNameLst>
+                                      </p:cBhvr>
+                                      <p:to>
+                                        <p:strVal val="visible"/>
+                                      </p:to>
+                                    </p:set>
+                                    <p:animEffect transition="in" filter="fade">
+                                      <p:cBhvr>
+                                        <p:cTn id="7" dur="500"/>
+                                        <p:tgtEl>
+                                          <p:spTgt spid="5"/>
+                                        </p:tgtEl>
+                                      </p:cBhvr>
+                                    </p:animEffect>
+                                  </p:childTnLst>
+                                </p:cTn>
+                              </p:par>
+                            </p:childTnLst>
+                          </p:cTn>
+                        </p:par>
+                      </p:childTnLst>
+                    </p:cTn>
+                  </p:par>
+                </p:childTnLst>
+              </p:cTn>
+              <p:prevCondLst>
+                <p:cond evt="onPrev" delay="0">
+                  <p:tgtEl>
+                    <p:sldTgt/>
+                  </p:tgtEl>
+                </p:cond>
+              </p:prevCondLst>
+              <p:nextCondLst>
+                <p:cond evt="onNext" delay="0">
+                  <p:tgtEl>
+                    <p:sldTgt/>
+                  </p:tgtEl>
+                </p:cond>
+              </p:nextCondLst>
+            </p:seq>
+          </p:childTnLst>
+        </p:cTn>
+      </p:par>
+    </p:tnLst>
+  </p:timing>
+</p:sld>
+</file>
+
+<file path=ppt/slides/slide17.xml><?xml version="1.0" encoding="utf-8"?>
+<p:sld xmlns:a="http://schemas.openxmlformats.org/drawingml/2006/main" xmlns:r="http://schemas.openxmlformats.org/officeDocument/2006/relationships" xmlns:p="http://schemas.openxmlformats.org/presentationml/2006/main">
+  <p:cSld>
+    <p:spTree>
+      <p:nvGrpSpPr>
+        <p:cNvPr id="1" name=""/>
+        <p:cNvGrpSpPr/>
+        <p:nvPr/>
+      </p:nvGrpSpPr>
+      <p:grpSpPr>
+        <a:xfrm>
+          <a:off x="0" y="0"/>
+          <a:ext cx="0" cy="0"/>
+          <a:chOff x="0" y="0"/>
+          <a:chExt cx="0" cy="0"/>
+        </a:xfrm>
+      </p:grpSpPr>
+      <p:sp>
+        <p:nvSpPr>
           <p:cNvPr id="5" name="제목 1"/>
           <p:cNvSpPr txBox="1">
             <a:spLocks/>
@@ -6408,6 +7165,14 @@
 <file path=ppt/slides/slide2.xml><?xml version="1.0" encoding="utf-8"?>
 <p:sld xmlns:a="http://schemas.openxmlformats.org/drawingml/2006/main" xmlns:r="http://schemas.openxmlformats.org/officeDocument/2006/relationships" xmlns:p="http://schemas.openxmlformats.org/presentationml/2006/main">
   <p:cSld>
+    <p:bg>
+      <p:bgPr>
+        <a:solidFill>
+          <a:schemeClr val="accent4"/>
+        </a:solidFill>
+        <a:effectLst/>
+      </p:bgPr>
+    </p:bg>
     <p:spTree>
       <p:nvGrpSpPr>
         <p:cNvPr id="1" name=""/>
@@ -6434,22 +7199,470 @@
         </p:nvSpPr>
         <p:spPr>
           <a:xfrm>
-            <a:off x="657139" y="1670943"/>
+            <a:off x="2195736" y="2130425"/>
             <a:ext cx="7772400" cy="1470025"/>
           </a:xfrm>
         </p:spPr>
         <p:txBody>
-          <a:bodyPr/>
+          <a:bodyPr>
+            <a:noAutofit/>
+          </a:bodyPr>
           <a:lstStyle/>
           <a:p>
-            <a:r>
-              <a:rPr lang="ko-KR" altLang="en-US" dirty="0" smtClean="0">
-                <a:latin typeface="배달의민족 주아" pitchFamily="18" charset="-127"/>
-                <a:ea typeface="배달의민족 주아" pitchFamily="18" charset="-127"/>
-              </a:rPr>
-              <a:t>연산</a:t>
-            </a:r>
-            <a:endParaRPr lang="ko-KR" altLang="en-US" dirty="0">
+            <a:pPr algn="l"/>
+            <a:r>
+              <a:rPr lang="ko-KR" altLang="en-US" sz="2000" dirty="0">
+                <a:solidFill>
+                  <a:srgbClr val="FDE035"/>
+                </a:solidFill>
+                <a:latin typeface="배달의민족 주아" pitchFamily="18" charset="-127"/>
+                <a:ea typeface="배달의민족 주아" pitchFamily="18" charset="-127"/>
+              </a:rPr>
+              <a:t>목차</a:t>
+            </a:r>
+            <a:r>
+              <a:rPr lang="en-US" altLang="ko-KR" sz="2000" dirty="0">
+                <a:solidFill>
+                  <a:schemeClr val="accent5"/>
+                </a:solidFill>
+                <a:latin typeface="배달의민족 주아" pitchFamily="18" charset="-127"/>
+                <a:ea typeface="배달의민족 주아" pitchFamily="18" charset="-127"/>
+              </a:rPr>
+              <a:t/>
+            </a:r>
+            <a:br>
+              <a:rPr lang="en-US" altLang="ko-KR" sz="2000" dirty="0">
+                <a:solidFill>
+                  <a:schemeClr val="accent5"/>
+                </a:solidFill>
+                <a:latin typeface="배달의민족 주아" pitchFamily="18" charset="-127"/>
+                <a:ea typeface="배달의민족 주아" pitchFamily="18" charset="-127"/>
+              </a:rPr>
+            </a:br>
+            <a:r>
+              <a:rPr lang="en-US" altLang="ko-KR" sz="2800" dirty="0">
+                <a:solidFill>
+                  <a:schemeClr val="bg1"/>
+                </a:solidFill>
+                <a:latin typeface="배달의민족 주아" pitchFamily="18" charset="-127"/>
+                <a:ea typeface="배달의민족 주아" pitchFamily="18" charset="-127"/>
+              </a:rPr>
+              <a:t/>
+            </a:r>
+            <a:br>
+              <a:rPr lang="en-US" altLang="ko-KR" sz="2800" dirty="0">
+                <a:solidFill>
+                  <a:schemeClr val="bg1"/>
+                </a:solidFill>
+                <a:latin typeface="배달의민족 주아" pitchFamily="18" charset="-127"/>
+                <a:ea typeface="배달의민족 주아" pitchFamily="18" charset="-127"/>
+              </a:rPr>
+            </a:br>
+            <a:r>
+              <a:rPr lang="en-US" altLang="ko-KR" sz="2800" dirty="0">
+                <a:solidFill>
+                  <a:schemeClr val="bg1"/>
+                </a:solidFill>
+                <a:latin typeface="배달의민족 주아" pitchFamily="18" charset="-127"/>
+                <a:ea typeface="배달의민족 주아" pitchFamily="18" charset="-127"/>
+              </a:rPr>
+              <a:t>1. </a:t>
+            </a:r>
+            <a:r>
+              <a:rPr lang="ko-KR" altLang="en-US" sz="2800" dirty="0" smtClean="0">
+                <a:solidFill>
+                  <a:schemeClr val="bg1"/>
+                </a:solidFill>
+                <a:latin typeface="배달의민족 주아" pitchFamily="18" charset="-127"/>
+                <a:ea typeface="배달의민족 주아" pitchFamily="18" charset="-127"/>
+              </a:rPr>
+              <a:t>연산이란</a:t>
+            </a:r>
+            <a:r>
+              <a:rPr lang="en-US" altLang="ko-KR" sz="2800" dirty="0">
+                <a:solidFill>
+                  <a:schemeClr val="bg1"/>
+                </a:solidFill>
+                <a:latin typeface="배달의민족 주아" pitchFamily="18" charset="-127"/>
+                <a:ea typeface="배달의민족 주아" pitchFamily="18" charset="-127"/>
+              </a:rPr>
+              <a:t>?</a:t>
+            </a:r>
+            <a:br>
+              <a:rPr lang="en-US" altLang="ko-KR" sz="2800" dirty="0">
+                <a:solidFill>
+                  <a:schemeClr val="bg1"/>
+                </a:solidFill>
+                <a:latin typeface="배달의민족 주아" pitchFamily="18" charset="-127"/>
+                <a:ea typeface="배달의민족 주아" pitchFamily="18" charset="-127"/>
+              </a:rPr>
+            </a:br>
+            <a:r>
+              <a:rPr lang="en-US" altLang="ko-KR" sz="2800" dirty="0">
+                <a:solidFill>
+                  <a:schemeClr val="bg1"/>
+                </a:solidFill>
+                <a:latin typeface="배달의민족 주아" pitchFamily="18" charset="-127"/>
+                <a:ea typeface="배달의민족 주아" pitchFamily="18" charset="-127"/>
+              </a:rPr>
+              <a:t>2. </a:t>
+            </a:r>
+            <a:r>
+              <a:rPr lang="ko-KR" altLang="en-US" sz="2800" dirty="0" smtClean="0">
+                <a:solidFill>
+                  <a:schemeClr val="bg1"/>
+                </a:solidFill>
+                <a:latin typeface="배달의민족 주아" pitchFamily="18" charset="-127"/>
+                <a:ea typeface="배달의민족 주아" pitchFamily="18" charset="-127"/>
+              </a:rPr>
+              <a:t>산술연산</a:t>
+            </a:r>
+            <a:r>
+              <a:rPr lang="en-US" altLang="ko-KR" sz="2800" dirty="0">
+                <a:solidFill>
+                  <a:schemeClr val="bg1"/>
+                </a:solidFill>
+                <a:latin typeface="배달의민족 주아" pitchFamily="18" charset="-127"/>
+                <a:ea typeface="배달의민족 주아" pitchFamily="18" charset="-127"/>
+              </a:rPr>
+              <a:t/>
+            </a:r>
+            <a:br>
+              <a:rPr lang="en-US" altLang="ko-KR" sz="2800" dirty="0">
+                <a:solidFill>
+                  <a:schemeClr val="bg1"/>
+                </a:solidFill>
+                <a:latin typeface="배달의민족 주아" pitchFamily="18" charset="-127"/>
+                <a:ea typeface="배달의민족 주아" pitchFamily="18" charset="-127"/>
+              </a:rPr>
+            </a:br>
+            <a:r>
+              <a:rPr lang="en-US" altLang="ko-KR" sz="2800" dirty="0">
+                <a:solidFill>
+                  <a:schemeClr val="bg1"/>
+                </a:solidFill>
+                <a:latin typeface="배달의민족 주아" pitchFamily="18" charset="-127"/>
+                <a:ea typeface="배달의민족 주아" pitchFamily="18" charset="-127"/>
+              </a:rPr>
+              <a:t>	2.1 </a:t>
+            </a:r>
+            <a:r>
+              <a:rPr lang="ko-KR" altLang="en-US" sz="2800" dirty="0" smtClean="0">
+                <a:solidFill>
+                  <a:schemeClr val="bg1"/>
+                </a:solidFill>
+                <a:latin typeface="배달의민족 주아" pitchFamily="18" charset="-127"/>
+                <a:ea typeface="배달의민족 주아" pitchFamily="18" charset="-127"/>
+              </a:rPr>
+              <a:t>숫자연산</a:t>
+            </a:r>
+            <a:r>
+              <a:rPr lang="en-US" altLang="ko-KR" sz="2800" dirty="0">
+                <a:solidFill>
+                  <a:schemeClr val="bg1"/>
+                </a:solidFill>
+                <a:latin typeface="배달의민족 주아" pitchFamily="18" charset="-127"/>
+                <a:ea typeface="배달의민족 주아" pitchFamily="18" charset="-127"/>
+              </a:rPr>
+              <a:t/>
+            </a:r>
+            <a:br>
+              <a:rPr lang="en-US" altLang="ko-KR" sz="2800" dirty="0">
+                <a:solidFill>
+                  <a:schemeClr val="bg1"/>
+                </a:solidFill>
+                <a:latin typeface="배달의민족 주아" pitchFamily="18" charset="-127"/>
+                <a:ea typeface="배달의민족 주아" pitchFamily="18" charset="-127"/>
+              </a:rPr>
+            </a:br>
+            <a:r>
+              <a:rPr lang="en-US" altLang="ko-KR" sz="2800" dirty="0">
+                <a:solidFill>
+                  <a:schemeClr val="bg1"/>
+                </a:solidFill>
+                <a:latin typeface="배달의민족 주아" pitchFamily="18" charset="-127"/>
+                <a:ea typeface="배달의민족 주아" pitchFamily="18" charset="-127"/>
+              </a:rPr>
+              <a:t>	2.2 </a:t>
+            </a:r>
+            <a:r>
+              <a:rPr lang="ko-KR" altLang="en-US" sz="2800" dirty="0" smtClean="0">
+                <a:solidFill>
+                  <a:schemeClr val="bg1"/>
+                </a:solidFill>
+                <a:latin typeface="배달의민족 주아" pitchFamily="18" charset="-127"/>
+                <a:ea typeface="배달의민족 주아" pitchFamily="18" charset="-127"/>
+              </a:rPr>
+              <a:t>문자열연산</a:t>
+            </a:r>
+            <a:r>
+              <a:rPr lang="en-US" altLang="ko-KR" sz="2800" dirty="0">
+                <a:solidFill>
+                  <a:schemeClr val="bg1"/>
+                </a:solidFill>
+                <a:latin typeface="배달의민족 주아" pitchFamily="18" charset="-127"/>
+                <a:ea typeface="배달의민족 주아" pitchFamily="18" charset="-127"/>
+              </a:rPr>
+              <a:t/>
+            </a:r>
+            <a:br>
+              <a:rPr lang="en-US" altLang="ko-KR" sz="2800" dirty="0">
+                <a:solidFill>
+                  <a:schemeClr val="bg1"/>
+                </a:solidFill>
+                <a:latin typeface="배달의민족 주아" pitchFamily="18" charset="-127"/>
+                <a:ea typeface="배달의민족 주아" pitchFamily="18" charset="-127"/>
+              </a:rPr>
+            </a:br>
+            <a:r>
+              <a:rPr lang="en-US" altLang="ko-KR" sz="2800" dirty="0">
+                <a:solidFill>
+                  <a:schemeClr val="bg1"/>
+                </a:solidFill>
+                <a:latin typeface="배달의민족 주아" pitchFamily="18" charset="-127"/>
+                <a:ea typeface="배달의민족 주아" pitchFamily="18" charset="-127"/>
+              </a:rPr>
+              <a:t>3. </a:t>
+            </a:r>
+            <a:r>
+              <a:rPr lang="ko-KR" altLang="en-US" sz="2800" dirty="0" smtClean="0">
+                <a:solidFill>
+                  <a:schemeClr val="bg1"/>
+                </a:solidFill>
+                <a:latin typeface="배달의민족 주아" pitchFamily="18" charset="-127"/>
+                <a:ea typeface="배달의민족 주아" pitchFamily="18" charset="-127"/>
+              </a:rPr>
+              <a:t>비교연산</a:t>
+            </a:r>
+            <a:r>
+              <a:rPr lang="en-US" altLang="ko-KR" sz="2800" dirty="0">
+                <a:solidFill>
+                  <a:schemeClr val="bg1"/>
+                </a:solidFill>
+                <a:latin typeface="배달의민족 주아" pitchFamily="18" charset="-127"/>
+                <a:ea typeface="배달의민족 주아" pitchFamily="18" charset="-127"/>
+              </a:rPr>
+              <a:t/>
+            </a:r>
+            <a:br>
+              <a:rPr lang="en-US" altLang="ko-KR" sz="2800" dirty="0">
+                <a:solidFill>
+                  <a:schemeClr val="bg1"/>
+                </a:solidFill>
+                <a:latin typeface="배달의민족 주아" pitchFamily="18" charset="-127"/>
+                <a:ea typeface="배달의민족 주아" pitchFamily="18" charset="-127"/>
+              </a:rPr>
+            </a:br>
+            <a:r>
+              <a:rPr lang="en-US" altLang="ko-KR" sz="2800" dirty="0" smtClean="0">
+                <a:solidFill>
+                  <a:schemeClr val="bg1"/>
+                </a:solidFill>
+                <a:latin typeface="배달의민족 주아" pitchFamily="18" charset="-127"/>
+                <a:ea typeface="배달의민족 주아" pitchFamily="18" charset="-127"/>
+              </a:rPr>
+              <a:t>4. </a:t>
+            </a:r>
+            <a:r>
+              <a:rPr lang="ko-KR" altLang="en-US" sz="2800" dirty="0" smtClean="0">
+                <a:solidFill>
+                  <a:schemeClr val="bg1"/>
+                </a:solidFill>
+                <a:latin typeface="배달의민족 주아" pitchFamily="18" charset="-127"/>
+                <a:ea typeface="배달의민족 주아" pitchFamily="18" charset="-127"/>
+              </a:rPr>
+              <a:t>논리연산</a:t>
+            </a:r>
+            <a:r>
+              <a:rPr lang="en-US" altLang="ko-KR" sz="2800" dirty="0" smtClean="0">
+                <a:solidFill>
+                  <a:schemeClr val="bg1"/>
+                </a:solidFill>
+                <a:latin typeface="배달의민족 주아" pitchFamily="18" charset="-127"/>
+                <a:ea typeface="배달의민족 주아" pitchFamily="18" charset="-127"/>
+              </a:rPr>
+              <a:t/>
+            </a:r>
+            <a:br>
+              <a:rPr lang="en-US" altLang="ko-KR" sz="2800" dirty="0" smtClean="0">
+                <a:solidFill>
+                  <a:schemeClr val="bg1"/>
+                </a:solidFill>
+                <a:latin typeface="배달의민족 주아" pitchFamily="18" charset="-127"/>
+                <a:ea typeface="배달의민족 주아" pitchFamily="18" charset="-127"/>
+              </a:rPr>
+            </a:br>
+            <a:r>
+              <a:rPr lang="en-US" altLang="ko-KR" sz="2800" dirty="0">
+                <a:solidFill>
+                  <a:schemeClr val="bg1"/>
+                </a:solidFill>
+                <a:latin typeface="배달의민족 주아" pitchFamily="18" charset="-127"/>
+                <a:ea typeface="배달의민족 주아" pitchFamily="18" charset="-127"/>
+              </a:rPr>
+              <a:t>	</a:t>
+            </a:r>
+            <a:r>
+              <a:rPr lang="en-US" altLang="ko-KR" sz="2800" dirty="0" smtClean="0">
+                <a:solidFill>
+                  <a:schemeClr val="bg1"/>
+                </a:solidFill>
+                <a:latin typeface="배달의민족 주아" pitchFamily="18" charset="-127"/>
+                <a:ea typeface="배달의민족 주아" pitchFamily="18" charset="-127"/>
+              </a:rPr>
+              <a:t>4.1 </a:t>
+            </a:r>
+            <a:r>
+              <a:rPr lang="ko-KR" altLang="en-US" sz="2800" dirty="0" err="1" smtClean="0">
+                <a:solidFill>
+                  <a:schemeClr val="bg1"/>
+                </a:solidFill>
+                <a:latin typeface="배달의민족 주아" pitchFamily="18" charset="-127"/>
+                <a:ea typeface="배달의민족 주아" pitchFamily="18" charset="-127"/>
+              </a:rPr>
+              <a:t>불린형</a:t>
+            </a:r>
+            <a:r>
+              <a:rPr lang="en-US" altLang="ko-KR" sz="2800" dirty="0" smtClean="0">
+                <a:solidFill>
+                  <a:schemeClr val="bg1"/>
+                </a:solidFill>
+                <a:latin typeface="배달의민족 주아" pitchFamily="18" charset="-127"/>
+                <a:ea typeface="배달의민족 주아" pitchFamily="18" charset="-127"/>
+              </a:rPr>
+              <a:t>(Boolean)</a:t>
+            </a:r>
+            <a:br>
+              <a:rPr lang="en-US" altLang="ko-KR" sz="2800" dirty="0" smtClean="0">
+                <a:solidFill>
+                  <a:schemeClr val="bg1"/>
+                </a:solidFill>
+                <a:latin typeface="배달의민족 주아" pitchFamily="18" charset="-127"/>
+                <a:ea typeface="배달의민족 주아" pitchFamily="18" charset="-127"/>
+              </a:rPr>
+            </a:br>
+            <a:r>
+              <a:rPr lang="en-US" altLang="ko-KR" sz="2800" dirty="0" smtClean="0">
+                <a:solidFill>
+                  <a:schemeClr val="bg1"/>
+                </a:solidFill>
+                <a:latin typeface="배달의민족 주아" pitchFamily="18" charset="-127"/>
+                <a:ea typeface="배달의민족 주아" pitchFamily="18" charset="-127"/>
+              </a:rPr>
+              <a:t>	4.2 </a:t>
+            </a:r>
+            <a:r>
+              <a:rPr lang="ko-KR" altLang="en-US" sz="2800" dirty="0" smtClean="0">
+                <a:solidFill>
+                  <a:schemeClr val="bg1"/>
+                </a:solidFill>
+                <a:latin typeface="배달의민족 주아" pitchFamily="18" charset="-127"/>
+                <a:ea typeface="배달의민족 주아" pitchFamily="18" charset="-127"/>
+              </a:rPr>
+              <a:t>명제</a:t>
+            </a:r>
+            <a:r>
+              <a:rPr lang="en-US" altLang="ko-KR" sz="2800" dirty="0" smtClean="0">
+                <a:solidFill>
+                  <a:schemeClr val="bg1"/>
+                </a:solidFill>
+                <a:latin typeface="배달의민족 주아" pitchFamily="18" charset="-127"/>
+                <a:ea typeface="배달의민족 주아" pitchFamily="18" charset="-127"/>
+              </a:rPr>
+              <a:t/>
+            </a:r>
+            <a:br>
+              <a:rPr lang="en-US" altLang="ko-KR" sz="2800" dirty="0" smtClean="0">
+                <a:solidFill>
+                  <a:schemeClr val="bg1"/>
+                </a:solidFill>
+                <a:latin typeface="배달의민족 주아" pitchFamily="18" charset="-127"/>
+                <a:ea typeface="배달의민족 주아" pitchFamily="18" charset="-127"/>
+              </a:rPr>
+            </a:br>
+            <a:r>
+              <a:rPr lang="en-US" altLang="ko-KR" sz="2800" dirty="0">
+                <a:solidFill>
+                  <a:schemeClr val="bg1"/>
+                </a:solidFill>
+                <a:latin typeface="배달의민족 주아" pitchFamily="18" charset="-127"/>
+                <a:ea typeface="배달의민족 주아" pitchFamily="18" charset="-127"/>
+              </a:rPr>
+              <a:t>	</a:t>
+            </a:r>
+            <a:r>
+              <a:rPr lang="en-US" altLang="ko-KR" sz="2800" dirty="0" smtClean="0">
+                <a:solidFill>
+                  <a:schemeClr val="bg1"/>
+                </a:solidFill>
+                <a:latin typeface="배달의민족 주아" pitchFamily="18" charset="-127"/>
+                <a:ea typeface="배달의민족 주아" pitchFamily="18" charset="-127"/>
+              </a:rPr>
+              <a:t>4.3 </a:t>
+            </a:r>
+            <a:r>
+              <a:rPr lang="ko-KR" altLang="en-US" sz="2800" dirty="0" smtClean="0">
+                <a:solidFill>
+                  <a:schemeClr val="bg1"/>
+                </a:solidFill>
+                <a:latin typeface="배달의민족 주아" pitchFamily="18" charset="-127"/>
+                <a:ea typeface="배달의민족 주아" pitchFamily="18" charset="-127"/>
+              </a:rPr>
+              <a:t>비교연산의 결과</a:t>
+            </a:r>
+            <a:r>
+              <a:rPr lang="en-US" altLang="ko-KR" sz="2800" dirty="0" smtClean="0">
+                <a:solidFill>
+                  <a:schemeClr val="bg1"/>
+                </a:solidFill>
+                <a:latin typeface="배달의민족 주아" pitchFamily="18" charset="-127"/>
+                <a:ea typeface="배달의민족 주아" pitchFamily="18" charset="-127"/>
+              </a:rPr>
+              <a:t/>
+            </a:r>
+            <a:br>
+              <a:rPr lang="en-US" altLang="ko-KR" sz="2800" dirty="0" smtClean="0">
+                <a:solidFill>
+                  <a:schemeClr val="bg1"/>
+                </a:solidFill>
+                <a:latin typeface="배달의민족 주아" pitchFamily="18" charset="-127"/>
+                <a:ea typeface="배달의민족 주아" pitchFamily="18" charset="-127"/>
+              </a:rPr>
+            </a:br>
+            <a:r>
+              <a:rPr lang="en-US" altLang="ko-KR" sz="2800" dirty="0">
+                <a:solidFill>
+                  <a:schemeClr val="bg1"/>
+                </a:solidFill>
+                <a:latin typeface="배달의민족 주아" pitchFamily="18" charset="-127"/>
+                <a:ea typeface="배달의민족 주아" pitchFamily="18" charset="-127"/>
+              </a:rPr>
+              <a:t>	</a:t>
+            </a:r>
+            <a:r>
+              <a:rPr lang="en-US" altLang="ko-KR" sz="2800" dirty="0" smtClean="0">
+                <a:solidFill>
+                  <a:schemeClr val="bg1"/>
+                </a:solidFill>
+                <a:latin typeface="배달의민족 주아" pitchFamily="18" charset="-127"/>
+                <a:ea typeface="배달의민족 주아" pitchFamily="18" charset="-127"/>
+              </a:rPr>
+              <a:t>4.4 </a:t>
+            </a:r>
+            <a:r>
+              <a:rPr lang="ko-KR" altLang="en-US" sz="2800" dirty="0" smtClean="0">
+                <a:solidFill>
+                  <a:schemeClr val="bg1"/>
+                </a:solidFill>
+                <a:latin typeface="배달의민족 주아" pitchFamily="18" charset="-127"/>
+                <a:ea typeface="배달의민족 주아" pitchFamily="18" charset="-127"/>
+              </a:rPr>
+              <a:t>논리연산의 결과</a:t>
+            </a:r>
+            <a:endParaRPr lang="ko-KR" altLang="en-US" sz="2800" dirty="0">
+              <a:solidFill>
+                <a:srgbClr val="FFCC00"/>
+              </a:solidFill>
               <a:latin typeface="배달의민족 주아" pitchFamily="18" charset="-127"/>
               <a:ea typeface="배달의민족 주아" pitchFamily="18" charset="-127"/>
             </a:endParaRPr>
@@ -6481,6 +7694,140 @@
             <a:r>
               <a:rPr lang="en-US" altLang="ko-KR" dirty="0" smtClean="0">
                 <a:solidFill>
+                  <a:schemeClr val="bg1"/>
+                </a:solidFill>
+                <a:latin typeface="배달의민족 도현" pitchFamily="50" charset="-127"/>
+                <a:ea typeface="배달의민족 도현" pitchFamily="50" charset="-127"/>
+              </a:rPr>
+              <a:t>S</a:t>
+            </a:r>
+            <a:r>
+              <a:rPr lang="en-US" altLang="ko-KR" dirty="0" smtClean="0">
+                <a:latin typeface="배달의민족 도현" pitchFamily="50" charset="-127"/>
+                <a:ea typeface="배달의민족 도현" pitchFamily="50" charset="-127"/>
+              </a:rPr>
+              <a:t>TART</a:t>
+            </a:r>
+            <a:r>
+              <a:rPr lang="en-US" altLang="ko-KR" dirty="0" smtClean="0">
+                <a:solidFill>
+                  <a:schemeClr val="bg1"/>
+                </a:solidFill>
+                <a:latin typeface="배달의민족 도현" pitchFamily="50" charset="-127"/>
+                <a:ea typeface="배달의민족 도현" pitchFamily="50" charset="-127"/>
+              </a:rPr>
+              <a:t>C</a:t>
+            </a:r>
+            <a:r>
+              <a:rPr lang="en-US" altLang="ko-KR" dirty="0" smtClean="0">
+                <a:latin typeface="배달의민족 도현" pitchFamily="50" charset="-127"/>
+                <a:ea typeface="배달의민족 도현" pitchFamily="50" charset="-127"/>
+              </a:rPr>
+              <a:t>ODING</a:t>
+            </a:r>
+            <a:endParaRPr lang="ko-KR" altLang="en-US" dirty="0">
+              <a:latin typeface="배달의민족 도현" pitchFamily="50" charset="-127"/>
+              <a:ea typeface="배달의민족 도현" pitchFamily="50" charset="-127"/>
+            </a:endParaRPr>
+          </a:p>
+        </p:txBody>
+      </p:sp>
+    </p:spTree>
+    <p:extLst>
+      <p:ext uri="{BB962C8B-B14F-4D97-AF65-F5344CB8AC3E}">
+        <p14:creationId xmlns:p14="http://schemas.microsoft.com/office/powerpoint/2010/main" val="339691684"/>
+      </p:ext>
+    </p:extLst>
+  </p:cSld>
+  <p:clrMapOvr>
+    <a:masterClrMapping/>
+  </p:clrMapOvr>
+  <p:timing>
+    <p:tnLst>
+      <p:par>
+        <p:cTn id="1" dur="indefinite" restart="never" nodeType="tmRoot"/>
+      </p:par>
+    </p:tnLst>
+  </p:timing>
+</p:sld>
+</file>
+
+<file path=ppt/slides/slide3.xml><?xml version="1.0" encoding="utf-8"?>
+<p:sld xmlns:a="http://schemas.openxmlformats.org/drawingml/2006/main" xmlns:r="http://schemas.openxmlformats.org/officeDocument/2006/relationships" xmlns:p="http://schemas.openxmlformats.org/presentationml/2006/main">
+  <p:cSld>
+    <p:spTree>
+      <p:nvGrpSpPr>
+        <p:cNvPr id="1" name=""/>
+        <p:cNvGrpSpPr/>
+        <p:nvPr/>
+      </p:nvGrpSpPr>
+      <p:grpSpPr>
+        <a:xfrm>
+          <a:off x="0" y="0"/>
+          <a:ext cx="0" cy="0"/>
+          <a:chOff x="0" y="0"/>
+          <a:chExt cx="0" cy="0"/>
+        </a:xfrm>
+      </p:grpSpPr>
+      <p:sp>
+        <p:nvSpPr>
+          <p:cNvPr id="2" name="제목 1"/>
+          <p:cNvSpPr>
+            <a:spLocks noGrp="1"/>
+          </p:cNvSpPr>
+          <p:nvPr>
+            <p:ph type="ctrTitle"/>
+          </p:nvPr>
+        </p:nvSpPr>
+        <p:spPr>
+          <a:xfrm>
+            <a:off x="657139" y="1670943"/>
+            <a:ext cx="7772400" cy="1470025"/>
+          </a:xfrm>
+        </p:spPr>
+        <p:txBody>
+          <a:bodyPr/>
+          <a:lstStyle/>
+          <a:p>
+            <a:r>
+              <a:rPr lang="ko-KR" altLang="en-US" dirty="0" smtClean="0">
+                <a:latin typeface="배달의민족 주아" pitchFamily="18" charset="-127"/>
+                <a:ea typeface="배달의민족 주아" pitchFamily="18" charset="-127"/>
+              </a:rPr>
+              <a:t>연산</a:t>
+            </a:r>
+            <a:endParaRPr lang="ko-KR" altLang="en-US" dirty="0">
+              <a:latin typeface="배달의민족 주아" pitchFamily="18" charset="-127"/>
+              <a:ea typeface="배달의민족 주아" pitchFamily="18" charset="-127"/>
+            </a:endParaRPr>
+          </a:p>
+        </p:txBody>
+      </p:sp>
+      <p:sp>
+        <p:nvSpPr>
+          <p:cNvPr id="3" name="TextBox 2"/>
+          <p:cNvSpPr txBox="1"/>
+          <p:nvPr/>
+        </p:nvSpPr>
+        <p:spPr>
+          <a:xfrm>
+            <a:off x="6588224" y="6165304"/>
+            <a:ext cx="1838965" cy="369332"/>
+          </a:xfrm>
+          <a:prstGeom prst="rect">
+            <a:avLst/>
+          </a:prstGeom>
+          <a:noFill/>
+        </p:spPr>
+        <p:txBody>
+          <a:bodyPr wrap="none" rtlCol="0">
+            <a:spAutoFit/>
+          </a:bodyPr>
+          <a:lstStyle/>
+          <a:p>
+            <a:r>
+              <a:rPr lang="en-US" altLang="ko-KR" dirty="0" smtClean="0">
+                <a:solidFill>
                   <a:schemeClr val="accent5"/>
                 </a:solidFill>
                 <a:latin typeface="배달의민족 도현" pitchFamily="50" charset="-127"/>
@@ -6574,6 +7921,65 @@
               <a:latin typeface="배달의민족 주아" pitchFamily="18" charset="-127"/>
               <a:ea typeface="배달의민족 주아" pitchFamily="18" charset="-127"/>
             </a:endParaRPr>
+          </a:p>
+        </p:txBody>
+      </p:sp>
+      <p:sp>
+        <p:nvSpPr>
+          <p:cNvPr id="5" name="직사각형 4"/>
+          <p:cNvSpPr/>
+          <p:nvPr/>
+        </p:nvSpPr>
+        <p:spPr>
+          <a:xfrm>
+            <a:off x="107504" y="116632"/>
+            <a:ext cx="2592288" cy="646331"/>
+          </a:xfrm>
+          <a:prstGeom prst="rect">
+            <a:avLst/>
+          </a:prstGeom>
+        </p:spPr>
+        <p:txBody>
+          <a:bodyPr wrap="square">
+            <a:spAutoFit/>
+          </a:bodyPr>
+          <a:lstStyle/>
+          <a:p>
+            <a:r>
+              <a:rPr lang="en-US" altLang="ko-KR" dirty="0">
+                <a:latin typeface="배달의민족 주아" pitchFamily="18" charset="-127"/>
+                <a:ea typeface="배달의민족 주아" pitchFamily="18" charset="-127"/>
+              </a:rPr>
+              <a:t>1. </a:t>
+            </a:r>
+            <a:r>
+              <a:rPr lang="ko-KR" altLang="en-US" dirty="0" smtClean="0">
+                <a:latin typeface="배달의민족 주아" pitchFamily="18" charset="-127"/>
+                <a:ea typeface="배달의민족 주아" pitchFamily="18" charset="-127"/>
+              </a:rPr>
+              <a:t>연산이란</a:t>
+            </a:r>
+            <a:r>
+              <a:rPr lang="en-US" altLang="ko-KR" dirty="0" smtClean="0">
+                <a:latin typeface="배달의민족 주아" pitchFamily="18" charset="-127"/>
+                <a:ea typeface="배달의민족 주아" pitchFamily="18" charset="-127"/>
+              </a:rPr>
+              <a:t>?</a:t>
+            </a:r>
+            <a:r>
+              <a:rPr lang="en-US" altLang="ko-KR" dirty="0">
+                <a:latin typeface="배달의민족 주아" pitchFamily="18" charset="-127"/>
+                <a:ea typeface="배달의민족 주아" pitchFamily="18" charset="-127"/>
+              </a:rPr>
+              <a:t/>
+            </a:r>
+            <a:br>
+              <a:rPr lang="en-US" altLang="ko-KR" dirty="0">
+                <a:latin typeface="배달의민족 주아" pitchFamily="18" charset="-127"/>
+                <a:ea typeface="배달의민족 주아" pitchFamily="18" charset="-127"/>
+              </a:rPr>
+            </a:br>
+            <a:endParaRPr lang="ko-KR" altLang="en-US" dirty="0"/>
           </a:p>
         </p:txBody>
       </p:sp>
@@ -6676,7 +8082,7 @@
 </p:sld>
 </file>
 
-<file path=ppt/slides/slide3.xml><?xml version="1.0" encoding="utf-8"?>
+<file path=ppt/slides/slide4.xml><?xml version="1.0" encoding="utf-8"?>
 <p:sld xmlns:a="http://schemas.openxmlformats.org/drawingml/2006/main" xmlns:r="http://schemas.openxmlformats.org/officeDocument/2006/relationships" xmlns:p="http://schemas.openxmlformats.org/presentationml/2006/main">
   <p:cSld>
     <p:spTree>
@@ -6988,6 +8394,65 @@
           </a:fontRef>
         </p:style>
       </p:cxnSp>
+      <p:sp>
+        <p:nvSpPr>
+          <p:cNvPr id="10" name="직사각형 9"/>
+          <p:cNvSpPr/>
+          <p:nvPr/>
+        </p:nvSpPr>
+        <p:spPr>
+          <a:xfrm>
+            <a:off x="107504" y="116632"/>
+            <a:ext cx="2592288" cy="646331"/>
+          </a:xfrm>
+          <a:prstGeom prst="rect">
+            <a:avLst/>
+          </a:prstGeom>
+        </p:spPr>
+        <p:txBody>
+          <a:bodyPr wrap="square">
+            <a:spAutoFit/>
+          </a:bodyPr>
+          <a:lstStyle/>
+          <a:p>
+            <a:r>
+              <a:rPr lang="en-US" altLang="ko-KR" dirty="0">
+                <a:latin typeface="배달의민족 주아" pitchFamily="18" charset="-127"/>
+                <a:ea typeface="배달의민족 주아" pitchFamily="18" charset="-127"/>
+              </a:rPr>
+              <a:t>1. </a:t>
+            </a:r>
+            <a:r>
+              <a:rPr lang="ko-KR" altLang="en-US" dirty="0" smtClean="0">
+                <a:latin typeface="배달의민족 주아" pitchFamily="18" charset="-127"/>
+                <a:ea typeface="배달의민족 주아" pitchFamily="18" charset="-127"/>
+              </a:rPr>
+              <a:t>연산이란</a:t>
+            </a:r>
+            <a:r>
+              <a:rPr lang="en-US" altLang="ko-KR" dirty="0" smtClean="0">
+                <a:latin typeface="배달의민족 주아" pitchFamily="18" charset="-127"/>
+                <a:ea typeface="배달의민족 주아" pitchFamily="18" charset="-127"/>
+              </a:rPr>
+              <a:t>?</a:t>
+            </a:r>
+            <a:r>
+              <a:rPr lang="en-US" altLang="ko-KR" dirty="0">
+                <a:latin typeface="배달의민족 주아" pitchFamily="18" charset="-127"/>
+                <a:ea typeface="배달의민족 주아" pitchFamily="18" charset="-127"/>
+              </a:rPr>
+              <a:t/>
+            </a:r>
+            <a:br>
+              <a:rPr lang="en-US" altLang="ko-KR" dirty="0">
+                <a:latin typeface="배달의민족 주아" pitchFamily="18" charset="-127"/>
+                <a:ea typeface="배달의민족 주아" pitchFamily="18" charset="-127"/>
+              </a:rPr>
+            </a:br>
+            <a:endParaRPr lang="ko-KR" altLang="en-US" dirty="0"/>
+          </a:p>
+        </p:txBody>
+      </p:sp>
     </p:spTree>
     <p:extLst>
       <p:ext uri="{BB962C8B-B14F-4D97-AF65-F5344CB8AC3E}">
@@ -7300,7 +8765,7 @@
 </p:sld>
 </file>
 
-<file path=ppt/slides/slide4.xml><?xml version="1.0" encoding="utf-8"?>
+<file path=ppt/slides/slide5.xml><?xml version="1.0" encoding="utf-8"?>
 <p:sld xmlns:a="http://schemas.openxmlformats.org/drawingml/2006/main" xmlns:r="http://schemas.openxmlformats.org/officeDocument/2006/relationships" xmlns:p="http://schemas.openxmlformats.org/presentationml/2006/main">
   <p:cSld>
     <p:spTree>
@@ -7650,6 +9115,52 @@
           </a:graphicData>
         </a:graphic>
       </p:graphicFrame>
+      <p:sp>
+        <p:nvSpPr>
+          <p:cNvPr id="5" name="직사각형 4"/>
+          <p:cNvSpPr/>
+          <p:nvPr/>
+        </p:nvSpPr>
+        <p:spPr>
+          <a:xfrm>
+            <a:off x="107504" y="116632"/>
+            <a:ext cx="2592288" cy="369332"/>
+          </a:xfrm>
+          <a:prstGeom prst="rect">
+            <a:avLst/>
+          </a:prstGeom>
+        </p:spPr>
+        <p:txBody>
+          <a:bodyPr wrap="square">
+            <a:spAutoFit/>
+          </a:bodyPr>
+          <a:lstStyle/>
+          <a:p>
+            <a:r>
+              <a:rPr lang="en-US" altLang="ko-KR" dirty="0" smtClean="0">
+                <a:latin typeface="배달의민족 주아" pitchFamily="18" charset="-127"/>
+                <a:ea typeface="배달의민족 주아" pitchFamily="18" charset="-127"/>
+              </a:rPr>
+              <a:t>2</a:t>
+            </a:r>
+            <a:r>
+              <a:rPr lang="en-US" altLang="ko-KR" smtClean="0">
+                <a:latin typeface="배달의민족 주아" pitchFamily="18" charset="-127"/>
+                <a:ea typeface="배달의민족 주아" pitchFamily="18" charset="-127"/>
+              </a:rPr>
+              <a:t>. </a:t>
+            </a:r>
+            <a:r>
+              <a:rPr lang="ko-KR" altLang="en-US" dirty="0" smtClean="0">
+                <a:latin typeface="배달의민족 주아" pitchFamily="18" charset="-127"/>
+                <a:ea typeface="배달의민족 주아" pitchFamily="18" charset="-127"/>
+              </a:rPr>
+              <a:t>산술연산</a:t>
+            </a:r>
+            <a:endParaRPr lang="ko-KR" altLang="en-US" dirty="0"/>
+          </a:p>
+        </p:txBody>
+      </p:sp>
     </p:spTree>
     <p:extLst>
       <p:ext uri="{BB962C8B-B14F-4D97-AF65-F5344CB8AC3E}">
@@ -7746,459 +9257,6 @@
 </p:sld>
 </file>
 
-<file path=ppt/slides/slide5.xml><?xml version="1.0" encoding="utf-8"?>
-<p:sld xmlns:a="http://schemas.openxmlformats.org/drawingml/2006/main" xmlns:r="http://schemas.openxmlformats.org/officeDocument/2006/relationships" xmlns:p="http://schemas.openxmlformats.org/presentationml/2006/main">
-  <p:cSld>
-    <p:spTree>
-      <p:nvGrpSpPr>
-        <p:cNvPr id="1" name=""/>
-        <p:cNvGrpSpPr/>
-        <p:nvPr/>
-      </p:nvGrpSpPr>
-      <p:grpSpPr>
-        <a:xfrm>
-          <a:off x="0" y="0"/>
-          <a:ext cx="0" cy="0"/>
-          <a:chOff x="0" y="0"/>
-          <a:chExt cx="0" cy="0"/>
-        </a:xfrm>
-      </p:grpSpPr>
-      <p:sp>
-        <p:nvSpPr>
-          <p:cNvPr id="2" name="제목 1"/>
-          <p:cNvSpPr>
-            <a:spLocks noGrp="1"/>
-          </p:cNvSpPr>
-          <p:nvPr>
-            <p:ph type="ctrTitle"/>
-          </p:nvPr>
-        </p:nvSpPr>
-        <p:spPr>
-          <a:xfrm>
-            <a:off x="685800" y="1628800"/>
-            <a:ext cx="7772400" cy="1470025"/>
-          </a:xfrm>
-        </p:spPr>
-        <p:txBody>
-          <a:bodyPr/>
-          <a:lstStyle/>
-          <a:p>
-            <a:r>
-              <a:rPr lang="ko-KR" altLang="en-US" dirty="0" smtClean="0">
-                <a:latin typeface="배달의민족 주아" pitchFamily="18" charset="-127"/>
-                <a:ea typeface="배달의민족 주아" pitchFamily="18" charset="-127"/>
-              </a:rPr>
-              <a:t>숫자연산</a:t>
-            </a:r>
-            <a:endParaRPr lang="ko-KR" altLang="en-US" dirty="0">
-              <a:latin typeface="배달의민족 주아" pitchFamily="18" charset="-127"/>
-              <a:ea typeface="배달의민족 주아" pitchFamily="18" charset="-127"/>
-            </a:endParaRPr>
-          </a:p>
-        </p:txBody>
-      </p:sp>
-      <p:sp>
-        <p:nvSpPr>
-          <p:cNvPr id="3" name="TextBox 2"/>
-          <p:cNvSpPr txBox="1"/>
-          <p:nvPr/>
-        </p:nvSpPr>
-        <p:spPr>
-          <a:xfrm>
-            <a:off x="6588224" y="6165304"/>
-            <a:ext cx="1838965" cy="369332"/>
-          </a:xfrm>
-          <a:prstGeom prst="rect">
-            <a:avLst/>
-          </a:prstGeom>
-          <a:noFill/>
-        </p:spPr>
-        <p:txBody>
-          <a:bodyPr wrap="none" rtlCol="0">
-            <a:spAutoFit/>
-          </a:bodyPr>
-          <a:lstStyle/>
-          <a:p>
-            <a:r>
-              <a:rPr lang="en-US" altLang="ko-KR" dirty="0" smtClean="0">
-                <a:solidFill>
-                  <a:schemeClr val="accent5"/>
-                </a:solidFill>
-                <a:latin typeface="배달의민족 도현" pitchFamily="50" charset="-127"/>
-                <a:ea typeface="배달의민족 도현" pitchFamily="50" charset="-127"/>
-              </a:rPr>
-              <a:t>S</a:t>
-            </a:r>
-            <a:r>
-              <a:rPr lang="en-US" altLang="ko-KR" dirty="0" smtClean="0">
-                <a:latin typeface="배달의민족 도현" pitchFamily="50" charset="-127"/>
-                <a:ea typeface="배달의민족 도현" pitchFamily="50" charset="-127"/>
-              </a:rPr>
-              <a:t>TART</a:t>
-            </a:r>
-            <a:r>
-              <a:rPr lang="en-US" altLang="ko-KR" dirty="0" smtClean="0">
-                <a:solidFill>
-                  <a:schemeClr val="accent5"/>
-                </a:solidFill>
-                <a:latin typeface="배달의민족 도현" pitchFamily="50" charset="-127"/>
-                <a:ea typeface="배달의민족 도현" pitchFamily="50" charset="-127"/>
-              </a:rPr>
-              <a:t>C</a:t>
-            </a:r>
-            <a:r>
-              <a:rPr lang="en-US" altLang="ko-KR" dirty="0" smtClean="0">
-                <a:latin typeface="배달의민족 도현" pitchFamily="50" charset="-127"/>
-                <a:ea typeface="배달의민족 도현" pitchFamily="50" charset="-127"/>
-              </a:rPr>
-              <a:t>ODING</a:t>
-            </a:r>
-            <a:endParaRPr lang="ko-KR" altLang="en-US" dirty="0">
-              <a:latin typeface="배달의민족 도현" pitchFamily="50" charset="-127"/>
-              <a:ea typeface="배달의민족 도현" pitchFamily="50" charset="-127"/>
-            </a:endParaRPr>
-          </a:p>
-        </p:txBody>
-      </p:sp>
-      <p:sp>
-        <p:nvSpPr>
-          <p:cNvPr id="6" name="제목 1"/>
-          <p:cNvSpPr txBox="1">
-            <a:spLocks/>
-          </p:cNvSpPr>
-          <p:nvPr/>
-        </p:nvSpPr>
-        <p:spPr>
-          <a:xfrm>
-            <a:off x="2624865" y="2780928"/>
-            <a:ext cx="3963359" cy="1470025"/>
-          </a:xfrm>
-          <a:prstGeom prst="rect">
-            <a:avLst/>
-          </a:prstGeom>
-        </p:spPr>
-        <p:txBody>
-          <a:bodyPr vert="horz" lIns="91440" tIns="45720" rIns="91440" bIns="45720" rtlCol="0" anchor="ctr">
-            <a:normAutofit/>
-          </a:bodyPr>
-          <a:lstStyle>
-            <a:lvl1pPr algn="ctr" defTabSz="914400" rtl="0" eaLnBrk="1" latinLnBrk="1" hangingPunct="1">
-              <a:spcBef>
-                <a:spcPct val="0"/>
-              </a:spcBef>
-              <a:buNone/>
-              <a:defRPr sz="4400" kern="1200">
-                <a:solidFill>
-                  <a:schemeClr val="tx1"/>
-                </a:solidFill>
-                <a:latin typeface="+mj-lt"/>
-                <a:ea typeface="+mj-ea"/>
-                <a:cs typeface="+mj-cs"/>
-              </a:defRPr>
-            </a:lvl1pPr>
-          </a:lstStyle>
-          <a:p>
-            <a:r>
-              <a:rPr lang="en-US" altLang="ko-KR" dirty="0" smtClean="0">
-                <a:solidFill>
-                  <a:schemeClr val="accent6"/>
-                </a:solidFill>
-                <a:latin typeface="배달의민족 주아" pitchFamily="18" charset="-127"/>
-                <a:ea typeface="배달의민족 주아" pitchFamily="18" charset="-127"/>
-              </a:rPr>
-              <a:t>let a = 10;</a:t>
-            </a:r>
-          </a:p>
-          <a:p>
-            <a:r>
-              <a:rPr lang="en-US" altLang="ko-KR" dirty="0" smtClean="0">
-                <a:solidFill>
-                  <a:schemeClr val="accent6"/>
-                </a:solidFill>
-                <a:latin typeface="배달의민족 주아" pitchFamily="18" charset="-127"/>
-                <a:ea typeface="배달의민족 주아" pitchFamily="18" charset="-127"/>
-              </a:rPr>
-              <a:t>let b = 20; </a:t>
-            </a:r>
-            <a:endParaRPr lang="ko-KR" altLang="en-US" dirty="0">
-              <a:solidFill>
-                <a:schemeClr val="accent6"/>
-              </a:solidFill>
-              <a:latin typeface="배달의민족 주아" pitchFamily="18" charset="-127"/>
-              <a:ea typeface="배달의민족 주아" pitchFamily="18" charset="-127"/>
-            </a:endParaRPr>
-          </a:p>
-        </p:txBody>
-      </p:sp>
-      <p:sp>
-        <p:nvSpPr>
-          <p:cNvPr id="7" name="제목 1"/>
-          <p:cNvSpPr txBox="1">
-            <a:spLocks/>
-          </p:cNvSpPr>
-          <p:nvPr/>
-        </p:nvSpPr>
-        <p:spPr>
-          <a:xfrm>
-            <a:off x="2051720" y="4365104"/>
-            <a:ext cx="5112568" cy="1656184"/>
-          </a:xfrm>
-          <a:prstGeom prst="rect">
-            <a:avLst/>
-          </a:prstGeom>
-        </p:spPr>
-        <p:txBody>
-          <a:bodyPr vert="horz" lIns="91440" tIns="45720" rIns="91440" bIns="45720" rtlCol="0" anchor="ctr">
-            <a:normAutofit fontScale="70000" lnSpcReduction="20000"/>
-          </a:bodyPr>
-          <a:lstStyle>
-            <a:lvl1pPr algn="ctr" defTabSz="914400" rtl="0" eaLnBrk="1" latinLnBrk="1" hangingPunct="1">
-              <a:spcBef>
-                <a:spcPct val="0"/>
-              </a:spcBef>
-              <a:buNone/>
-              <a:defRPr sz="4400" kern="1200">
-                <a:solidFill>
-                  <a:schemeClr val="tx1"/>
-                </a:solidFill>
-                <a:latin typeface="+mj-lt"/>
-                <a:ea typeface="+mj-ea"/>
-                <a:cs typeface="+mj-cs"/>
-              </a:defRPr>
-            </a:lvl1pPr>
-          </a:lstStyle>
-          <a:p>
-            <a:r>
-              <a:rPr lang="en-US" altLang="ko-KR" sz="3600" dirty="0" smtClean="0">
-                <a:latin typeface="배달의민족 주아" pitchFamily="18" charset="-127"/>
-                <a:ea typeface="배달의민족 주아" pitchFamily="18" charset="-127"/>
-              </a:rPr>
-              <a:t>console.log(</a:t>
-            </a:r>
-            <a:r>
-              <a:rPr lang="en-US" altLang="ko-KR" sz="3600" dirty="0" err="1" smtClean="0">
-                <a:latin typeface="배달의민족 주아" pitchFamily="18" charset="-127"/>
-                <a:ea typeface="배달의민족 주아" pitchFamily="18" charset="-127"/>
-              </a:rPr>
-              <a:t>a+b</a:t>
-            </a:r>
-            <a:r>
-              <a:rPr lang="en-US" altLang="ko-KR" sz="3600" dirty="0" smtClean="0">
-                <a:latin typeface="배달의민족 주아" pitchFamily="18" charset="-127"/>
-                <a:ea typeface="배달의민족 주아" pitchFamily="18" charset="-127"/>
-              </a:rPr>
-              <a:t>);</a:t>
-            </a:r>
-          </a:p>
-          <a:p>
-            <a:r>
-              <a:rPr lang="en-US" altLang="ko-KR" sz="3600" dirty="0" smtClean="0">
-                <a:latin typeface="배달의민족 주아" pitchFamily="18" charset="-127"/>
-                <a:ea typeface="배달의민족 주아" pitchFamily="18" charset="-127"/>
-              </a:rPr>
-              <a:t>console.log(a-b);</a:t>
-            </a:r>
-          </a:p>
-          <a:p>
-            <a:r>
-              <a:rPr lang="en-US" altLang="ko-KR" sz="3600" dirty="0" smtClean="0">
-                <a:latin typeface="배달의민족 주아" pitchFamily="18" charset="-127"/>
-                <a:ea typeface="배달의민족 주아" pitchFamily="18" charset="-127"/>
-              </a:rPr>
-              <a:t>console.log(a*b);</a:t>
-            </a:r>
-          </a:p>
-          <a:p>
-            <a:r>
-              <a:rPr lang="en-US" altLang="ko-KR" sz="3600" dirty="0" smtClean="0">
-                <a:latin typeface="배달의민족 주아" pitchFamily="18" charset="-127"/>
-                <a:ea typeface="배달의민족 주아" pitchFamily="18" charset="-127"/>
-              </a:rPr>
-              <a:t>console.log(a/b);</a:t>
-            </a:r>
-          </a:p>
-          <a:p>
-            <a:r>
-              <a:rPr lang="en-US" altLang="ko-KR" sz="3600" dirty="0" smtClean="0">
-                <a:latin typeface="배달의민족 주아" pitchFamily="18" charset="-127"/>
-                <a:ea typeface="배달의민족 주아" pitchFamily="18" charset="-127"/>
-              </a:rPr>
-              <a:t>console.log(</a:t>
-            </a:r>
-            <a:r>
-              <a:rPr lang="en-US" altLang="ko-KR" sz="3600" dirty="0" err="1" smtClean="0">
-                <a:latin typeface="배달의민족 주아" pitchFamily="18" charset="-127"/>
-                <a:ea typeface="배달의민족 주아" pitchFamily="18" charset="-127"/>
-              </a:rPr>
-              <a:t>a%b</a:t>
-            </a:r>
-            <a:r>
-              <a:rPr lang="en-US" altLang="ko-KR" sz="3600" dirty="0" smtClean="0">
-                <a:latin typeface="배달의민족 주아" pitchFamily="18" charset="-127"/>
-                <a:ea typeface="배달의민족 주아" pitchFamily="18" charset="-127"/>
-              </a:rPr>
-              <a:t>);</a:t>
-            </a:r>
-            <a:endParaRPr lang="ko-KR" altLang="en-US" sz="3600" dirty="0">
-              <a:latin typeface="배달의민족 주아" pitchFamily="18" charset="-127"/>
-              <a:ea typeface="배달의민족 주아" pitchFamily="18" charset="-127"/>
-            </a:endParaRPr>
-          </a:p>
-        </p:txBody>
-      </p:sp>
-    </p:spTree>
-    <p:extLst>
-      <p:ext uri="{BB962C8B-B14F-4D97-AF65-F5344CB8AC3E}">
-        <p14:creationId xmlns:p14="http://schemas.microsoft.com/office/powerpoint/2010/main" val="2441136250"/>
-      </p:ext>
-    </p:extLst>
-  </p:cSld>
-  <p:clrMapOvr>
-    <a:masterClrMapping/>
-  </p:clrMapOvr>
-  <p:timing>
-    <p:tnLst>
-      <p:par>
-        <p:cTn id="1" dur="indefinite" restart="never" nodeType="tmRoot">
-          <p:childTnLst>
-            <p:seq concurrent="1" nextAc="seek">
-              <p:cTn id="2" dur="indefinite" nodeType="mainSeq">
-                <p:childTnLst>
-                  <p:par>
-                    <p:cTn id="3" fill="hold">
-                      <p:stCondLst>
-                        <p:cond delay="indefinite"/>
-                      </p:stCondLst>
-                      <p:childTnLst>
-                        <p:par>
-                          <p:cTn id="4" fill="hold">
-                            <p:stCondLst>
-                              <p:cond delay="0"/>
-                            </p:stCondLst>
-                            <p:childTnLst>
-                              <p:par>
-                                <p:cTn id="5" presetID="10" presetClass="entr" presetSubtype="0" fill="hold" grpId="0" nodeType="clickEffect">
-                                  <p:stCondLst>
-                                    <p:cond delay="0"/>
-                                  </p:stCondLst>
-                                  <p:childTnLst>
-                                    <p:set>
-                                      <p:cBhvr>
-                                        <p:cTn id="6" dur="1" fill="hold">
-                                          <p:stCondLst>
-                                            <p:cond delay="0"/>
-                                          </p:stCondLst>
-                                        </p:cTn>
-                                        <p:tgtEl>
-                                          <p:spTgt spid="6"/>
-                                        </p:tgtEl>
-                                        <p:attrNameLst>
-                                          <p:attrName>style.visibility</p:attrName>
-                                        </p:attrNameLst>
-                                      </p:cBhvr>
-                                      <p:to>
-                                        <p:strVal val="visible"/>
-                                      </p:to>
-                                    </p:set>
-                                    <p:animEffect transition="in" filter="fade">
-                                      <p:cBhvr>
-                                        <p:cTn id="7" dur="500"/>
-                                        <p:tgtEl>
-                                          <p:spTgt spid="6"/>
-                                        </p:tgtEl>
-                                      </p:cBhvr>
-                                    </p:animEffect>
-                                  </p:childTnLst>
-                                </p:cTn>
-                              </p:par>
-                            </p:childTnLst>
-                          </p:cTn>
-                        </p:par>
-                      </p:childTnLst>
-                    </p:cTn>
-                  </p:par>
-                  <p:par>
-                    <p:cTn id="8" fill="hold">
-                      <p:stCondLst>
-                        <p:cond delay="indefinite"/>
-                      </p:stCondLst>
-                      <p:childTnLst>
-                        <p:par>
-                          <p:cTn id="9" fill="hold">
-                            <p:stCondLst>
-                              <p:cond delay="0"/>
-                            </p:stCondLst>
-                            <p:childTnLst>
-                              <p:par>
-                                <p:cTn id="10" presetID="10" presetClass="entr" presetSubtype="0" fill="hold" grpId="0" nodeType="clickEffect">
-                                  <p:stCondLst>
-                                    <p:cond delay="0"/>
-                                  </p:stCondLst>
-                                  <p:childTnLst>
-                                    <p:set>
-                                      <p:cBhvr>
-                                        <p:cTn id="11" dur="1" fill="hold">
-                                          <p:stCondLst>
-                                            <p:cond delay="0"/>
-                                          </p:stCondLst>
-                                        </p:cTn>
-                                        <p:tgtEl>
-                                          <p:spTgt spid="7"/>
-                                        </p:tgtEl>
-                                        <p:attrNameLst>
-                                          <p:attrName>style.visibility</p:attrName>
-                                        </p:attrNameLst>
-                                      </p:cBhvr>
-                                      <p:to>
-                                        <p:strVal val="visible"/>
-                                      </p:to>
-                                    </p:set>
-                                    <p:animEffect transition="in" filter="fade">
-                                      <p:cBhvr>
-                                        <p:cTn id="12" dur="500"/>
-                                        <p:tgtEl>
-                                          <p:spTgt spid="7"/>
-                                        </p:tgtEl>
-                                      </p:cBhvr>
-                                    </p:animEffect>
-                                  </p:childTnLst>
-                                </p:cTn>
-                              </p:par>
-                            </p:childTnLst>
-                          </p:cTn>
-                        </p:par>
-                      </p:childTnLst>
-                    </p:cTn>
-                  </p:par>
-                </p:childTnLst>
-              </p:cTn>
-              <p:prevCondLst>
-                <p:cond evt="onPrev" delay="0">
-                  <p:tgtEl>
-                    <p:sldTgt/>
-                  </p:tgtEl>
-                </p:cond>
-              </p:prevCondLst>
-              <p:nextCondLst>
-                <p:cond evt="onNext" delay="0">
-                  <p:tgtEl>
-                    <p:sldTgt/>
-                  </p:tgtEl>
-                </p:cond>
-              </p:nextCondLst>
-            </p:seq>
-          </p:childTnLst>
-        </p:cTn>
-      </p:par>
-    </p:tnLst>
-    <p:bldLst>
-      <p:bldP spid="6" grpId="0"/>
-      <p:bldP spid="7" grpId="0"/>
-    </p:bldLst>
-  </p:timing>
-</p:sld>
-</file>
-
 <file path=ppt/slides/slide6.xml><?xml version="1.0" encoding="utf-8"?>
 <p:sld xmlns:a="http://schemas.openxmlformats.org/drawingml/2006/main" xmlns:r="http://schemas.openxmlformats.org/officeDocument/2006/relationships" xmlns:p="http://schemas.openxmlformats.org/presentationml/2006/main">
   <p:cSld>
@@ -8241,21 +9299,7 @@
                 <a:latin typeface="배달의민족 주아" pitchFamily="18" charset="-127"/>
                 <a:ea typeface="배달의민족 주아" pitchFamily="18" charset="-127"/>
               </a:rPr>
-              <a:t>문자</a:t>
-            </a:r>
-            <a:r>
-              <a:rPr lang="ko-KR" altLang="en-US" dirty="0">
-                <a:latin typeface="배달의민족 주아" pitchFamily="18" charset="-127"/>
-                <a:ea typeface="배달의민족 주아" pitchFamily="18" charset="-127"/>
-              </a:rPr>
-              <a:t>열</a:t>
-            </a:r>
-            <a:r>
-              <a:rPr lang="ko-KR" altLang="en-US" dirty="0" smtClean="0">
-                <a:latin typeface="배달의민족 주아" pitchFamily="18" charset="-127"/>
-                <a:ea typeface="배달의민족 주아" pitchFamily="18" charset="-127"/>
-              </a:rPr>
-              <a:t>연산</a:t>
+              <a:t>숫자연산</a:t>
             </a:r>
             <a:endParaRPr lang="ko-KR" altLang="en-US" dirty="0">
               <a:latin typeface="배달의민족 주아" pitchFamily="18" charset="-127"/>
@@ -8337,8 +9381,8 @@
         </p:nvSpPr>
         <p:spPr>
           <a:xfrm>
-            <a:off x="1331640" y="2780928"/>
-            <a:ext cx="6336703" cy="1470025"/>
+            <a:off x="2624865" y="2780928"/>
+            <a:ext cx="3963359" cy="1470025"/>
           </a:xfrm>
           <a:prstGeom prst="rect">
             <a:avLst/>
@@ -8366,6 +9410,16 @@
           </a:lstStyle>
           <a:p>
             <a:r>
+              <a:rPr lang="en-US" altLang="ko-KR" dirty="0" err="1" smtClean="0">
+                <a:solidFill>
+                  <a:schemeClr val="accent5"/>
+                </a:solidFill>
+                <a:latin typeface="배달의민족 주아" pitchFamily="18" charset="-127"/>
+                <a:ea typeface="배달의민족 주아" pitchFamily="18" charset="-127"/>
+              </a:rPr>
+              <a:t>var</a:t>
+            </a:r>
+            <a:r>
               <a:rPr lang="en-US" altLang="ko-KR" dirty="0" smtClean="0">
                 <a:solidFill>
                   <a:schemeClr val="accent6"/>
@@ -8373,17 +9427,39 @@
                 <a:latin typeface="배달의민족 주아" pitchFamily="18" charset="-127"/>
                 <a:ea typeface="배달의민족 주아" pitchFamily="18" charset="-127"/>
               </a:rPr>
-              <a:t>let </a:t>
-            </a:r>
+              <a:t> </a:t>
+            </a:r>
+            <a:r>
+              <a:rPr lang="en-US" altLang="ko-KR" dirty="0" smtClean="0">
+                <a:solidFill>
+                  <a:schemeClr val="accent6"/>
+                </a:solidFill>
+                <a:latin typeface="배달의민족 주아" pitchFamily="18" charset="-127"/>
+                <a:ea typeface="배달의민족 주아" pitchFamily="18" charset="-127"/>
+              </a:rPr>
+              <a:t>a = 10;</a:t>
+            </a:r>
+          </a:p>
+          <a:p>
             <a:r>
               <a:rPr lang="en-US" altLang="ko-KR" dirty="0" err="1" smtClean="0">
                 <a:solidFill>
+                  <a:schemeClr val="accent5"/>
+                </a:solidFill>
+                <a:latin typeface="배달의민족 주아" pitchFamily="18" charset="-127"/>
+                <a:ea typeface="배달의민족 주아" pitchFamily="18" charset="-127"/>
+              </a:rPr>
+              <a:t>var</a:t>
+            </a:r>
+            <a:r>
+              <a:rPr lang="en-US" altLang="ko-KR" dirty="0" smtClean="0">
+                <a:solidFill>
                   <a:schemeClr val="accent6"/>
                 </a:solidFill>
                 <a:latin typeface="배달의민족 주아" pitchFamily="18" charset="-127"/>
                 <a:ea typeface="배달의민족 주아" pitchFamily="18" charset="-127"/>
               </a:rPr>
-              <a:t>nickName</a:t>
+              <a:t> </a:t>
             </a:r>
             <a:r>
               <a:rPr lang="en-US" altLang="ko-KR" dirty="0" smtClean="0">
@@ -8393,28 +9469,15 @@
                 <a:latin typeface="배달의민족 주아" pitchFamily="18" charset="-127"/>
                 <a:ea typeface="배달의민족 주아" pitchFamily="18" charset="-127"/>
               </a:rPr>
-              <a:t> = “”</a:t>
-            </a:r>
-            <a:r>
-              <a:rPr lang="ko-KR" altLang="en-US" dirty="0" err="1" smtClean="0">
-                <a:solidFill>
-                  <a:schemeClr val="accent6"/>
-                </a:solidFill>
-                <a:latin typeface="배달의민족 주아" pitchFamily="18" charset="-127"/>
-                <a:ea typeface="배달의민족 주아" pitchFamily="18" charset="-127"/>
-              </a:rPr>
-              <a:t>이근대위</a:t>
-            </a:r>
-            <a:r>
-              <a:rPr lang="en-US" altLang="ko-KR" dirty="0" smtClean="0">
-                <a:solidFill>
-                  <a:schemeClr val="accent6"/>
-                </a:solidFill>
-                <a:latin typeface="배달의민족 주아" pitchFamily="18" charset="-127"/>
-                <a:ea typeface="배달의민족 주아" pitchFamily="18" charset="-127"/>
-              </a:rPr>
-              <a:t>””;</a:t>
-            </a:r>
+              <a:t>b = 20; </a:t>
+            </a:r>
+            <a:endParaRPr lang="ko-KR" altLang="en-US" dirty="0">
+              <a:solidFill>
+                <a:schemeClr val="accent6"/>
+              </a:solidFill>
+              <a:latin typeface="배달의민족 주아" pitchFamily="18" charset="-127"/>
+              <a:ea typeface="배달의민족 주아" pitchFamily="18" charset="-127"/>
+            </a:endParaRPr>
           </a:p>
         </p:txBody>
       </p:sp>
@@ -8428,8 +9491,8 @@
         </p:nvSpPr>
         <p:spPr>
           <a:xfrm>
-            <a:off x="1547665" y="4005064"/>
-            <a:ext cx="6120678" cy="1656184"/>
+            <a:off x="2051720" y="4365104"/>
+            <a:ext cx="5112568" cy="1656184"/>
           </a:xfrm>
           <a:prstGeom prst="rect">
             <a:avLst/>
@@ -8437,7 +9500,7 @@
         </p:spPr>
         <p:txBody>
           <a:bodyPr vert="horz" lIns="91440" tIns="45720" rIns="91440" bIns="45720" rtlCol="0" anchor="ctr">
-            <a:normAutofit/>
+            <a:normAutofit fontScale="70000" lnSpcReduction="20000"/>
           </a:bodyPr>
           <a:lstStyle>
             <a:lvl1pPr algn="ctr" defTabSz="914400" rtl="0" eaLnBrk="1" latinLnBrk="1" hangingPunct="1">
@@ -8457,51 +9520,133 @@
           </a:lstStyle>
           <a:p>
             <a:r>
-              <a:rPr lang="en-US" altLang="ko-KR" sz="2800" dirty="0" smtClean="0">
+              <a:rPr lang="en-US" altLang="ko-KR" sz="3600" dirty="0" smtClean="0">
                 <a:latin typeface="배달의민족 주아" pitchFamily="18" charset="-127"/>
                 <a:ea typeface="배달의민족 주아" pitchFamily="18" charset="-127"/>
               </a:rPr>
               <a:t>console.log(</a:t>
             </a:r>
             <a:r>
-              <a:rPr lang="en-US" altLang="ko-KR" sz="2800" dirty="0" err="1" smtClean="0">
-                <a:latin typeface="배달의민족 주아" pitchFamily="18" charset="-127"/>
-                <a:ea typeface="배달의민족 주아" pitchFamily="18" charset="-127"/>
-              </a:rPr>
-              <a:t>nickName</a:t>
-            </a:r>
-            <a:r>
-              <a:rPr lang="en-US" altLang="ko-KR" sz="2800" dirty="0" smtClean="0">
-                <a:latin typeface="배달의민족 주아" pitchFamily="18" charset="-127"/>
-                <a:ea typeface="배달의민족 주아" pitchFamily="18" charset="-127"/>
-              </a:rPr>
-              <a:t>+””</a:t>
-            </a:r>
-            <a:r>
-              <a:rPr lang="ko-KR" altLang="en-US" sz="2800" dirty="0" smtClean="0">
-                <a:latin typeface="배달의민족 주아" pitchFamily="18" charset="-127"/>
-                <a:ea typeface="배달의민족 주아" pitchFamily="18" charset="-127"/>
-              </a:rPr>
-              <a:t>님 반갑습니다</a:t>
-            </a:r>
-            <a:r>
-              <a:rPr lang="en-US" altLang="ko-KR" sz="2800" dirty="0" smtClean="0">
-                <a:latin typeface="배달의민족 주아" pitchFamily="18" charset="-127"/>
-                <a:ea typeface="배달의민족 주아" pitchFamily="18" charset="-127"/>
-              </a:rPr>
-              <a:t>.””);</a:t>
-            </a:r>
-            <a:endParaRPr lang="ko-KR" altLang="en-US" sz="2800" dirty="0">
+              <a:rPr lang="en-US" altLang="ko-KR" sz="3600" dirty="0" err="1" smtClean="0">
+                <a:latin typeface="배달의민족 주아" pitchFamily="18" charset="-127"/>
+                <a:ea typeface="배달의민족 주아" pitchFamily="18" charset="-127"/>
+              </a:rPr>
+              <a:t>a+b</a:t>
+            </a:r>
+            <a:r>
+              <a:rPr lang="en-US" altLang="ko-KR" sz="3600" dirty="0" smtClean="0">
+                <a:latin typeface="배달의민족 주아" pitchFamily="18" charset="-127"/>
+                <a:ea typeface="배달의민족 주아" pitchFamily="18" charset="-127"/>
+              </a:rPr>
+              <a:t>);</a:t>
+            </a:r>
+          </a:p>
+          <a:p>
+            <a:r>
+              <a:rPr lang="en-US" altLang="ko-KR" sz="3600" dirty="0" smtClean="0">
+                <a:latin typeface="배달의민족 주아" pitchFamily="18" charset="-127"/>
+                <a:ea typeface="배달의민족 주아" pitchFamily="18" charset="-127"/>
+              </a:rPr>
+              <a:t>console.log(a-b);</a:t>
+            </a:r>
+          </a:p>
+          <a:p>
+            <a:r>
+              <a:rPr lang="en-US" altLang="ko-KR" sz="3600" dirty="0" smtClean="0">
+                <a:latin typeface="배달의민족 주아" pitchFamily="18" charset="-127"/>
+                <a:ea typeface="배달의민족 주아" pitchFamily="18" charset="-127"/>
+              </a:rPr>
+              <a:t>console.log(a*b);</a:t>
+            </a:r>
+          </a:p>
+          <a:p>
+            <a:r>
+              <a:rPr lang="en-US" altLang="ko-KR" sz="3600" dirty="0" smtClean="0">
+                <a:latin typeface="배달의민족 주아" pitchFamily="18" charset="-127"/>
+                <a:ea typeface="배달의민족 주아" pitchFamily="18" charset="-127"/>
+              </a:rPr>
+              <a:t>console.log(a/b);</a:t>
+            </a:r>
+          </a:p>
+          <a:p>
+            <a:r>
+              <a:rPr lang="en-US" altLang="ko-KR" sz="3600" dirty="0" smtClean="0">
+                <a:latin typeface="배달의민족 주아" pitchFamily="18" charset="-127"/>
+                <a:ea typeface="배달의민족 주아" pitchFamily="18" charset="-127"/>
+              </a:rPr>
+              <a:t>console.log(</a:t>
+            </a:r>
+            <a:r>
+              <a:rPr lang="en-US" altLang="ko-KR" sz="3600" dirty="0" err="1" smtClean="0">
+                <a:latin typeface="배달의민족 주아" pitchFamily="18" charset="-127"/>
+                <a:ea typeface="배달의민족 주아" pitchFamily="18" charset="-127"/>
+              </a:rPr>
+              <a:t>a%b</a:t>
+            </a:r>
+            <a:r>
+              <a:rPr lang="en-US" altLang="ko-KR" sz="3600" dirty="0" smtClean="0">
+                <a:latin typeface="배달의민족 주아" pitchFamily="18" charset="-127"/>
+                <a:ea typeface="배달의민족 주아" pitchFamily="18" charset="-127"/>
+              </a:rPr>
+              <a:t>);</a:t>
+            </a:r>
+            <a:endParaRPr lang="ko-KR" altLang="en-US" sz="3600" dirty="0">
               <a:latin typeface="배달의민족 주아" pitchFamily="18" charset="-127"/>
               <a:ea typeface="배달의민족 주아" pitchFamily="18" charset="-127"/>
             </a:endParaRPr>
           </a:p>
         </p:txBody>
       </p:sp>
+      <p:sp>
+        <p:nvSpPr>
+          <p:cNvPr id="8" name="직사각형 7"/>
+          <p:cNvSpPr/>
+          <p:nvPr/>
+        </p:nvSpPr>
+        <p:spPr>
+          <a:xfrm>
+            <a:off x="107504" y="116632"/>
+            <a:ext cx="2592288" cy="369332"/>
+          </a:xfrm>
+          <a:prstGeom prst="rect">
+            <a:avLst/>
+          </a:prstGeom>
+        </p:spPr>
+        <p:txBody>
+          <a:bodyPr wrap="square">
+            <a:spAutoFit/>
+          </a:bodyPr>
+          <a:lstStyle/>
+          <a:p>
+            <a:r>
+              <a:rPr lang="en-US" altLang="ko-KR" dirty="0" smtClean="0">
+                <a:latin typeface="배달의민족 주아" pitchFamily="18" charset="-127"/>
+                <a:ea typeface="배달의민족 주아" pitchFamily="18" charset="-127"/>
+              </a:rPr>
+              <a:t>2</a:t>
+            </a:r>
+            <a:r>
+              <a:rPr lang="en-US" altLang="ko-KR" smtClean="0">
+                <a:latin typeface="배달의민족 주아" pitchFamily="18" charset="-127"/>
+                <a:ea typeface="배달의민족 주아" pitchFamily="18" charset="-127"/>
+              </a:rPr>
+              <a:t>. </a:t>
+            </a:r>
+            <a:r>
+              <a:rPr lang="ko-KR" altLang="en-US" dirty="0" smtClean="0">
+                <a:latin typeface="배달의민족 주아" pitchFamily="18" charset="-127"/>
+                <a:ea typeface="배달의민족 주아" pitchFamily="18" charset="-127"/>
+              </a:rPr>
+              <a:t>산술연산</a:t>
+            </a:r>
+            <a:endParaRPr lang="ko-KR" altLang="en-US" dirty="0"/>
+          </a:p>
+        </p:txBody>
+      </p:sp>
     </p:spTree>
     <p:extLst>
       <p:ext uri="{BB962C8B-B14F-4D97-AF65-F5344CB8AC3E}">
-        <p14:creationId xmlns:p14="http://schemas.microsoft.com/office/powerpoint/2010/main" val="1182594767"/>
+        <p14:creationId xmlns:p14="http://schemas.microsoft.com/office/powerpoint/2010/main" val="2441136250"/>
       </p:ext>
     </p:extLst>
   </p:cSld>
@@ -8680,6 +9825,531 @@
         </p:nvSpPr>
         <p:spPr>
           <a:xfrm>
+            <a:off x="685800" y="1628800"/>
+            <a:ext cx="7772400" cy="1470025"/>
+          </a:xfrm>
+        </p:spPr>
+        <p:txBody>
+          <a:bodyPr/>
+          <a:lstStyle/>
+          <a:p>
+            <a:r>
+              <a:rPr lang="ko-KR" altLang="en-US" dirty="0" smtClean="0">
+                <a:latin typeface="배달의민족 주아" pitchFamily="18" charset="-127"/>
+                <a:ea typeface="배달의민족 주아" pitchFamily="18" charset="-127"/>
+              </a:rPr>
+              <a:t>문자</a:t>
+            </a:r>
+            <a:r>
+              <a:rPr lang="ko-KR" altLang="en-US" dirty="0">
+                <a:latin typeface="배달의민족 주아" pitchFamily="18" charset="-127"/>
+                <a:ea typeface="배달의민족 주아" pitchFamily="18" charset="-127"/>
+              </a:rPr>
+              <a:t>열</a:t>
+            </a:r>
+            <a:r>
+              <a:rPr lang="ko-KR" altLang="en-US" dirty="0" smtClean="0">
+                <a:latin typeface="배달의민족 주아" pitchFamily="18" charset="-127"/>
+                <a:ea typeface="배달의민족 주아" pitchFamily="18" charset="-127"/>
+              </a:rPr>
+              <a:t>연산</a:t>
+            </a:r>
+            <a:endParaRPr lang="ko-KR" altLang="en-US" dirty="0">
+              <a:latin typeface="배달의민족 주아" pitchFamily="18" charset="-127"/>
+              <a:ea typeface="배달의민족 주아" pitchFamily="18" charset="-127"/>
+            </a:endParaRPr>
+          </a:p>
+        </p:txBody>
+      </p:sp>
+      <p:sp>
+        <p:nvSpPr>
+          <p:cNvPr id="3" name="TextBox 2"/>
+          <p:cNvSpPr txBox="1"/>
+          <p:nvPr/>
+        </p:nvSpPr>
+        <p:spPr>
+          <a:xfrm>
+            <a:off x="6588224" y="6165304"/>
+            <a:ext cx="1838965" cy="369332"/>
+          </a:xfrm>
+          <a:prstGeom prst="rect">
+            <a:avLst/>
+          </a:prstGeom>
+          <a:noFill/>
+        </p:spPr>
+        <p:txBody>
+          <a:bodyPr wrap="none" rtlCol="0">
+            <a:spAutoFit/>
+          </a:bodyPr>
+          <a:lstStyle/>
+          <a:p>
+            <a:r>
+              <a:rPr lang="en-US" altLang="ko-KR" dirty="0" smtClean="0">
+                <a:solidFill>
+                  <a:schemeClr val="accent5"/>
+                </a:solidFill>
+                <a:latin typeface="배달의민족 도현" pitchFamily="50" charset="-127"/>
+                <a:ea typeface="배달의민족 도현" pitchFamily="50" charset="-127"/>
+              </a:rPr>
+              <a:t>S</a:t>
+            </a:r>
+            <a:r>
+              <a:rPr lang="en-US" altLang="ko-KR" dirty="0" smtClean="0">
+                <a:latin typeface="배달의민족 도현" pitchFamily="50" charset="-127"/>
+                <a:ea typeface="배달의민족 도현" pitchFamily="50" charset="-127"/>
+              </a:rPr>
+              <a:t>TART</a:t>
+            </a:r>
+            <a:r>
+              <a:rPr lang="en-US" altLang="ko-KR" dirty="0" smtClean="0">
+                <a:solidFill>
+                  <a:schemeClr val="accent5"/>
+                </a:solidFill>
+                <a:latin typeface="배달의민족 도현" pitchFamily="50" charset="-127"/>
+                <a:ea typeface="배달의민족 도현" pitchFamily="50" charset="-127"/>
+              </a:rPr>
+              <a:t>C</a:t>
+            </a:r>
+            <a:r>
+              <a:rPr lang="en-US" altLang="ko-KR" dirty="0" smtClean="0">
+                <a:latin typeface="배달의민족 도현" pitchFamily="50" charset="-127"/>
+                <a:ea typeface="배달의민족 도현" pitchFamily="50" charset="-127"/>
+              </a:rPr>
+              <a:t>ODING</a:t>
+            </a:r>
+            <a:endParaRPr lang="ko-KR" altLang="en-US" dirty="0">
+              <a:latin typeface="배달의민족 도현" pitchFamily="50" charset="-127"/>
+              <a:ea typeface="배달의민족 도현" pitchFamily="50" charset="-127"/>
+            </a:endParaRPr>
+          </a:p>
+        </p:txBody>
+      </p:sp>
+      <p:sp>
+        <p:nvSpPr>
+          <p:cNvPr id="6" name="제목 1"/>
+          <p:cNvSpPr txBox="1">
+            <a:spLocks/>
+          </p:cNvSpPr>
+          <p:nvPr/>
+        </p:nvSpPr>
+        <p:spPr>
+          <a:xfrm>
+            <a:off x="1331640" y="2780928"/>
+            <a:ext cx="6336703" cy="1470025"/>
+          </a:xfrm>
+          <a:prstGeom prst="rect">
+            <a:avLst/>
+          </a:prstGeom>
+        </p:spPr>
+        <p:txBody>
+          <a:bodyPr vert="horz" lIns="91440" tIns="45720" rIns="91440" bIns="45720" rtlCol="0" anchor="ctr">
+            <a:normAutofit/>
+          </a:bodyPr>
+          <a:lstStyle>
+            <a:lvl1pPr algn="ctr" defTabSz="914400" rtl="0" eaLnBrk="1" latinLnBrk="1" hangingPunct="1">
+              <a:spcBef>
+                <a:spcPct val="0"/>
+              </a:spcBef>
+              <a:buNone/>
+              <a:defRPr sz="4400" kern="1200">
+                <a:solidFill>
+                  <a:schemeClr val="tx1"/>
+                </a:solidFill>
+                <a:latin typeface="+mj-lt"/>
+                <a:ea typeface="+mj-ea"/>
+                <a:cs typeface="+mj-cs"/>
+              </a:defRPr>
+            </a:lvl1pPr>
+          </a:lstStyle>
+          <a:p>
+            <a:r>
+              <a:rPr lang="en-US" altLang="ko-KR" sz="4000" dirty="0" err="1" smtClean="0">
+                <a:solidFill>
+                  <a:schemeClr val="accent5"/>
+                </a:solidFill>
+                <a:latin typeface="배달의민족 주아" pitchFamily="18" charset="-127"/>
+                <a:ea typeface="배달의민족 주아" pitchFamily="18" charset="-127"/>
+              </a:rPr>
+              <a:t>var</a:t>
+            </a:r>
+            <a:r>
+              <a:rPr lang="en-US" altLang="ko-KR" sz="4000" dirty="0" smtClean="0">
+                <a:solidFill>
+                  <a:schemeClr val="accent6"/>
+                </a:solidFill>
+                <a:latin typeface="배달의민족 주아" pitchFamily="18" charset="-127"/>
+                <a:ea typeface="배달의민족 주아" pitchFamily="18" charset="-127"/>
+              </a:rPr>
+              <a:t> </a:t>
+            </a:r>
+            <a:r>
+              <a:rPr lang="en-US" altLang="ko-KR" sz="4000" dirty="0" err="1" smtClean="0">
+                <a:solidFill>
+                  <a:schemeClr val="accent6"/>
+                </a:solidFill>
+                <a:latin typeface="배달의민족 주아" pitchFamily="18" charset="-127"/>
+                <a:ea typeface="배달의민족 주아" pitchFamily="18" charset="-127"/>
+              </a:rPr>
+              <a:t>nickName</a:t>
+            </a:r>
+            <a:r>
+              <a:rPr lang="en-US" altLang="ko-KR" sz="4000" dirty="0" smtClean="0">
+                <a:solidFill>
+                  <a:schemeClr val="accent6"/>
+                </a:solidFill>
+                <a:latin typeface="배달의민족 주아" pitchFamily="18" charset="-127"/>
+                <a:ea typeface="배달의민족 주아" pitchFamily="18" charset="-127"/>
+              </a:rPr>
+              <a:t> = </a:t>
+            </a:r>
+            <a:r>
+              <a:rPr lang="en-US" altLang="ko-KR" sz="4000" dirty="0" smtClean="0">
+                <a:solidFill>
+                  <a:schemeClr val="accent6"/>
+                </a:solidFill>
+                <a:latin typeface="배달의민족 주아" pitchFamily="18" charset="-127"/>
+                <a:ea typeface="배달의민족 주아" pitchFamily="18" charset="-127"/>
+              </a:rPr>
+              <a:t>"</a:t>
+            </a:r>
+            <a:r>
+              <a:rPr lang="ko-KR" altLang="en-US" sz="4000" dirty="0" err="1" smtClean="0">
+                <a:solidFill>
+                  <a:schemeClr val="accent6"/>
+                </a:solidFill>
+                <a:latin typeface="배달의민족 주아" pitchFamily="18" charset="-127"/>
+                <a:ea typeface="배달의민족 주아" pitchFamily="18" charset="-127"/>
+              </a:rPr>
+              <a:t>이근대위</a:t>
+            </a:r>
+            <a:r>
+              <a:rPr lang="en-US" altLang="ko-KR" sz="4000" dirty="0" smtClean="0">
+                <a:solidFill>
+                  <a:schemeClr val="accent6"/>
+                </a:solidFill>
+                <a:latin typeface="배달의민족 주아" pitchFamily="18" charset="-127"/>
+                <a:ea typeface="배달의민족 주아" pitchFamily="18" charset="-127"/>
+              </a:rPr>
+              <a:t>";</a:t>
+            </a:r>
+            <a:endParaRPr lang="en-US" altLang="ko-KR" sz="4000" dirty="0" smtClean="0">
+              <a:solidFill>
+                <a:schemeClr val="accent6"/>
+              </a:solidFill>
+              <a:latin typeface="배달의민족 주아" pitchFamily="18" charset="-127"/>
+              <a:ea typeface="배달의민족 주아" pitchFamily="18" charset="-127"/>
+            </a:endParaRPr>
+          </a:p>
+        </p:txBody>
+      </p:sp>
+      <p:sp>
+        <p:nvSpPr>
+          <p:cNvPr id="7" name="제목 1"/>
+          <p:cNvSpPr txBox="1">
+            <a:spLocks/>
+          </p:cNvSpPr>
+          <p:nvPr/>
+        </p:nvSpPr>
+        <p:spPr>
+          <a:xfrm>
+            <a:off x="1547665" y="4005064"/>
+            <a:ext cx="6120678" cy="1656184"/>
+          </a:xfrm>
+          <a:prstGeom prst="rect">
+            <a:avLst/>
+          </a:prstGeom>
+        </p:spPr>
+        <p:txBody>
+          <a:bodyPr vert="horz" lIns="91440" tIns="45720" rIns="91440" bIns="45720" rtlCol="0" anchor="ctr">
+            <a:normAutofit/>
+          </a:bodyPr>
+          <a:lstStyle>
+            <a:lvl1pPr algn="ctr" defTabSz="914400" rtl="0" eaLnBrk="1" latinLnBrk="1" hangingPunct="1">
+              <a:spcBef>
+                <a:spcPct val="0"/>
+              </a:spcBef>
+              <a:buNone/>
+              <a:defRPr sz="4400" kern="1200">
+                <a:solidFill>
+                  <a:schemeClr val="tx1"/>
+                </a:solidFill>
+                <a:latin typeface="+mj-lt"/>
+                <a:ea typeface="+mj-ea"/>
+                <a:cs typeface="+mj-cs"/>
+              </a:defRPr>
+            </a:lvl1pPr>
+          </a:lstStyle>
+          <a:p>
+            <a:r>
+              <a:rPr lang="en-US" altLang="ko-KR" sz="2800" dirty="0" smtClean="0">
+                <a:latin typeface="배달의민족 주아" pitchFamily="18" charset="-127"/>
+                <a:ea typeface="배달의민족 주아" pitchFamily="18" charset="-127"/>
+              </a:rPr>
+              <a:t>console.log(</a:t>
+            </a:r>
+            <a:r>
+              <a:rPr lang="en-US" altLang="ko-KR" sz="2800" dirty="0" err="1" smtClean="0">
+                <a:latin typeface="배달의민족 주아" pitchFamily="18" charset="-127"/>
+                <a:ea typeface="배달의민족 주아" pitchFamily="18" charset="-127"/>
+              </a:rPr>
+              <a:t>nickName</a:t>
+            </a:r>
+            <a:r>
+              <a:rPr lang="en-US" altLang="ko-KR" sz="2800" dirty="0" smtClean="0">
+                <a:latin typeface="배달의민족 주아" pitchFamily="18" charset="-127"/>
+                <a:ea typeface="배달의민족 주아" pitchFamily="18" charset="-127"/>
+              </a:rPr>
+              <a:t>+"</a:t>
+            </a:r>
+            <a:r>
+              <a:rPr lang="ko-KR" altLang="en-US" sz="2800" dirty="0" smtClean="0">
+                <a:latin typeface="배달의민족 주아" pitchFamily="18" charset="-127"/>
+                <a:ea typeface="배달의민족 주아" pitchFamily="18" charset="-127"/>
+              </a:rPr>
+              <a:t>님 </a:t>
+            </a:r>
+            <a:r>
+              <a:rPr lang="ko-KR" altLang="en-US" sz="2800" dirty="0" smtClean="0">
+                <a:latin typeface="배달의민족 주아" pitchFamily="18" charset="-127"/>
+                <a:ea typeface="배달의민족 주아" pitchFamily="18" charset="-127"/>
+              </a:rPr>
+              <a:t>반갑습니다</a:t>
+            </a:r>
+            <a:r>
+              <a:rPr lang="en-US" altLang="ko-KR" sz="2800" dirty="0" smtClean="0">
+                <a:latin typeface="배달의민족 주아" pitchFamily="18" charset="-127"/>
+                <a:ea typeface="배달의민족 주아" pitchFamily="18" charset="-127"/>
+              </a:rPr>
+              <a:t>.");</a:t>
+            </a:r>
+            <a:endParaRPr lang="ko-KR" altLang="en-US" sz="2800" dirty="0">
+              <a:latin typeface="배달의민족 주아" pitchFamily="18" charset="-127"/>
+              <a:ea typeface="배달의민족 주아" pitchFamily="18" charset="-127"/>
+            </a:endParaRPr>
+          </a:p>
+        </p:txBody>
+      </p:sp>
+      <p:sp>
+        <p:nvSpPr>
+          <p:cNvPr id="8" name="직사각형 7"/>
+          <p:cNvSpPr/>
+          <p:nvPr/>
+        </p:nvSpPr>
+        <p:spPr>
+          <a:xfrm>
+            <a:off x="107504" y="116632"/>
+            <a:ext cx="2592288" cy="369332"/>
+          </a:xfrm>
+          <a:prstGeom prst="rect">
+            <a:avLst/>
+          </a:prstGeom>
+        </p:spPr>
+        <p:txBody>
+          <a:bodyPr wrap="square">
+            <a:spAutoFit/>
+          </a:bodyPr>
+          <a:lstStyle/>
+          <a:p>
+            <a:r>
+              <a:rPr lang="en-US" altLang="ko-KR" dirty="0" smtClean="0">
+                <a:latin typeface="배달의민족 주아" pitchFamily="18" charset="-127"/>
+                <a:ea typeface="배달의민족 주아" pitchFamily="18" charset="-127"/>
+              </a:rPr>
+              <a:t>2. </a:t>
+            </a:r>
+            <a:r>
+              <a:rPr lang="ko-KR" altLang="en-US" dirty="0" smtClean="0">
+                <a:latin typeface="배달의민족 주아" pitchFamily="18" charset="-127"/>
+                <a:ea typeface="배달의민족 주아" pitchFamily="18" charset="-127"/>
+              </a:rPr>
+              <a:t>산술연산</a:t>
+            </a:r>
+            <a:endParaRPr lang="ko-KR" altLang="en-US" dirty="0"/>
+          </a:p>
+        </p:txBody>
+      </p:sp>
+    </p:spTree>
+    <p:extLst>
+      <p:ext uri="{BB962C8B-B14F-4D97-AF65-F5344CB8AC3E}">
+        <p14:creationId xmlns:p14="http://schemas.microsoft.com/office/powerpoint/2010/main" val="1182594767"/>
+      </p:ext>
+    </p:extLst>
+  </p:cSld>
+  <p:clrMapOvr>
+    <a:masterClrMapping/>
+  </p:clrMapOvr>
+  <p:timing>
+    <p:tnLst>
+      <p:par>
+        <p:cTn id="1" dur="indefinite" restart="never" nodeType="tmRoot">
+          <p:childTnLst>
+            <p:seq concurrent="1" nextAc="seek">
+              <p:cTn id="2" dur="indefinite" nodeType="mainSeq">
+                <p:childTnLst>
+                  <p:par>
+                    <p:cTn id="3" fill="hold">
+                      <p:stCondLst>
+                        <p:cond delay="indefinite"/>
+                      </p:stCondLst>
+                      <p:childTnLst>
+                        <p:par>
+                          <p:cTn id="4" fill="hold">
+                            <p:stCondLst>
+                              <p:cond delay="0"/>
+                            </p:stCondLst>
+                            <p:childTnLst>
+                              <p:par>
+                                <p:cTn id="5" presetID="10" presetClass="entr" presetSubtype="0" fill="hold" grpId="0" nodeType="clickEffect">
+                                  <p:stCondLst>
+                                    <p:cond delay="0"/>
+                                  </p:stCondLst>
+                                  <p:childTnLst>
+                                    <p:set>
+                                      <p:cBhvr>
+                                        <p:cTn id="6" dur="1" fill="hold">
+                                          <p:stCondLst>
+                                            <p:cond delay="0"/>
+                                          </p:stCondLst>
+                                        </p:cTn>
+                                        <p:tgtEl>
+                                          <p:spTgt spid="6"/>
+                                        </p:tgtEl>
+                                        <p:attrNameLst>
+                                          <p:attrName>style.visibility</p:attrName>
+                                        </p:attrNameLst>
+                                      </p:cBhvr>
+                                      <p:to>
+                                        <p:strVal val="visible"/>
+                                      </p:to>
+                                    </p:set>
+                                    <p:animEffect transition="in" filter="fade">
+                                      <p:cBhvr>
+                                        <p:cTn id="7" dur="500"/>
+                                        <p:tgtEl>
+                                          <p:spTgt spid="6"/>
+                                        </p:tgtEl>
+                                      </p:cBhvr>
+                                    </p:animEffect>
+                                  </p:childTnLst>
+                                </p:cTn>
+                              </p:par>
+                            </p:childTnLst>
+                          </p:cTn>
+                        </p:par>
+                      </p:childTnLst>
+                    </p:cTn>
+                  </p:par>
+                  <p:par>
+                    <p:cTn id="8" fill="hold">
+                      <p:stCondLst>
+                        <p:cond delay="indefinite"/>
+                      </p:stCondLst>
+                      <p:childTnLst>
+                        <p:par>
+                          <p:cTn id="9" fill="hold">
+                            <p:stCondLst>
+                              <p:cond delay="0"/>
+                            </p:stCondLst>
+                            <p:childTnLst>
+                              <p:par>
+                                <p:cTn id="10" presetID="10" presetClass="entr" presetSubtype="0" fill="hold" grpId="0" nodeType="clickEffect">
+                                  <p:stCondLst>
+                                    <p:cond delay="0"/>
+                                  </p:stCondLst>
+                                  <p:childTnLst>
+                                    <p:set>
+                                      <p:cBhvr>
+                                        <p:cTn id="11" dur="1" fill="hold">
+                                          <p:stCondLst>
+                                            <p:cond delay="0"/>
+                                          </p:stCondLst>
+                                        </p:cTn>
+                                        <p:tgtEl>
+                                          <p:spTgt spid="7"/>
+                                        </p:tgtEl>
+                                        <p:attrNameLst>
+                                          <p:attrName>style.visibility</p:attrName>
+                                        </p:attrNameLst>
+                                      </p:cBhvr>
+                                      <p:to>
+                                        <p:strVal val="visible"/>
+                                      </p:to>
+                                    </p:set>
+                                    <p:animEffect transition="in" filter="fade">
+                                      <p:cBhvr>
+                                        <p:cTn id="12" dur="500"/>
+                                        <p:tgtEl>
+                                          <p:spTgt spid="7"/>
+                                        </p:tgtEl>
+                                      </p:cBhvr>
+                                    </p:animEffect>
+                                  </p:childTnLst>
+                                </p:cTn>
+                              </p:par>
+                            </p:childTnLst>
+                          </p:cTn>
+                        </p:par>
+                      </p:childTnLst>
+                    </p:cTn>
+                  </p:par>
+                </p:childTnLst>
+              </p:cTn>
+              <p:prevCondLst>
+                <p:cond evt="onPrev" delay="0">
+                  <p:tgtEl>
+                    <p:sldTgt/>
+                  </p:tgtEl>
+                </p:cond>
+              </p:prevCondLst>
+              <p:nextCondLst>
+                <p:cond evt="onNext" delay="0">
+                  <p:tgtEl>
+                    <p:sldTgt/>
+                  </p:tgtEl>
+                </p:cond>
+              </p:nextCondLst>
+            </p:seq>
+          </p:childTnLst>
+        </p:cTn>
+      </p:par>
+    </p:tnLst>
+    <p:bldLst>
+      <p:bldP spid="6" grpId="0"/>
+      <p:bldP spid="7" grpId="0"/>
+    </p:bldLst>
+  </p:timing>
+</p:sld>
+</file>
+
+<file path=ppt/slides/slide8.xml><?xml version="1.0" encoding="utf-8"?>
+<p:sld xmlns:a="http://schemas.openxmlformats.org/drawingml/2006/main" xmlns:r="http://schemas.openxmlformats.org/officeDocument/2006/relationships" xmlns:p="http://schemas.openxmlformats.org/presentationml/2006/main">
+  <p:cSld>
+    <p:spTree>
+      <p:nvGrpSpPr>
+        <p:cNvPr id="1" name=""/>
+        <p:cNvGrpSpPr/>
+        <p:nvPr/>
+      </p:nvGrpSpPr>
+      <p:grpSpPr>
+        <a:xfrm>
+          <a:off x="0" y="0"/>
+          <a:ext cx="0" cy="0"/>
+          <a:chOff x="0" y="0"/>
+          <a:chExt cx="0" cy="0"/>
+        </a:xfrm>
+      </p:grpSpPr>
+      <p:sp>
+        <p:nvSpPr>
+          <p:cNvPr id="2" name="제목 1"/>
+          <p:cNvSpPr>
+            <a:spLocks noGrp="1"/>
+          </p:cNvSpPr>
+          <p:nvPr>
+            <p:ph type="ctrTitle"/>
+          </p:nvPr>
+        </p:nvSpPr>
+        <p:spPr>
+          <a:xfrm>
             <a:off x="685800" y="1340768"/>
             <a:ext cx="7772400" cy="1470025"/>
           </a:xfrm>
@@ -8899,6 +10569,59 @@
           </a:p>
         </p:txBody>
       </p:sp>
+      <p:sp>
+        <p:nvSpPr>
+          <p:cNvPr id="8" name="직사각형 7"/>
+          <p:cNvSpPr/>
+          <p:nvPr/>
+        </p:nvSpPr>
+        <p:spPr>
+          <a:xfrm>
+            <a:off x="107504" y="116632"/>
+            <a:ext cx="2592288" cy="369332"/>
+          </a:xfrm>
+          <a:prstGeom prst="rect">
+            <a:avLst/>
+          </a:prstGeom>
+        </p:spPr>
+        <p:txBody>
+          <a:bodyPr wrap="square">
+            <a:spAutoFit/>
+          </a:bodyPr>
+          <a:lstStyle/>
+          <a:p>
+            <a:r>
+              <a:rPr lang="en-US" altLang="ko-KR" dirty="0" smtClean="0">
+                <a:latin typeface="배달의민족 주아" pitchFamily="18" charset="-127"/>
+                <a:ea typeface="배달의민족 주아" pitchFamily="18" charset="-127"/>
+              </a:rPr>
+              <a:t>3. </a:t>
+            </a:r>
+            <a:r>
+              <a:rPr lang="ko-KR" altLang="en-US" dirty="0" smtClean="0">
+                <a:latin typeface="배달의민족 주아" pitchFamily="18" charset="-127"/>
+                <a:ea typeface="배달의민족 주아" pitchFamily="18" charset="-127"/>
+              </a:rPr>
+              <a:t>비</a:t>
+            </a:r>
+            <a:r>
+              <a:rPr lang="ko-KR" altLang="en-US" dirty="0">
+                <a:latin typeface="배달의민족 주아" pitchFamily="18" charset="-127"/>
+                <a:ea typeface="배달의민족 주아" pitchFamily="18" charset="-127"/>
+              </a:rPr>
+              <a:t>교</a:t>
+            </a:r>
+            <a:r>
+              <a:rPr lang="ko-KR" altLang="en-US" dirty="0" smtClean="0">
+                <a:latin typeface="배달의민족 주아" pitchFamily="18" charset="-127"/>
+                <a:ea typeface="배달의민족 주아" pitchFamily="18" charset="-127"/>
+              </a:rPr>
+              <a:t>연산</a:t>
+            </a:r>
+            <a:endParaRPr lang="ko-KR" altLang="en-US" dirty="0"/>
+          </a:p>
+        </p:txBody>
+      </p:sp>
     </p:spTree>
     <p:extLst>
       <p:ext uri="{BB962C8B-B14F-4D97-AF65-F5344CB8AC3E}">
@@ -8919,7 +10642,7 @@
 </p:sld>
 </file>
 
-<file path=ppt/slides/slide8.xml><?xml version="1.0" encoding="utf-8"?>
+<file path=ppt/slides/slide9.xml><?xml version="1.0" encoding="utf-8"?>
 <p:sld xmlns:a="http://schemas.openxmlformats.org/drawingml/2006/main" xmlns:r="http://schemas.openxmlformats.org/officeDocument/2006/relationships" xmlns:p="http://schemas.openxmlformats.org/presentationml/2006/main">
   <p:cSld>
     <p:spTree>
@@ -9313,6 +11036,59 @@
           </a:graphicData>
         </a:graphic>
       </p:graphicFrame>
+      <p:sp>
+        <p:nvSpPr>
+          <p:cNvPr id="5" name="직사각형 4"/>
+          <p:cNvSpPr/>
+          <p:nvPr/>
+        </p:nvSpPr>
+        <p:spPr>
+          <a:xfrm>
+            <a:off x="107504" y="116632"/>
+            <a:ext cx="2592288" cy="369332"/>
+          </a:xfrm>
+          <a:prstGeom prst="rect">
+            <a:avLst/>
+          </a:prstGeom>
+        </p:spPr>
+        <p:txBody>
+          <a:bodyPr wrap="square">
+            <a:spAutoFit/>
+          </a:bodyPr>
+          <a:lstStyle/>
+          <a:p>
+            <a:r>
+              <a:rPr lang="en-US" altLang="ko-KR" dirty="0" smtClean="0">
+                <a:latin typeface="배달의민족 주아" pitchFamily="18" charset="-127"/>
+                <a:ea typeface="배달의민족 주아" pitchFamily="18" charset="-127"/>
+              </a:rPr>
+              <a:t>3. </a:t>
+            </a:r>
+            <a:r>
+              <a:rPr lang="ko-KR" altLang="en-US" dirty="0" smtClean="0">
+                <a:latin typeface="배달의민족 주아" pitchFamily="18" charset="-127"/>
+                <a:ea typeface="배달의민족 주아" pitchFamily="18" charset="-127"/>
+              </a:rPr>
+              <a:t>비</a:t>
+            </a:r>
+            <a:r>
+              <a:rPr lang="ko-KR" altLang="en-US" dirty="0">
+                <a:latin typeface="배달의민족 주아" pitchFamily="18" charset="-127"/>
+                <a:ea typeface="배달의민족 주아" pitchFamily="18" charset="-127"/>
+              </a:rPr>
+              <a:t>교</a:t>
+            </a:r>
+            <a:r>
+              <a:rPr lang="ko-KR" altLang="en-US" dirty="0" smtClean="0">
+                <a:latin typeface="배달의민족 주아" pitchFamily="18" charset="-127"/>
+                <a:ea typeface="배달의민족 주아" pitchFamily="18" charset="-127"/>
+              </a:rPr>
+              <a:t>연산</a:t>
+            </a:r>
+            <a:endParaRPr lang="ko-KR" altLang="en-US" dirty="0"/>
+          </a:p>
+        </p:txBody>
+      </p:sp>
     </p:spTree>
     <p:extLst>
       <p:ext uri="{BB962C8B-B14F-4D97-AF65-F5344CB8AC3E}">
@@ -9405,389 +11181,6 @@
         </p:cTn>
       </p:par>
     </p:tnLst>
-  </p:timing>
-</p:sld>
-</file>
-
-<file path=ppt/slides/slide9.xml><?xml version="1.0" encoding="utf-8"?>
-<p:sld xmlns:a="http://schemas.openxmlformats.org/drawingml/2006/main" xmlns:r="http://schemas.openxmlformats.org/officeDocument/2006/relationships" xmlns:p="http://schemas.openxmlformats.org/presentationml/2006/main">
-  <p:cSld>
-    <p:spTree>
-      <p:nvGrpSpPr>
-        <p:cNvPr id="1" name=""/>
-        <p:cNvGrpSpPr/>
-        <p:nvPr/>
-      </p:nvGrpSpPr>
-      <p:grpSpPr>
-        <a:xfrm>
-          <a:off x="0" y="0"/>
-          <a:ext cx="0" cy="0"/>
-          <a:chOff x="0" y="0"/>
-          <a:chExt cx="0" cy="0"/>
-        </a:xfrm>
-      </p:grpSpPr>
-      <p:sp>
-        <p:nvSpPr>
-          <p:cNvPr id="2" name="제목 1"/>
-          <p:cNvSpPr>
-            <a:spLocks noGrp="1"/>
-          </p:cNvSpPr>
-          <p:nvPr>
-            <p:ph type="ctrTitle"/>
-          </p:nvPr>
-        </p:nvSpPr>
-        <p:spPr>
-          <a:xfrm>
-            <a:off x="685800" y="1340768"/>
-            <a:ext cx="7772400" cy="1470025"/>
-          </a:xfrm>
-        </p:spPr>
-        <p:txBody>
-          <a:bodyPr/>
-          <a:lstStyle/>
-          <a:p>
-            <a:r>
-              <a:rPr lang="ko-KR" altLang="en-US" dirty="0" smtClean="0">
-                <a:latin typeface="배달의민족 주아" pitchFamily="18" charset="-127"/>
-                <a:ea typeface="배달의민족 주아" pitchFamily="18" charset="-127"/>
-              </a:rPr>
-              <a:t>불린</a:t>
-            </a:r>
-            <a:r>
-              <a:rPr lang="en-US" altLang="ko-KR" dirty="0" smtClean="0">
-                <a:latin typeface="배달의민족 주아" pitchFamily="18" charset="-127"/>
-                <a:ea typeface="배달의민족 주아" pitchFamily="18" charset="-127"/>
-              </a:rPr>
-              <a:t>(Boolean)</a:t>
-            </a:r>
-            <a:r>
-              <a:rPr lang="ko-KR" altLang="en-US" dirty="0" smtClean="0">
-                <a:latin typeface="배달의민족 주아" pitchFamily="18" charset="-127"/>
-                <a:ea typeface="배달의민족 주아" pitchFamily="18" charset="-127"/>
-              </a:rPr>
-              <a:t>형</a:t>
-            </a:r>
-            <a:endParaRPr lang="ko-KR" altLang="en-US" dirty="0">
-              <a:latin typeface="배달의민족 주아" pitchFamily="18" charset="-127"/>
-              <a:ea typeface="배달의민족 주아" pitchFamily="18" charset="-127"/>
-            </a:endParaRPr>
-          </a:p>
-        </p:txBody>
-      </p:sp>
-      <p:sp>
-        <p:nvSpPr>
-          <p:cNvPr id="3" name="TextBox 2"/>
-          <p:cNvSpPr txBox="1"/>
-          <p:nvPr/>
-        </p:nvSpPr>
-        <p:spPr>
-          <a:xfrm>
-            <a:off x="6588224" y="6165304"/>
-            <a:ext cx="1838965" cy="369332"/>
-          </a:xfrm>
-          <a:prstGeom prst="rect">
-            <a:avLst/>
-          </a:prstGeom>
-          <a:noFill/>
-        </p:spPr>
-        <p:txBody>
-          <a:bodyPr wrap="none" rtlCol="0">
-            <a:spAutoFit/>
-          </a:bodyPr>
-          <a:lstStyle/>
-          <a:p>
-            <a:r>
-              <a:rPr lang="en-US" altLang="ko-KR" dirty="0" smtClean="0">
-                <a:solidFill>
-                  <a:schemeClr val="accent5"/>
-                </a:solidFill>
-                <a:latin typeface="배달의민족 도현" pitchFamily="50" charset="-127"/>
-                <a:ea typeface="배달의민족 도현" pitchFamily="50" charset="-127"/>
-              </a:rPr>
-              <a:t>S</a:t>
-            </a:r>
-            <a:r>
-              <a:rPr lang="en-US" altLang="ko-KR" dirty="0" smtClean="0">
-                <a:latin typeface="배달의민족 도현" pitchFamily="50" charset="-127"/>
-                <a:ea typeface="배달의민족 도현" pitchFamily="50" charset="-127"/>
-              </a:rPr>
-              <a:t>TART</a:t>
-            </a:r>
-            <a:r>
-              <a:rPr lang="en-US" altLang="ko-KR" dirty="0" smtClean="0">
-                <a:solidFill>
-                  <a:schemeClr val="accent5"/>
-                </a:solidFill>
-                <a:latin typeface="배달의민족 도현" pitchFamily="50" charset="-127"/>
-                <a:ea typeface="배달의민족 도현" pitchFamily="50" charset="-127"/>
-              </a:rPr>
-              <a:t>C</a:t>
-            </a:r>
-            <a:r>
-              <a:rPr lang="en-US" altLang="ko-KR" dirty="0" smtClean="0">
-                <a:latin typeface="배달의민족 도현" pitchFamily="50" charset="-127"/>
-                <a:ea typeface="배달의민족 도현" pitchFamily="50" charset="-127"/>
-              </a:rPr>
-              <a:t>ODING</a:t>
-            </a:r>
-            <a:endParaRPr lang="ko-KR" altLang="en-US" dirty="0">
-              <a:latin typeface="배달의민족 도현" pitchFamily="50" charset="-127"/>
-              <a:ea typeface="배달의민족 도현" pitchFamily="50" charset="-127"/>
-            </a:endParaRPr>
-          </a:p>
-        </p:txBody>
-      </p:sp>
-      <p:sp>
-        <p:nvSpPr>
-          <p:cNvPr id="5" name="제목 1"/>
-          <p:cNvSpPr txBox="1">
-            <a:spLocks/>
-          </p:cNvSpPr>
-          <p:nvPr/>
-        </p:nvSpPr>
-        <p:spPr>
-          <a:xfrm>
-            <a:off x="1331640" y="2780928"/>
-            <a:ext cx="6336703" cy="1470025"/>
-          </a:xfrm>
-          <a:prstGeom prst="rect">
-            <a:avLst/>
-          </a:prstGeom>
-        </p:spPr>
-        <p:txBody>
-          <a:bodyPr vert="horz" lIns="91440" tIns="45720" rIns="91440" bIns="45720" rtlCol="0" anchor="ctr">
-            <a:normAutofit/>
-          </a:bodyPr>
-          <a:lstStyle>
-            <a:lvl1pPr algn="ctr" defTabSz="914400" rtl="0" eaLnBrk="1" latinLnBrk="1" hangingPunct="1">
-              <a:spcBef>
-                <a:spcPct val="0"/>
-              </a:spcBef>
-              <a:buNone/>
-              <a:defRPr sz="4400" kern="1200">
-                <a:solidFill>
-                  <a:schemeClr val="tx1"/>
-                </a:solidFill>
-                <a:latin typeface="+mj-lt"/>
-                <a:ea typeface="+mj-ea"/>
-                <a:cs typeface="+mj-cs"/>
-              </a:defRPr>
-            </a:lvl1pPr>
-          </a:lstStyle>
-          <a:p>
-            <a:r>
-              <a:rPr lang="en-US" altLang="ko-KR" dirty="0" smtClean="0">
-                <a:solidFill>
-                  <a:schemeClr val="accent5"/>
-                </a:solidFill>
-                <a:latin typeface="배달의민족 주아" pitchFamily="18" charset="-127"/>
-                <a:ea typeface="배달의민족 주아" pitchFamily="18" charset="-127"/>
-              </a:rPr>
-              <a:t>True</a:t>
-            </a:r>
-          </a:p>
-        </p:txBody>
-      </p:sp>
-      <p:sp>
-        <p:nvSpPr>
-          <p:cNvPr id="6" name="제목 1"/>
-          <p:cNvSpPr txBox="1">
-            <a:spLocks/>
-          </p:cNvSpPr>
-          <p:nvPr/>
-        </p:nvSpPr>
-        <p:spPr>
-          <a:xfrm>
-            <a:off x="1331640" y="3717032"/>
-            <a:ext cx="6336703" cy="1470025"/>
-          </a:xfrm>
-          <a:prstGeom prst="rect">
-            <a:avLst/>
-          </a:prstGeom>
-        </p:spPr>
-        <p:txBody>
-          <a:bodyPr vert="horz" lIns="91440" tIns="45720" rIns="91440" bIns="45720" rtlCol="0" anchor="ctr">
-            <a:normAutofit/>
-          </a:bodyPr>
-          <a:lstStyle>
-            <a:lvl1pPr algn="ctr" defTabSz="914400" rtl="0" eaLnBrk="1" latinLnBrk="1" hangingPunct="1">
-              <a:spcBef>
-                <a:spcPct val="0"/>
-              </a:spcBef>
-              <a:buNone/>
-              <a:defRPr sz="4400" kern="1200">
-                <a:solidFill>
-                  <a:schemeClr val="tx1"/>
-                </a:solidFill>
-                <a:latin typeface="+mj-lt"/>
-                <a:ea typeface="+mj-ea"/>
-                <a:cs typeface="+mj-cs"/>
-              </a:defRPr>
-            </a:lvl1pPr>
-          </a:lstStyle>
-          <a:p>
-            <a:r>
-              <a:rPr lang="en-US" altLang="ko-KR" dirty="0" smtClean="0">
-                <a:solidFill>
-                  <a:schemeClr val="accent6"/>
-                </a:solidFill>
-                <a:latin typeface="배달의민족 주아" pitchFamily="18" charset="-127"/>
-                <a:ea typeface="배달의민족 주아" pitchFamily="18" charset="-127"/>
-              </a:rPr>
-              <a:t>False</a:t>
-            </a:r>
-          </a:p>
-        </p:txBody>
-      </p:sp>
-    </p:spTree>
-    <p:extLst>
-      <p:ext uri="{BB962C8B-B14F-4D97-AF65-F5344CB8AC3E}">
-        <p14:creationId xmlns:p14="http://schemas.microsoft.com/office/powerpoint/2010/main" val="2834783587"/>
-      </p:ext>
-    </p:extLst>
-  </p:cSld>
-  <p:clrMapOvr>
-    <a:masterClrMapping/>
-  </p:clrMapOvr>
-  <p:timing>
-    <p:tnLst>
-      <p:par>
-        <p:cTn id="1" dur="indefinite" restart="never" nodeType="tmRoot">
-          <p:childTnLst>
-            <p:seq concurrent="1" nextAc="seek">
-              <p:cTn id="2" dur="indefinite" nodeType="mainSeq">
-                <p:childTnLst>
-                  <p:par>
-                    <p:cTn id="3" fill="hold">
-                      <p:stCondLst>
-                        <p:cond delay="indefinite"/>
-                      </p:stCondLst>
-                      <p:childTnLst>
-                        <p:par>
-                          <p:cTn id="4" fill="hold">
-                            <p:stCondLst>
-                              <p:cond delay="0"/>
-                            </p:stCondLst>
-                            <p:childTnLst>
-                              <p:par>
-                                <p:cTn id="5" presetID="10" presetClass="entr" presetSubtype="0" fill="hold" grpId="0" nodeType="clickEffect">
-                                  <p:stCondLst>
-                                    <p:cond delay="0"/>
-                                  </p:stCondLst>
-                                  <p:childTnLst>
-                                    <p:set>
-                                      <p:cBhvr>
-                                        <p:cTn id="6" dur="1" fill="hold">
-                                          <p:stCondLst>
-                                            <p:cond delay="0"/>
-                                          </p:stCondLst>
-                                        </p:cTn>
-                                        <p:tgtEl>
-                                          <p:spTgt spid="5"/>
-                                        </p:tgtEl>
-                                        <p:attrNameLst>
-                                          <p:attrName>style.visibility</p:attrName>
-                                        </p:attrNameLst>
-                                      </p:cBhvr>
-                                      <p:to>
-                                        <p:strVal val="visible"/>
-                                      </p:to>
-                                    </p:set>
-                                    <p:animEffect transition="in" filter="fade">
-                                      <p:cBhvr>
-                                        <p:cTn id="7" dur="500"/>
-                                        <p:tgtEl>
-                                          <p:spTgt spid="5"/>
-                                        </p:tgtEl>
-                                      </p:cBhvr>
-                                    </p:animEffect>
-                                  </p:childTnLst>
-                                </p:cTn>
-                              </p:par>
-                            </p:childTnLst>
-                          </p:cTn>
-                        </p:par>
-                      </p:childTnLst>
-                    </p:cTn>
-                  </p:par>
-                  <p:par>
-                    <p:cTn id="8" fill="hold">
-                      <p:stCondLst>
-                        <p:cond delay="indefinite"/>
-                      </p:stCondLst>
-                      <p:childTnLst>
-                        <p:par>
-                          <p:cTn id="9" fill="hold">
-                            <p:stCondLst>
-                              <p:cond delay="0"/>
-                            </p:stCondLst>
-                            <p:childTnLst>
-                              <p:par>
-                                <p:cTn id="10" presetID="10" presetClass="entr" presetSubtype="0" fill="hold" grpId="0" nodeType="clickEffect">
-                                  <p:stCondLst>
-                                    <p:cond delay="0"/>
-                                  </p:stCondLst>
-                                  <p:childTnLst>
-                                    <p:set>
-                                      <p:cBhvr>
-                                        <p:cTn id="11" dur="1" fill="hold">
-                                          <p:stCondLst>
-                                            <p:cond delay="0"/>
-                                          </p:stCondLst>
-                                        </p:cTn>
-                                        <p:tgtEl>
-                                          <p:spTgt spid="6"/>
-                                        </p:tgtEl>
-                                        <p:attrNameLst>
-                                          <p:attrName>style.visibility</p:attrName>
-                                        </p:attrNameLst>
-                                      </p:cBhvr>
-                                      <p:to>
-                                        <p:strVal val="visible"/>
-                                      </p:to>
-                                    </p:set>
-                                    <p:animEffect transition="in" filter="fade">
-                                      <p:cBhvr>
-                                        <p:cTn id="12" dur="500"/>
-                                        <p:tgtEl>
-                                          <p:spTgt spid="6"/>
-                                        </p:tgtEl>
-                                      </p:cBhvr>
-                                    </p:animEffect>
-                                  </p:childTnLst>
-                                </p:cTn>
-                              </p:par>
-                            </p:childTnLst>
-                          </p:cTn>
-                        </p:par>
-                      </p:childTnLst>
-                    </p:cTn>
-                  </p:par>
-                </p:childTnLst>
-              </p:cTn>
-              <p:prevCondLst>
-                <p:cond evt="onPrev" delay="0">
-                  <p:tgtEl>
-                    <p:sldTgt/>
-                  </p:tgtEl>
-                </p:cond>
-              </p:prevCondLst>
-              <p:nextCondLst>
-                <p:cond evt="onNext" delay="0">
-                  <p:tgtEl>
-                    <p:sldTgt/>
-                  </p:tgtEl>
-                </p:cond>
-              </p:nextCondLst>
-            </p:seq>
-          </p:childTnLst>
-        </p:cTn>
-      </p:par>
-    </p:tnLst>
-    <p:bldLst>
-      <p:bldP spid="5" grpId="0"/>
-      <p:bldP spid="6" grpId="0"/>
-    </p:bldLst>
   </p:timing>
 </p:sld>
 </file>
